--- a/Getting Started with Terraform Azure.pptx
+++ b/Getting Started with Terraform Azure.pptx
@@ -5,22 +5,24 @@
     <p:sldMasterId id="2147483676" r:id="rId4"/>
   </p:sldMasterIdLst>
   <p:notesMasterIdLst>
-    <p:notesMasterId r:id="rId18"/>
+    <p:notesMasterId r:id="rId20"/>
   </p:notesMasterIdLst>
   <p:sldIdLst>
     <p:sldId id="257" r:id="rId5"/>
-    <p:sldId id="303" r:id="rId6"/>
-    <p:sldId id="2076138052" r:id="rId7"/>
-    <p:sldId id="2076138053" r:id="rId8"/>
-    <p:sldId id="2076138057" r:id="rId9"/>
-    <p:sldId id="2076138065" r:id="rId10"/>
-    <p:sldId id="2076138055" r:id="rId11"/>
-    <p:sldId id="2076138060" r:id="rId12"/>
-    <p:sldId id="2076138061" r:id="rId13"/>
-    <p:sldId id="2076138056" r:id="rId14"/>
-    <p:sldId id="2076138063" r:id="rId15"/>
-    <p:sldId id="2076138062" r:id="rId16"/>
-    <p:sldId id="2076138064" r:id="rId17"/>
+    <p:sldId id="306" r:id="rId6"/>
+    <p:sldId id="2076138066" r:id="rId7"/>
+    <p:sldId id="303" r:id="rId8"/>
+    <p:sldId id="2076138052" r:id="rId9"/>
+    <p:sldId id="2076138053" r:id="rId10"/>
+    <p:sldId id="2076138057" r:id="rId11"/>
+    <p:sldId id="2076138065" r:id="rId12"/>
+    <p:sldId id="2076138056" r:id="rId13"/>
+    <p:sldId id="2076138055" r:id="rId14"/>
+    <p:sldId id="2076138060" r:id="rId15"/>
+    <p:sldId id="2076138061" r:id="rId16"/>
+    <p:sldId id="2076138063" r:id="rId17"/>
+    <p:sldId id="2076138062" r:id="rId18"/>
+    <p:sldId id="2076138064" r:id="rId19"/>
   </p:sldIdLst>
   <p:sldSz cx="12436475" cy="6994525"/>
   <p:notesSz cx="6858000" cy="9144000"/>
@@ -125,6 +127,8 @@
         <p14:section name="M365 Template - 2018" id="{9BD64746-1A7C-4B76-A02E-A8C0D1B4344D}">
           <p14:sldIdLst>
             <p14:sldId id="257"/>
+            <p14:sldId id="306"/>
+            <p14:sldId id="2076138066"/>
           </p14:sldIdLst>
         </p14:section>
         <p14:section name="Appendix" id="{2C7FA3FF-9A46-47B2-8C44-D3896305092B}">
@@ -134,10 +138,10 @@
             <p14:sldId id="2076138053"/>
             <p14:sldId id="2076138057"/>
             <p14:sldId id="2076138065"/>
+            <p14:sldId id="2076138056"/>
             <p14:sldId id="2076138055"/>
             <p14:sldId id="2076138060"/>
             <p14:sldId id="2076138061"/>
-            <p14:sldId id="2076138056"/>
             <p14:sldId id="2076138063"/>
             <p14:sldId id="2076138062"/>
             <p14:sldId id="2076138064"/>
@@ -178,7 +182,7 @@
 <file path=ppt/revisionInfo.xml><?xml version="1.0" encoding="utf-8"?>
 <p1510:revInfo xmlns:a="http://schemas.openxmlformats.org/drawingml/2006/main" xmlns:r="http://schemas.openxmlformats.org/officeDocument/2006/relationships" xmlns:p1510="http://schemas.microsoft.com/office/powerpoint/2015/10/main">
   <p1510:revLst>
-    <p1510:client id="{193E2FA2-7197-44A6-BF03-4F119BFB0161}" v="1355" dt="2023-02-01T22:09:23.940"/>
+    <p1510:client id="{193E2FA2-7197-44A6-BF03-4F119BFB0161}" v="1407" dt="2023-02-01T23:47:38.503"/>
   </p1510:revLst>
 </p1510:revInfo>
 </file>
@@ -3193,26 +3197,9 @@
         <a:lstStyle/>
         <a:p>
           <a:r>
-            <a:rPr lang="de-DE" err="1"/>
-            <a:t>What</a:t>
+            <a:rPr lang="de-DE" dirty="0"/>
+            <a:t>What it is</a:t>
           </a:r>
-          <a:r>
-            <a:rPr lang="de-DE"/>
-            <a:t> </a:t>
-          </a:r>
-          <a:r>
-            <a:rPr lang="de-DE" err="1"/>
-            <a:t>it</a:t>
-          </a:r>
-          <a:r>
-            <a:rPr lang="de-DE"/>
-            <a:t> </a:t>
-          </a:r>
-          <a:r>
-            <a:rPr lang="de-DE" err="1"/>
-            <a:t>is</a:t>
-          </a:r>
-          <a:endParaRPr lang="de-DE"/>
         </a:p>
       </dgm:t>
     </dgm:pt>
@@ -4425,7 +4412,7 @@
               <a:latin typeface="Segoe UI Semilight"/>
               <a:cs typeface="Segoe UI Semilight"/>
             </a:rPr>
-            <a:t>Abstraction layer over common</a:t>
+            <a:t>Abstraction layer over common cloud provisioning languages</a:t>
           </a:r>
           <a:endParaRPr lang="en-AU" b="1" dirty="0"/>
         </a:p>
@@ -4563,6 +4550,43 @@
         </a:p>
       </dgm:t>
     </dgm:pt>
+    <dgm:pt modelId="{612AAADD-B0C4-4CCB-BC60-BFA125E583C7}">
+      <dgm:prSet phldrT="[Text]"/>
+      <dgm:spPr/>
+      <dgm:t>
+        <a:bodyPr/>
+        <a:lstStyle/>
+        <a:p>
+          <a:r>
+            <a:rPr lang="en-US" dirty="0"/>
+            <a:t>open-source tool developed by Hashicorp</a:t>
+          </a:r>
+          <a:endParaRPr lang="en-AU" b="1" dirty="0"/>
+        </a:p>
+      </dgm:t>
+    </dgm:pt>
+    <dgm:pt modelId="{1D9C4057-0BEE-4115-A028-492D3CA7D91C}" type="parTrans" cxnId="{1DE4A843-7437-4FB3-B377-E509C8E9E5B6}">
+      <dgm:prSet/>
+      <dgm:spPr/>
+      <dgm:t>
+        <a:bodyPr/>
+        <a:lstStyle/>
+        <a:p>
+          <a:endParaRPr lang="en-AU"/>
+        </a:p>
+      </dgm:t>
+    </dgm:pt>
+    <dgm:pt modelId="{DCD78DF5-318F-4984-9758-144F8DB60F4C}" type="sibTrans" cxnId="{1DE4A843-7437-4FB3-B377-E509C8E9E5B6}">
+      <dgm:prSet/>
+      <dgm:spPr/>
+      <dgm:t>
+        <a:bodyPr/>
+        <a:lstStyle/>
+        <a:p>
+          <a:endParaRPr lang="en-AU"/>
+        </a:p>
+      </dgm:t>
+    </dgm:pt>
     <dgm:pt modelId="{FF7F4EE2-06B4-4858-8C26-CDFE4CB1AC14}" type="pres">
       <dgm:prSet presAssocID="{8AA5F940-1C32-4A46-A4BF-CB0DD4EA5E2E}" presName="theList" presStyleCnt="0">
         <dgm:presLayoutVars>
@@ -4593,8 +4617,20 @@
       <dgm:prSet presAssocID="{0C0437C8-E928-4EC0-9183-75F35BCBF6F6}" presName="theInnerList" presStyleCnt="0"/>
       <dgm:spPr/>
     </dgm:pt>
+    <dgm:pt modelId="{1587AD01-15F1-4839-A016-13FD82E16ADD}" type="pres">
+      <dgm:prSet presAssocID="{612AAADD-B0C4-4CCB-BC60-BFA125E583C7}" presName="childNode" presStyleLbl="node1" presStyleIdx="0" presStyleCnt="7">
+        <dgm:presLayoutVars>
+          <dgm:bulletEnabled val="1"/>
+        </dgm:presLayoutVars>
+      </dgm:prSet>
+      <dgm:spPr/>
+    </dgm:pt>
+    <dgm:pt modelId="{1BEDC89D-33DF-4FD7-9354-E4A370B3231D}" type="pres">
+      <dgm:prSet presAssocID="{612AAADD-B0C4-4CCB-BC60-BFA125E583C7}" presName="aSpace2" presStyleCnt="0"/>
+      <dgm:spPr/>
+    </dgm:pt>
     <dgm:pt modelId="{0D2C0C86-FFA4-45C0-8A60-07859652D0FF}" type="pres">
-      <dgm:prSet presAssocID="{6944DFEB-7C8E-4E77-8C14-A192D6884499}" presName="childNode" presStyleLbl="node1" presStyleIdx="0" presStyleCnt="6">
+      <dgm:prSet presAssocID="{6944DFEB-7C8E-4E77-8C14-A192D6884499}" presName="childNode" presStyleLbl="node1" presStyleIdx="1" presStyleCnt="7">
         <dgm:presLayoutVars>
           <dgm:bulletEnabled val="1"/>
         </dgm:presLayoutVars>
@@ -4606,7 +4642,7 @@
       <dgm:spPr/>
     </dgm:pt>
     <dgm:pt modelId="{2D2974EA-C558-4F18-910D-61054D863097}" type="pres">
-      <dgm:prSet presAssocID="{DE867A4D-69A6-4488-A05B-C38964B44DA0}" presName="childNode" presStyleLbl="node1" presStyleIdx="1" presStyleCnt="6">
+      <dgm:prSet presAssocID="{DE867A4D-69A6-4488-A05B-C38964B44DA0}" presName="childNode" presStyleLbl="node1" presStyleIdx="2" presStyleCnt="7">
         <dgm:presLayoutVars>
           <dgm:bulletEnabled val="1"/>
         </dgm:presLayoutVars>
@@ -4618,7 +4654,7 @@
       <dgm:spPr/>
     </dgm:pt>
     <dgm:pt modelId="{18BB14B2-6F94-4E6C-9C97-246FD7D641EC}" type="pres">
-      <dgm:prSet presAssocID="{01BE7F35-9009-4B7C-9D1C-049D432E1CEC}" presName="childNode" presStyleLbl="node1" presStyleIdx="2" presStyleCnt="6">
+      <dgm:prSet presAssocID="{01BE7F35-9009-4B7C-9D1C-049D432E1CEC}" presName="childNode" presStyleLbl="node1" presStyleIdx="3" presStyleCnt="7">
         <dgm:presLayoutVars>
           <dgm:bulletEnabled val="1"/>
         </dgm:presLayoutVars>
@@ -4630,7 +4666,7 @@
       <dgm:spPr/>
     </dgm:pt>
     <dgm:pt modelId="{EA1EC3C7-375A-4B58-AEF9-DDD7A2437056}" type="pres">
-      <dgm:prSet presAssocID="{7C18FCAE-245E-4638-BFDD-43B623E85B67}" presName="childNode" presStyleLbl="node1" presStyleIdx="3" presStyleCnt="6">
+      <dgm:prSet presAssocID="{7C18FCAE-245E-4638-BFDD-43B623E85B67}" presName="childNode" presStyleLbl="node1" presStyleIdx="4" presStyleCnt="7">
         <dgm:presLayoutVars>
           <dgm:bulletEnabled val="1"/>
         </dgm:presLayoutVars>
@@ -4662,7 +4698,7 @@
       <dgm:spPr/>
     </dgm:pt>
     <dgm:pt modelId="{F1A6F7B3-BB66-4F72-9062-186A18922A22}" type="pres">
-      <dgm:prSet presAssocID="{61C766FF-4375-43AA-9F76-00418B87C75E}" presName="childNode" presStyleLbl="node1" presStyleIdx="4" presStyleCnt="6">
+      <dgm:prSet presAssocID="{61C766FF-4375-43AA-9F76-00418B87C75E}" presName="childNode" presStyleLbl="node1" presStyleIdx="5" presStyleCnt="7">
         <dgm:presLayoutVars>
           <dgm:bulletEnabled val="1"/>
         </dgm:presLayoutVars>
@@ -4674,7 +4710,7 @@
       <dgm:spPr/>
     </dgm:pt>
     <dgm:pt modelId="{C52E18F8-0085-47D9-9424-9768CF29949A}" type="pres">
-      <dgm:prSet presAssocID="{DE8C67CC-CCDD-4A91-A2E1-D84468AB77FD}" presName="childNode" presStyleLbl="node1" presStyleIdx="5" presStyleCnt="6">
+      <dgm:prSet presAssocID="{DE8C67CC-CCDD-4A91-A2E1-D84468AB77FD}" presName="childNode" presStyleLbl="node1" presStyleIdx="6" presStyleCnt="7">
         <dgm:presLayoutVars>
           <dgm:bulletEnabled val="1"/>
         </dgm:presLayoutVars>
@@ -4685,13 +4721,14 @@
   <dgm:cxnLst>
     <dgm:cxn modelId="{FC192A06-064D-4E24-954B-CCA263E659FE}" srcId="{8AA5F940-1C32-4A46-A4BF-CB0DD4EA5E2E}" destId="{42EAE1DB-C5F7-48D6-B757-523B3C1AA3F5}" srcOrd="1" destOrd="0" parTransId="{6D108839-7483-4CDB-A7C0-C7A61ACBCCFA}" sibTransId="{106D05CD-EDC6-49C4-A3DB-5B3D8FE8754C}"/>
     <dgm:cxn modelId="{8C5A7406-E243-4499-BB51-DDC216AB2864}" type="presOf" srcId="{61C766FF-4375-43AA-9F76-00418B87C75E}" destId="{F1A6F7B3-BB66-4F72-9062-186A18922A22}" srcOrd="0" destOrd="0" presId="urn:microsoft.com/office/officeart/2005/8/layout/lProcess2"/>
-    <dgm:cxn modelId="{93D6A107-B24E-4F4C-95C5-92CF9F65FD3A}" srcId="{0C0437C8-E928-4EC0-9183-75F35BCBF6F6}" destId="{6944DFEB-7C8E-4E77-8C14-A192D6884499}" srcOrd="0" destOrd="0" parTransId="{06CA3483-3F8F-4D22-8FE3-9D44826CC121}" sibTransId="{FCEE6828-030F-440B-BD38-3FB8DB501BF3}"/>
+    <dgm:cxn modelId="{93D6A107-B24E-4F4C-95C5-92CF9F65FD3A}" srcId="{0C0437C8-E928-4EC0-9183-75F35BCBF6F6}" destId="{6944DFEB-7C8E-4E77-8C14-A192D6884499}" srcOrd="1" destOrd="0" parTransId="{06CA3483-3F8F-4D22-8FE3-9D44826CC121}" sibTransId="{FCEE6828-030F-440B-BD38-3FB8DB501BF3}"/>
     <dgm:cxn modelId="{BDADB81C-D101-4179-A75E-4481F02BCA30}" type="presOf" srcId="{0C0437C8-E928-4EC0-9183-75F35BCBF6F6}" destId="{7B1CC1B9-A9FE-424E-8FE1-0F5BCC0456A8}" srcOrd="1" destOrd="0" presId="urn:microsoft.com/office/officeart/2005/8/layout/lProcess2"/>
     <dgm:cxn modelId="{575CB01D-3EAE-4FB6-8ACE-CFDBCC7D1383}" type="presOf" srcId="{42EAE1DB-C5F7-48D6-B757-523B3C1AA3F5}" destId="{D038A032-E683-4E6D-88E5-DB58BFBF5116}" srcOrd="1" destOrd="0" presId="urn:microsoft.com/office/officeart/2005/8/layout/lProcess2"/>
     <dgm:cxn modelId="{326E8121-0D91-476F-A606-26FBAEC116FB}" type="presOf" srcId="{8AA5F940-1C32-4A46-A4BF-CB0DD4EA5E2E}" destId="{FF7F4EE2-06B4-4858-8C26-CDFE4CB1AC14}" srcOrd="0" destOrd="0" presId="urn:microsoft.com/office/officeart/2005/8/layout/lProcess2"/>
     <dgm:cxn modelId="{E7A2572C-DCDF-463D-AB3A-21E8A81FAEA2}" type="presOf" srcId="{DE8C67CC-CCDD-4A91-A2E1-D84468AB77FD}" destId="{C52E18F8-0085-47D9-9424-9768CF29949A}" srcOrd="0" destOrd="0" presId="urn:microsoft.com/office/officeart/2005/8/layout/lProcess2"/>
-    <dgm:cxn modelId="{673A422D-AB4C-4286-93F0-AC2EC155F7B3}" srcId="{0C0437C8-E928-4EC0-9183-75F35BCBF6F6}" destId="{7C18FCAE-245E-4638-BFDD-43B623E85B67}" srcOrd="3" destOrd="0" parTransId="{1ADA3B5D-6658-4296-956E-EB52F1A2376B}" sibTransId="{250A835A-1AFE-4231-A2A2-5FD15A50B3C9}"/>
+    <dgm:cxn modelId="{673A422D-AB4C-4286-93F0-AC2EC155F7B3}" srcId="{0C0437C8-E928-4EC0-9183-75F35BCBF6F6}" destId="{7C18FCAE-245E-4638-BFDD-43B623E85B67}" srcOrd="4" destOrd="0" parTransId="{1ADA3B5D-6658-4296-956E-EB52F1A2376B}" sibTransId="{250A835A-1AFE-4231-A2A2-5FD15A50B3C9}"/>
     <dgm:cxn modelId="{9592AE37-FA21-4986-A090-90F284966276}" type="presOf" srcId="{0C0437C8-E928-4EC0-9183-75F35BCBF6F6}" destId="{99C09A9E-D07D-48D9-8544-F22FA820B0E9}" srcOrd="0" destOrd="0" presId="urn:microsoft.com/office/officeart/2005/8/layout/lProcess2"/>
+    <dgm:cxn modelId="{1DE4A843-7437-4FB3-B377-E509C8E9E5B6}" srcId="{0C0437C8-E928-4EC0-9183-75F35BCBF6F6}" destId="{612AAADD-B0C4-4CCB-BC60-BFA125E583C7}" srcOrd="0" destOrd="0" parTransId="{1D9C4057-0BEE-4115-A028-492D3CA7D91C}" sibTransId="{DCD78DF5-318F-4984-9758-144F8DB60F4C}"/>
     <dgm:cxn modelId="{6E9AA468-AFE8-446C-95B6-9B23839B7C7D}" srcId="{8AA5F940-1C32-4A46-A4BF-CB0DD4EA5E2E}" destId="{0C0437C8-E928-4EC0-9183-75F35BCBF6F6}" srcOrd="0" destOrd="0" parTransId="{FF31921B-FF27-46AE-BE65-FCD066EF3948}" sibTransId="{904866E1-DDE6-46A6-828F-7CCDE7274DC8}"/>
     <dgm:cxn modelId="{5F430569-ABC8-4AD8-BFCC-E175E6D8E358}" srcId="{42EAE1DB-C5F7-48D6-B757-523B3C1AA3F5}" destId="{61C766FF-4375-43AA-9F76-00418B87C75E}" srcOrd="0" destOrd="0" parTransId="{E4D25645-DC1C-4DB1-B740-4A5A7DAEDB70}" sibTransId="{883BE029-FC71-460E-9180-FE27720FC818}"/>
     <dgm:cxn modelId="{23936056-0CB7-4926-8582-9E3C2052829A}" type="presOf" srcId="{42EAE1DB-C5F7-48D6-B757-523B3C1AA3F5}" destId="{DAA577F0-C1E7-4ACF-9A41-42E593EDE2A8}" srcOrd="0" destOrd="0" presId="urn:microsoft.com/office/officeart/2005/8/layout/lProcess2"/>
@@ -4699,21 +4736,24 @@
     <dgm:cxn modelId="{9C94CE9B-6ADD-40AE-BB37-C1F125444F1C}" type="presOf" srcId="{6944DFEB-7C8E-4E77-8C14-A192D6884499}" destId="{0D2C0C86-FFA4-45C0-8A60-07859652D0FF}" srcOrd="0" destOrd="0" presId="urn:microsoft.com/office/officeart/2005/8/layout/lProcess2"/>
     <dgm:cxn modelId="{06A60EA2-E6DA-4215-B5D1-9FC4501D7AAC}" srcId="{42EAE1DB-C5F7-48D6-B757-523B3C1AA3F5}" destId="{DE8C67CC-CCDD-4A91-A2E1-D84468AB77FD}" srcOrd="1" destOrd="0" parTransId="{CED3E704-E95E-44C3-8042-66C1BF2C1E57}" sibTransId="{8C9AB502-CAAE-4154-93E9-A1D7F4ED2613}"/>
     <dgm:cxn modelId="{B5EE11AA-6850-4C10-BDF8-E7C3DC5891E8}" type="presOf" srcId="{01BE7F35-9009-4B7C-9D1C-049D432E1CEC}" destId="{18BB14B2-6F94-4E6C-9C97-246FD7D641EC}" srcOrd="0" destOrd="0" presId="urn:microsoft.com/office/officeart/2005/8/layout/lProcess2"/>
+    <dgm:cxn modelId="{C2ED68D1-0C81-44EA-91DC-BE98AA2EE4FC}" type="presOf" srcId="{612AAADD-B0C4-4CCB-BC60-BFA125E583C7}" destId="{1587AD01-15F1-4839-A016-13FD82E16ADD}" srcOrd="0" destOrd="0" presId="urn:microsoft.com/office/officeart/2005/8/layout/lProcess2"/>
     <dgm:cxn modelId="{B505CAD9-E8E2-4EF9-9B5F-A0C11F0172DA}" type="presOf" srcId="{DE867A4D-69A6-4488-A05B-C38964B44DA0}" destId="{2D2974EA-C558-4F18-910D-61054D863097}" srcOrd="0" destOrd="0" presId="urn:microsoft.com/office/officeart/2005/8/layout/lProcess2"/>
-    <dgm:cxn modelId="{9AC995E7-74E4-43B0-B9BB-4E74E7FB1EB5}" srcId="{0C0437C8-E928-4EC0-9183-75F35BCBF6F6}" destId="{01BE7F35-9009-4B7C-9D1C-049D432E1CEC}" srcOrd="2" destOrd="0" parTransId="{249B1BB4-B4EC-48E7-8340-51D509FA1B64}" sibTransId="{408FB0AA-99EB-4200-BC3F-39C42B8BDEF4}"/>
-    <dgm:cxn modelId="{586C27EA-C999-4296-9CFE-566663723036}" srcId="{0C0437C8-E928-4EC0-9183-75F35BCBF6F6}" destId="{DE867A4D-69A6-4488-A05B-C38964B44DA0}" srcOrd="1" destOrd="0" parTransId="{C4BFDCC2-3EDF-487C-86B7-A7BA74738742}" sibTransId="{25A48F43-CBA4-45F1-9555-0045067BE25B}"/>
+    <dgm:cxn modelId="{9AC995E7-74E4-43B0-B9BB-4E74E7FB1EB5}" srcId="{0C0437C8-E928-4EC0-9183-75F35BCBF6F6}" destId="{01BE7F35-9009-4B7C-9D1C-049D432E1CEC}" srcOrd="3" destOrd="0" parTransId="{249B1BB4-B4EC-48E7-8340-51D509FA1B64}" sibTransId="{408FB0AA-99EB-4200-BC3F-39C42B8BDEF4}"/>
+    <dgm:cxn modelId="{586C27EA-C999-4296-9CFE-566663723036}" srcId="{0C0437C8-E928-4EC0-9183-75F35BCBF6F6}" destId="{DE867A4D-69A6-4488-A05B-C38964B44DA0}" srcOrd="2" destOrd="0" parTransId="{C4BFDCC2-3EDF-487C-86B7-A7BA74738742}" sibTransId="{25A48F43-CBA4-45F1-9555-0045067BE25B}"/>
     <dgm:cxn modelId="{1D2E7541-7D86-4514-A70F-8C469A19034E}" type="presParOf" srcId="{FF7F4EE2-06B4-4858-8C26-CDFE4CB1AC14}" destId="{DE0C2A05-7BC6-49CC-B730-5C1D6DA2A0C3}" srcOrd="0" destOrd="0" presId="urn:microsoft.com/office/officeart/2005/8/layout/lProcess2"/>
     <dgm:cxn modelId="{B8ABC892-E1BC-433C-AC47-692877850ECC}" type="presParOf" srcId="{DE0C2A05-7BC6-49CC-B730-5C1D6DA2A0C3}" destId="{99C09A9E-D07D-48D9-8544-F22FA820B0E9}" srcOrd="0" destOrd="0" presId="urn:microsoft.com/office/officeart/2005/8/layout/lProcess2"/>
     <dgm:cxn modelId="{F4521132-CC50-47C3-88B5-80AC859D4722}" type="presParOf" srcId="{DE0C2A05-7BC6-49CC-B730-5C1D6DA2A0C3}" destId="{7B1CC1B9-A9FE-424E-8FE1-0F5BCC0456A8}" srcOrd="1" destOrd="0" presId="urn:microsoft.com/office/officeart/2005/8/layout/lProcess2"/>
     <dgm:cxn modelId="{492EC5F8-B1D3-4708-9C9E-B306405E41DA}" type="presParOf" srcId="{DE0C2A05-7BC6-49CC-B730-5C1D6DA2A0C3}" destId="{BC2BCE12-E386-4A1A-B333-297B9AFDC794}" srcOrd="2" destOrd="0" presId="urn:microsoft.com/office/officeart/2005/8/layout/lProcess2"/>
     <dgm:cxn modelId="{FCC92BC5-F4EC-4A39-9887-61674167E262}" type="presParOf" srcId="{BC2BCE12-E386-4A1A-B333-297B9AFDC794}" destId="{AFDFC27B-CA33-4EAE-A28A-2DD76869DCC4}" srcOrd="0" destOrd="0" presId="urn:microsoft.com/office/officeart/2005/8/layout/lProcess2"/>
-    <dgm:cxn modelId="{584EEC55-B0FF-464D-9C67-D65166E57C14}" type="presParOf" srcId="{AFDFC27B-CA33-4EAE-A28A-2DD76869DCC4}" destId="{0D2C0C86-FFA4-45C0-8A60-07859652D0FF}" srcOrd="0" destOrd="0" presId="urn:microsoft.com/office/officeart/2005/8/layout/lProcess2"/>
-    <dgm:cxn modelId="{49B1C102-7A5B-4123-8DFB-E0B163925DD1}" type="presParOf" srcId="{AFDFC27B-CA33-4EAE-A28A-2DD76869DCC4}" destId="{C2E4E4D4-B91D-4D7C-A959-F7C42C9A26CC}" srcOrd="1" destOrd="0" presId="urn:microsoft.com/office/officeart/2005/8/layout/lProcess2"/>
-    <dgm:cxn modelId="{A8CD9630-1DBC-4EF2-B039-4119F038FF76}" type="presParOf" srcId="{AFDFC27B-CA33-4EAE-A28A-2DD76869DCC4}" destId="{2D2974EA-C558-4F18-910D-61054D863097}" srcOrd="2" destOrd="0" presId="urn:microsoft.com/office/officeart/2005/8/layout/lProcess2"/>
-    <dgm:cxn modelId="{31680E27-7CD6-4AAE-9A65-789FF4E39A44}" type="presParOf" srcId="{AFDFC27B-CA33-4EAE-A28A-2DD76869DCC4}" destId="{1B2C4368-796D-4440-8BF2-F17C80107CBC}" srcOrd="3" destOrd="0" presId="urn:microsoft.com/office/officeart/2005/8/layout/lProcess2"/>
-    <dgm:cxn modelId="{6CFAF483-350A-419C-8F28-9B96A797A99C}" type="presParOf" srcId="{AFDFC27B-CA33-4EAE-A28A-2DD76869DCC4}" destId="{18BB14B2-6F94-4E6C-9C97-246FD7D641EC}" srcOrd="4" destOrd="0" presId="urn:microsoft.com/office/officeart/2005/8/layout/lProcess2"/>
-    <dgm:cxn modelId="{4BC67E01-ED29-47B9-8723-651350768718}" type="presParOf" srcId="{AFDFC27B-CA33-4EAE-A28A-2DD76869DCC4}" destId="{157C105D-EC57-4BE0-B771-9BA44DD0231D}" srcOrd="5" destOrd="0" presId="urn:microsoft.com/office/officeart/2005/8/layout/lProcess2"/>
-    <dgm:cxn modelId="{6881718C-B8FE-4840-9206-FB97A03A0CCC}" type="presParOf" srcId="{AFDFC27B-CA33-4EAE-A28A-2DD76869DCC4}" destId="{EA1EC3C7-375A-4B58-AEF9-DDD7A2437056}" srcOrd="6" destOrd="0" presId="urn:microsoft.com/office/officeart/2005/8/layout/lProcess2"/>
+    <dgm:cxn modelId="{50241260-909A-4637-8209-CB65DA2F1921}" type="presParOf" srcId="{AFDFC27B-CA33-4EAE-A28A-2DD76869DCC4}" destId="{1587AD01-15F1-4839-A016-13FD82E16ADD}" srcOrd="0" destOrd="0" presId="urn:microsoft.com/office/officeart/2005/8/layout/lProcess2"/>
+    <dgm:cxn modelId="{CD06D521-559B-4494-A538-E929B8EA608E}" type="presParOf" srcId="{AFDFC27B-CA33-4EAE-A28A-2DD76869DCC4}" destId="{1BEDC89D-33DF-4FD7-9354-E4A370B3231D}" srcOrd="1" destOrd="0" presId="urn:microsoft.com/office/officeart/2005/8/layout/lProcess2"/>
+    <dgm:cxn modelId="{584EEC55-B0FF-464D-9C67-D65166E57C14}" type="presParOf" srcId="{AFDFC27B-CA33-4EAE-A28A-2DD76869DCC4}" destId="{0D2C0C86-FFA4-45C0-8A60-07859652D0FF}" srcOrd="2" destOrd="0" presId="urn:microsoft.com/office/officeart/2005/8/layout/lProcess2"/>
+    <dgm:cxn modelId="{49B1C102-7A5B-4123-8DFB-E0B163925DD1}" type="presParOf" srcId="{AFDFC27B-CA33-4EAE-A28A-2DD76869DCC4}" destId="{C2E4E4D4-B91D-4D7C-A959-F7C42C9A26CC}" srcOrd="3" destOrd="0" presId="urn:microsoft.com/office/officeart/2005/8/layout/lProcess2"/>
+    <dgm:cxn modelId="{A8CD9630-1DBC-4EF2-B039-4119F038FF76}" type="presParOf" srcId="{AFDFC27B-CA33-4EAE-A28A-2DD76869DCC4}" destId="{2D2974EA-C558-4F18-910D-61054D863097}" srcOrd="4" destOrd="0" presId="urn:microsoft.com/office/officeart/2005/8/layout/lProcess2"/>
+    <dgm:cxn modelId="{31680E27-7CD6-4AAE-9A65-789FF4E39A44}" type="presParOf" srcId="{AFDFC27B-CA33-4EAE-A28A-2DD76869DCC4}" destId="{1B2C4368-796D-4440-8BF2-F17C80107CBC}" srcOrd="5" destOrd="0" presId="urn:microsoft.com/office/officeart/2005/8/layout/lProcess2"/>
+    <dgm:cxn modelId="{6CFAF483-350A-419C-8F28-9B96A797A99C}" type="presParOf" srcId="{AFDFC27B-CA33-4EAE-A28A-2DD76869DCC4}" destId="{18BB14B2-6F94-4E6C-9C97-246FD7D641EC}" srcOrd="6" destOrd="0" presId="urn:microsoft.com/office/officeart/2005/8/layout/lProcess2"/>
+    <dgm:cxn modelId="{4BC67E01-ED29-47B9-8723-651350768718}" type="presParOf" srcId="{AFDFC27B-CA33-4EAE-A28A-2DD76869DCC4}" destId="{157C105D-EC57-4BE0-B771-9BA44DD0231D}" srcOrd="7" destOrd="0" presId="urn:microsoft.com/office/officeart/2005/8/layout/lProcess2"/>
+    <dgm:cxn modelId="{6881718C-B8FE-4840-9206-FB97A03A0CCC}" type="presParOf" srcId="{AFDFC27B-CA33-4EAE-A28A-2DD76869DCC4}" destId="{EA1EC3C7-375A-4B58-AEF9-DDD7A2437056}" srcOrd="8" destOrd="0" presId="urn:microsoft.com/office/officeart/2005/8/layout/lProcess2"/>
     <dgm:cxn modelId="{F73F0058-7294-4451-A191-BDF1EA25371C}" type="presParOf" srcId="{FF7F4EE2-06B4-4858-8C26-CDFE4CB1AC14}" destId="{548B9903-E417-4862-B385-EF809FF35C93}" srcOrd="1" destOrd="0" presId="urn:microsoft.com/office/officeart/2005/8/layout/lProcess2"/>
     <dgm:cxn modelId="{33D776BA-A856-443F-9AC8-9E893687FDB5}" type="presParOf" srcId="{FF7F4EE2-06B4-4858-8C26-CDFE4CB1AC14}" destId="{F19E2789-582B-4FFD-980E-780E30C6DC48}" srcOrd="2" destOrd="0" presId="urn:microsoft.com/office/officeart/2005/8/layout/lProcess2"/>
     <dgm:cxn modelId="{92A39E85-7314-4D52-BA43-AD2B5EF72EF2}" type="presParOf" srcId="{F19E2789-582B-4FFD-980E-780E30C6DC48}" destId="{DAA577F0-C1E7-4ACF-9A41-42E593EDE2A8}" srcOrd="0" destOrd="0" presId="urn:microsoft.com/office/officeart/2005/8/layout/lProcess2"/>
@@ -4834,39 +4874,6 @@
       </dgm:t>
     </dgm:pt>
     <dgm:pt modelId="{A9773D63-03D3-40B2-9821-E1251BFDF061}" type="sibTrans" cxnId="{800C5BCF-2310-4021-A592-32FE0AD2F60A}">
-      <dgm:prSet/>
-      <dgm:spPr/>
-      <dgm:t>
-        <a:bodyPr/>
-        <a:lstStyle/>
-        <a:p>
-          <a:endParaRPr lang="en-AU"/>
-        </a:p>
-      </dgm:t>
-    </dgm:pt>
-    <dgm:pt modelId="{E640F9DC-0699-4EE7-BCCB-B9180F5F8BBE}">
-      <dgm:prSet phldrT="[Text]" phldr="1"/>
-      <dgm:spPr/>
-      <dgm:t>
-        <a:bodyPr/>
-        <a:lstStyle/>
-        <a:p>
-          <a:endParaRPr lang="en-AU"/>
-        </a:p>
-      </dgm:t>
-    </dgm:pt>
-    <dgm:pt modelId="{6CB715BB-9D16-4E22-87FE-B0A7124E6D2B}" type="parTrans" cxnId="{7BEB2AAB-9CA3-48E2-913B-4BB34A1F18E7}">
-      <dgm:prSet/>
-      <dgm:spPr/>
-      <dgm:t>
-        <a:bodyPr/>
-        <a:lstStyle/>
-        <a:p>
-          <a:endParaRPr lang="en-AU"/>
-        </a:p>
-      </dgm:t>
-    </dgm:pt>
-    <dgm:pt modelId="{D2A74207-F19A-40FD-AAD6-054F4F22C871}" type="sibTrans" cxnId="{7BEB2AAB-9CA3-48E2-913B-4BB34A1F18E7}">
       <dgm:prSet/>
       <dgm:spPr/>
       <dgm:t>
@@ -5529,13 +5536,11 @@
     <dgm:cxn modelId="{167B5B85-B1CC-4CCA-8852-B571953A820A}" srcId="{1CCB85A9-AB62-4F7B-9F14-33702638A600}" destId="{7711F648-E08E-435F-839F-06CA2DC3C82B}" srcOrd="0" destOrd="0" parTransId="{6AEE6F79-40B7-48D4-B13F-C6B03F80B5FC}" sibTransId="{604FAEEA-F0C9-48A0-88D4-15D56A8BBAE2}"/>
     <dgm:cxn modelId="{7E9BD187-E15D-4286-8072-5E3AA43981A7}" srcId="{0D8B8973-4001-458C-BEB0-C360D4EE1399}" destId="{EDFE7737-20B6-47BF-8977-0F27D37C90A9}" srcOrd="3" destOrd="0" parTransId="{BA822BB3-BC4A-4768-9DCB-7081202EE596}" sibTransId="{EA9BD608-90FB-4A4C-8D27-2008DF27771C}"/>
     <dgm:cxn modelId="{62F78388-337C-4773-AD8B-6F328B096671}" srcId="{0D8B8973-4001-458C-BEB0-C360D4EE1399}" destId="{262A019C-C116-4490-A082-7084DA00D917}" srcOrd="4" destOrd="0" parTransId="{83D9E291-903D-4AF4-AAF7-2182A9989066}" sibTransId="{81AF09E1-57AD-4E25-ABC5-81CD12F91B9E}"/>
-    <dgm:cxn modelId="{08246A91-011F-49E7-A874-58E17B2AA4DE}" type="presOf" srcId="{E640F9DC-0699-4EE7-BCCB-B9180F5F8BBE}" destId="{A866C0AD-FBEF-46E7-856A-244C965FDEDB}" srcOrd="0" destOrd="4" presId="urn:microsoft.com/office/officeart/2005/8/layout/hList1"/>
     <dgm:cxn modelId="{B11F2895-88A9-451B-86EB-54610FA43D20}" type="presOf" srcId="{7711F648-E08E-435F-839F-06CA2DC3C82B}" destId="{2FDF8B6E-31EE-44F6-BDAC-7DBBA67F2D8D}" srcOrd="0" destOrd="0" presId="urn:microsoft.com/office/officeart/2005/8/layout/hList1"/>
     <dgm:cxn modelId="{2F2E6896-9EA3-4928-81A0-00993319D887}" type="presOf" srcId="{0D8B8973-4001-458C-BEB0-C360D4EE1399}" destId="{DC7461D3-E82C-4EF2-B5A5-755D621AA4D6}" srcOrd="0" destOrd="0" presId="urn:microsoft.com/office/officeart/2005/8/layout/hList1"/>
     <dgm:cxn modelId="{9243D9A0-0230-4E6D-8325-C52A3E5E8661}" type="presOf" srcId="{593140DC-5AF5-4B67-802B-9BC3D8FD27BC}" destId="{E9BA6B19-AB98-4DBA-9371-60BA3E692501}" srcOrd="0" destOrd="0" presId="urn:microsoft.com/office/officeart/2005/8/layout/hList1"/>
     <dgm:cxn modelId="{4FAF8BA7-B8C0-4707-98FC-4A3CE47F67C6}" type="presOf" srcId="{B232F451-965F-49B7-B4A8-76BE446A6E84}" destId="{867B237A-1284-4EB0-9418-2C98D45914A1}" srcOrd="0" destOrd="0" presId="urn:microsoft.com/office/officeart/2005/8/layout/hList1"/>
     <dgm:cxn modelId="{CA8CD5AA-77E3-439B-9DAF-F736E1EC3A8C}" type="presOf" srcId="{F22BCF2A-873F-48A7-BB8A-0D7DC7FEF3CA}" destId="{8727B09A-9976-4007-85C5-1F124D1B9D8D}" srcOrd="0" destOrd="0" presId="urn:microsoft.com/office/officeart/2005/8/layout/hList1"/>
-    <dgm:cxn modelId="{7BEB2AAB-9CA3-48E2-913B-4BB34A1F18E7}" srcId="{753E06B8-28AC-4866-AF1F-2B931B1743C1}" destId="{E640F9DC-0699-4EE7-BCCB-B9180F5F8BBE}" srcOrd="4" destOrd="0" parTransId="{6CB715BB-9D16-4E22-87FE-B0A7124E6D2B}" sibTransId="{D2A74207-F19A-40FD-AAD6-054F4F22C871}"/>
     <dgm:cxn modelId="{95F4AFAC-13F4-487C-A9D0-7BD8450E558C}" srcId="{6074ABB9-1D9A-47FE-BF85-28B69CCB7E8E}" destId="{1CCB85A9-AB62-4F7B-9F14-33702638A600}" srcOrd="2" destOrd="0" parTransId="{E7D1E35D-F04B-4EC9-B963-764AAF748525}" sibTransId="{AC15878E-0839-4B7D-BCF0-B990526CBE69}"/>
     <dgm:cxn modelId="{D8D5F0AC-EDBD-4616-B982-E5FF19C461F6}" srcId="{6074ABB9-1D9A-47FE-BF85-28B69CCB7E8E}" destId="{F22BCF2A-873F-48A7-BB8A-0D7DC7FEF3CA}" srcOrd="1" destOrd="0" parTransId="{25254458-96CA-4CA3-9AA5-74ABBD0C3C4A}" sibTransId="{BB65C938-BBAF-449A-A756-087B76B64200}"/>
     <dgm:cxn modelId="{AC1C7FB3-2B45-410C-A65F-64A5F4FC2115}" srcId="{6074ABB9-1D9A-47FE-BF85-28B69CCB7E8E}" destId="{0D8B8973-4001-458C-BEB0-C360D4EE1399}" srcOrd="3" destOrd="0" parTransId="{D91AEB13-BF13-4B3E-BFA5-8CDA03D69CEF}" sibTransId="{317E978E-FB83-4C4C-ACC4-A0045389E0B9}"/>
@@ -5815,26 +5820,9 @@
             <a:buNone/>
           </a:pPr>
           <a:r>
-            <a:rPr lang="de-DE" sz="1700" kern="1200" err="1"/>
-            <a:t>What</a:t>
+            <a:rPr lang="de-DE" sz="1700" kern="1200" dirty="0"/>
+            <a:t>What it is</a:t>
           </a:r>
-          <a:r>
-            <a:rPr lang="de-DE" sz="1700" kern="1200"/>
-            <a:t> </a:t>
-          </a:r>
-          <a:r>
-            <a:rPr lang="de-DE" sz="1700" kern="1200" err="1"/>
-            <a:t>it</a:t>
-          </a:r>
-          <a:r>
-            <a:rPr lang="de-DE" sz="1700" kern="1200"/>
-            <a:t> </a:t>
-          </a:r>
-          <a:r>
-            <a:rPr lang="de-DE" sz="1700" kern="1200" err="1"/>
-            <a:t>is</a:t>
-          </a:r>
-          <a:endParaRPr lang="de-DE" sz="1700" kern="1200"/>
         </a:p>
       </dsp:txBody>
       <dsp:txXfrm>
@@ -6781,15 +6769,15 @@
         <a:ext cx="3929402" cy="611844"/>
       </dsp:txXfrm>
     </dsp:sp>
-    <dsp:sp modelId="{0D2C0C86-FFA4-45C0-8A60-07859652D0FF}">
+    <dsp:sp modelId="{1587AD01-15F1-4839-A016-13FD82E16ADD}">
       <dsp:nvSpPr>
         <dsp:cNvPr id="0" name=""/>
         <dsp:cNvSpPr/>
       </dsp:nvSpPr>
       <dsp:spPr>
         <a:xfrm>
-          <a:off x="397025" y="611894"/>
-          <a:ext cx="3143522" cy="297108"/>
+          <a:off x="397025" y="612230"/>
+          <a:ext cx="3143522" cy="235939"/>
         </a:xfrm>
         <a:prstGeom prst="roundRect">
           <a:avLst>
@@ -6832,12 +6820,12 @@
         </a:fontRef>
       </dsp:style>
       <dsp:txBody>
-        <a:bodyPr spcFirstLastPara="0" vert="horz" wrap="square" lIns="25400" tIns="19050" rIns="25400" bIns="19050" numCol="1" spcCol="1270" anchor="ctr" anchorCtr="0">
+        <a:bodyPr spcFirstLastPara="0" vert="horz" wrap="square" lIns="22860" tIns="17145" rIns="22860" bIns="17145" numCol="1" spcCol="1270" anchor="ctr" anchorCtr="0">
           <a:noAutofit/>
         </a:bodyPr>
         <a:lstStyle/>
         <a:p>
-          <a:pPr marL="0" lvl="0" indent="0" algn="ctr" defTabSz="444500">
+          <a:pPr marL="0" lvl="0" indent="0" algn="ctr" defTabSz="400050">
             <a:lnSpc>
               <a:spcPct val="90000"/>
             </a:lnSpc>
@@ -6850,29 +6838,26 @@
             <a:buNone/>
           </a:pPr>
           <a:r>
-            <a:rPr lang="en-AU" sz="1000" kern="1200" dirty="0">
-              <a:latin typeface="Segoe UI Semilight"/>
-              <a:cs typeface="Segoe UI Semilight"/>
-            </a:rPr>
-            <a:t>Abstraction layer over common</a:t>
+            <a:rPr lang="en-US" sz="900" kern="1200" dirty="0"/>
+            <a:t>open-source tool developed by Hashicorp</a:t>
           </a:r>
-          <a:endParaRPr lang="en-AU" sz="1000" b="1" kern="1200" dirty="0"/>
+          <a:endParaRPr lang="en-AU" sz="900" b="1" kern="1200" dirty="0"/>
         </a:p>
       </dsp:txBody>
       <dsp:txXfrm>
-        <a:off x="405727" y="620596"/>
-        <a:ext cx="3126118" cy="279704"/>
+        <a:off x="403935" y="619140"/>
+        <a:ext cx="3129702" cy="222119"/>
       </dsp:txXfrm>
     </dsp:sp>
-    <dsp:sp modelId="{2D2974EA-C558-4F18-910D-61054D863097}">
+    <dsp:sp modelId="{0D2C0C86-FFA4-45C0-8A60-07859652D0FF}">
       <dsp:nvSpPr>
         <dsp:cNvPr id="0" name=""/>
         <dsp:cNvSpPr/>
       </dsp:nvSpPr>
       <dsp:spPr>
         <a:xfrm>
-          <a:off x="397025" y="954712"/>
-          <a:ext cx="3143522" cy="297108"/>
+          <a:off x="397025" y="884468"/>
+          <a:ext cx="3143522" cy="235939"/>
         </a:xfrm>
         <a:prstGeom prst="roundRect">
           <a:avLst>
@@ -6915,12 +6900,12 @@
         </a:fontRef>
       </dsp:style>
       <dsp:txBody>
-        <a:bodyPr spcFirstLastPara="0" vert="horz" wrap="square" lIns="25400" tIns="19050" rIns="25400" bIns="19050" numCol="1" spcCol="1270" anchor="ctr" anchorCtr="0">
+        <a:bodyPr spcFirstLastPara="0" vert="horz" wrap="square" lIns="22860" tIns="17145" rIns="22860" bIns="17145" numCol="1" spcCol="1270" anchor="ctr" anchorCtr="0">
           <a:noAutofit/>
         </a:bodyPr>
         <a:lstStyle/>
         <a:p>
-          <a:pPr marL="0" lvl="0" indent="0" algn="ctr" defTabSz="444500">
+          <a:pPr marL="0" lvl="0" indent="0" algn="ctr" defTabSz="400050">
             <a:lnSpc>
               <a:spcPct val="90000"/>
             </a:lnSpc>
@@ -6933,25 +6918,29 @@
             <a:buNone/>
           </a:pPr>
           <a:r>
-            <a:rPr lang="en-AU" sz="1000" kern="1200" dirty="0"/>
-            <a:t>Declarative Language</a:t>
+            <a:rPr lang="en-AU" sz="900" kern="1200" dirty="0">
+              <a:latin typeface="Segoe UI Semilight"/>
+              <a:cs typeface="Segoe UI Semilight"/>
+            </a:rPr>
+            <a:t>Abstraction layer over common cloud provisioning languages</a:t>
           </a:r>
+          <a:endParaRPr lang="en-AU" sz="900" b="1" kern="1200" dirty="0"/>
         </a:p>
       </dsp:txBody>
       <dsp:txXfrm>
-        <a:off x="405727" y="963414"/>
-        <a:ext cx="3126118" cy="279704"/>
+        <a:off x="403935" y="891378"/>
+        <a:ext cx="3129702" cy="222119"/>
       </dsp:txXfrm>
     </dsp:sp>
-    <dsp:sp modelId="{18BB14B2-6F94-4E6C-9C97-246FD7D641EC}">
+    <dsp:sp modelId="{2D2974EA-C558-4F18-910D-61054D863097}">
       <dsp:nvSpPr>
         <dsp:cNvPr id="0" name=""/>
         <dsp:cNvSpPr/>
       </dsp:nvSpPr>
       <dsp:spPr>
         <a:xfrm>
-          <a:off x="397025" y="1297530"/>
-          <a:ext cx="3143522" cy="297108"/>
+          <a:off x="397025" y="1156705"/>
+          <a:ext cx="3143522" cy="235939"/>
         </a:xfrm>
         <a:prstGeom prst="roundRect">
           <a:avLst>
@@ -6994,12 +6983,12 @@
         </a:fontRef>
       </dsp:style>
       <dsp:txBody>
-        <a:bodyPr spcFirstLastPara="0" vert="horz" wrap="square" lIns="25400" tIns="19050" rIns="25400" bIns="19050" numCol="1" spcCol="1270" anchor="ctr" anchorCtr="0">
+        <a:bodyPr spcFirstLastPara="0" vert="horz" wrap="square" lIns="22860" tIns="17145" rIns="22860" bIns="17145" numCol="1" spcCol="1270" anchor="ctr" anchorCtr="0">
           <a:noAutofit/>
         </a:bodyPr>
         <a:lstStyle/>
         <a:p>
-          <a:pPr marL="0" lvl="0" indent="0" algn="ctr" defTabSz="444500">
+          <a:pPr marL="0" lvl="0" indent="0" algn="ctr" defTabSz="400050">
             <a:lnSpc>
               <a:spcPct val="90000"/>
             </a:lnSpc>
@@ -7012,26 +7001,25 @@
             <a:buNone/>
           </a:pPr>
           <a:r>
-            <a:rPr lang="en-AU" sz="1000" b="0" i="0" kern="1200" dirty="0"/>
-            <a:t>Infrastructure as code tool</a:t>
+            <a:rPr lang="en-AU" sz="900" kern="1200" dirty="0"/>
+            <a:t>Declarative Language</a:t>
           </a:r>
-          <a:endParaRPr lang="en-AU" sz="1000" kern="1200" dirty="0"/>
         </a:p>
       </dsp:txBody>
       <dsp:txXfrm>
-        <a:off x="405727" y="1306232"/>
-        <a:ext cx="3126118" cy="279704"/>
+        <a:off x="403935" y="1163615"/>
+        <a:ext cx="3129702" cy="222119"/>
       </dsp:txXfrm>
     </dsp:sp>
-    <dsp:sp modelId="{EA1EC3C7-375A-4B58-AEF9-DDD7A2437056}">
+    <dsp:sp modelId="{18BB14B2-6F94-4E6C-9C97-246FD7D641EC}">
       <dsp:nvSpPr>
         <dsp:cNvPr id="0" name=""/>
         <dsp:cNvSpPr/>
       </dsp:nvSpPr>
       <dsp:spPr>
         <a:xfrm>
-          <a:off x="397025" y="1640348"/>
-          <a:ext cx="3143522" cy="297108"/>
+          <a:off x="397025" y="1428943"/>
+          <a:ext cx="3143522" cy="235939"/>
         </a:xfrm>
         <a:prstGeom prst="roundRect">
           <a:avLst>
@@ -7074,12 +7062,12 @@
         </a:fontRef>
       </dsp:style>
       <dsp:txBody>
-        <a:bodyPr spcFirstLastPara="0" vert="horz" wrap="square" lIns="25400" tIns="19050" rIns="25400" bIns="19050" numCol="1" spcCol="1270" anchor="ctr" anchorCtr="0">
+        <a:bodyPr spcFirstLastPara="0" vert="horz" wrap="square" lIns="22860" tIns="17145" rIns="22860" bIns="17145" numCol="1" spcCol="1270" anchor="ctr" anchorCtr="0">
           <a:noAutofit/>
         </a:bodyPr>
         <a:lstStyle/>
         <a:p>
-          <a:pPr marL="0" lvl="0" indent="0" algn="ctr" defTabSz="444500">
+          <a:pPr marL="0" lvl="0" indent="0" algn="ctr" defTabSz="400050">
             <a:lnSpc>
               <a:spcPct val="90000"/>
             </a:lnSpc>
@@ -7092,15 +7080,95 @@
             <a:buNone/>
           </a:pPr>
           <a:r>
-            <a:rPr lang="en-AU" sz="1000" b="0" i="0" kern="1200" dirty="0"/>
-            <a:t>Can manage infrastructure on multiple cloud platforms</a:t>
+            <a:rPr lang="en-AU" sz="900" b="0" i="0" kern="1200" dirty="0"/>
+            <a:t>Infrastructure as code tool</a:t>
           </a:r>
-          <a:endParaRPr lang="en-AU" sz="1000" kern="1200" dirty="0"/>
+          <a:endParaRPr lang="en-AU" sz="900" kern="1200" dirty="0"/>
         </a:p>
       </dsp:txBody>
       <dsp:txXfrm>
-        <a:off x="405727" y="1649050"/>
-        <a:ext cx="3126118" cy="279704"/>
+        <a:off x="403935" y="1435853"/>
+        <a:ext cx="3129702" cy="222119"/>
+      </dsp:txXfrm>
+    </dsp:sp>
+    <dsp:sp modelId="{EA1EC3C7-375A-4B58-AEF9-DDD7A2437056}">
+      <dsp:nvSpPr>
+        <dsp:cNvPr id="0" name=""/>
+        <dsp:cNvSpPr/>
+      </dsp:nvSpPr>
+      <dsp:spPr>
+        <a:xfrm>
+          <a:off x="397025" y="1701181"/>
+          <a:ext cx="3143522" cy="235939"/>
+        </a:xfrm>
+        <a:prstGeom prst="roundRect">
+          <a:avLst>
+            <a:gd name="adj" fmla="val 10000"/>
+          </a:avLst>
+        </a:prstGeom>
+        <a:solidFill>
+          <a:schemeClr val="accent1">
+            <a:hueOff val="0"/>
+            <a:satOff val="0"/>
+            <a:lumOff val="0"/>
+            <a:alphaOff val="0"/>
+          </a:schemeClr>
+        </a:solidFill>
+        <a:ln w="10795" cap="flat" cmpd="sng" algn="ctr">
+          <a:solidFill>
+            <a:schemeClr val="lt1">
+              <a:hueOff val="0"/>
+              <a:satOff val="0"/>
+              <a:lumOff val="0"/>
+              <a:alphaOff val="0"/>
+            </a:schemeClr>
+          </a:solidFill>
+          <a:prstDash val="solid"/>
+        </a:ln>
+        <a:effectLst/>
+      </dsp:spPr>
+      <dsp:style>
+        <a:lnRef idx="2">
+          <a:scrgbClr r="0" g="0" b="0"/>
+        </a:lnRef>
+        <a:fillRef idx="1">
+          <a:scrgbClr r="0" g="0" b="0"/>
+        </a:fillRef>
+        <a:effectRef idx="0">
+          <a:scrgbClr r="0" g="0" b="0"/>
+        </a:effectRef>
+        <a:fontRef idx="minor">
+          <a:schemeClr val="lt1"/>
+        </a:fontRef>
+      </dsp:style>
+      <dsp:txBody>
+        <a:bodyPr spcFirstLastPara="0" vert="horz" wrap="square" lIns="22860" tIns="17145" rIns="22860" bIns="17145" numCol="1" spcCol="1270" anchor="ctr" anchorCtr="0">
+          <a:noAutofit/>
+        </a:bodyPr>
+        <a:lstStyle/>
+        <a:p>
+          <a:pPr marL="0" lvl="0" indent="0" algn="ctr" defTabSz="400050">
+            <a:lnSpc>
+              <a:spcPct val="90000"/>
+            </a:lnSpc>
+            <a:spcBef>
+              <a:spcPct val="0"/>
+            </a:spcBef>
+            <a:spcAft>
+              <a:spcPct val="35000"/>
+            </a:spcAft>
+            <a:buNone/>
+          </a:pPr>
+          <a:r>
+            <a:rPr lang="en-AU" sz="900" b="0" i="0" kern="1200" dirty="0"/>
+            <a:t>Can manage infrastructure on multiple cloud platforms</a:t>
+          </a:r>
+          <a:endParaRPr lang="en-AU" sz="900" kern="1200" dirty="0"/>
+        </a:p>
+      </dsp:txBody>
+      <dsp:txXfrm>
+        <a:off x="403935" y="1708091"/>
+        <a:ext cx="3129702" cy="222119"/>
       </dsp:txXfrm>
     </dsp:sp>
     <dsp:sp modelId="{DAA577F0-C1E7-4ACF-9A41-42E593EDE2A8}">
@@ -7224,12 +7292,12 @@
         </a:fontRef>
       </dsp:style>
       <dsp:txBody>
-        <a:bodyPr spcFirstLastPara="0" vert="horz" wrap="square" lIns="25400" tIns="19050" rIns="25400" bIns="19050" numCol="1" spcCol="1270" anchor="ctr" anchorCtr="0">
+        <a:bodyPr spcFirstLastPara="0" vert="horz" wrap="square" lIns="22860" tIns="17145" rIns="22860" bIns="17145" numCol="1" spcCol="1270" anchor="ctr" anchorCtr="0">
           <a:noAutofit/>
         </a:bodyPr>
         <a:lstStyle/>
         <a:p>
-          <a:pPr marL="0" lvl="0" indent="0" algn="ctr" defTabSz="444500">
+          <a:pPr marL="0" lvl="0" indent="0" algn="ctr" defTabSz="400050">
             <a:lnSpc>
               <a:spcPct val="90000"/>
             </a:lnSpc>
@@ -7242,10 +7310,10 @@
             <a:buNone/>
           </a:pPr>
           <a:r>
-            <a:rPr lang="en-AU" sz="1000" b="0" kern="1200" dirty="0"/>
+            <a:rPr lang="en-AU" sz="900" b="0" kern="1200" dirty="0"/>
             <a:t>Write once, deploy anywhere</a:t>
           </a:r>
-          <a:endParaRPr lang="en-AU" sz="1000" b="1" kern="1200" dirty="0"/>
+          <a:endParaRPr lang="en-AU" sz="900" b="1" kern="1200" dirty="0"/>
         </a:p>
       </dsp:txBody>
       <dsp:txXfrm>
@@ -7304,12 +7372,12 @@
         </a:fontRef>
       </dsp:style>
       <dsp:txBody>
-        <a:bodyPr spcFirstLastPara="0" vert="horz" wrap="square" lIns="25400" tIns="19050" rIns="25400" bIns="19050" numCol="1" spcCol="1270" anchor="ctr" anchorCtr="0">
+        <a:bodyPr spcFirstLastPara="0" vert="horz" wrap="square" lIns="22860" tIns="17145" rIns="22860" bIns="17145" numCol="1" spcCol="1270" anchor="ctr" anchorCtr="0">
           <a:noAutofit/>
         </a:bodyPr>
         <a:lstStyle/>
         <a:p>
-          <a:pPr marL="0" lvl="0" indent="0" algn="ctr" defTabSz="444500">
+          <a:pPr marL="0" lvl="0" indent="0" algn="ctr" defTabSz="400050">
             <a:lnSpc>
               <a:spcPct val="90000"/>
             </a:lnSpc>
@@ -7322,7 +7390,7 @@
             <a:buNone/>
           </a:pPr>
           <a:r>
-            <a:rPr lang="en-AU" sz="1000" b="0" kern="1200" dirty="0"/>
+            <a:rPr lang="en-AU" sz="900" b="0" kern="1200" dirty="0"/>
             <a:t>Every cloud provider has its own Terraform ‘Provider’</a:t>
           </a:r>
         </a:p>
@@ -7351,7 +7419,7 @@
       </dsp:nvSpPr>
       <dsp:spPr>
         <a:xfrm>
-          <a:off x="4347" y="80372"/>
+          <a:off x="4347" y="84832"/>
           <a:ext cx="2614175" cy="374400"/>
         </a:xfrm>
         <a:prstGeom prst="rect">
@@ -7417,7 +7485,7 @@
         </a:p>
       </dsp:txBody>
       <dsp:txXfrm>
-        <a:off x="4347" y="80372"/>
+        <a:off x="4347" y="84832"/>
         <a:ext cx="2614175" cy="374400"/>
       </dsp:txXfrm>
     </dsp:sp>
@@ -7428,8 +7496,8 @@
       </dsp:nvSpPr>
       <dsp:spPr>
         <a:xfrm>
-          <a:off x="4347" y="454772"/>
-          <a:ext cx="2614175" cy="3943192"/>
+          <a:off x="4347" y="459232"/>
+          <a:ext cx="2614175" cy="3934271"/>
         </a:xfrm>
         <a:prstGeom prst="rect">
           <a:avLst/>
@@ -7590,25 +7658,10 @@
             <a:t> is Terraform Azure Provider.</a:t>
           </a:r>
         </a:p>
-        <a:p>
-          <a:pPr marL="114300" lvl="1" indent="-114300" algn="l" defTabSz="577850">
-            <a:lnSpc>
-              <a:spcPct val="90000"/>
-            </a:lnSpc>
-            <a:spcBef>
-              <a:spcPct val="0"/>
-            </a:spcBef>
-            <a:spcAft>
-              <a:spcPct val="15000"/>
-            </a:spcAft>
-            <a:buChar char="•"/>
-          </a:pPr>
-          <a:endParaRPr lang="en-AU" sz="1300" kern="1200"/>
-        </a:p>
       </dsp:txBody>
       <dsp:txXfrm>
-        <a:off x="4347" y="454772"/>
-        <a:ext cx="2614175" cy="3943192"/>
+        <a:off x="4347" y="459232"/>
+        <a:ext cx="2614175" cy="3934271"/>
       </dsp:txXfrm>
     </dsp:sp>
     <dsp:sp modelId="{8727B09A-9976-4007-85C5-1F124D1B9D8D}">
@@ -7618,7 +7671,7 @@
       </dsp:nvSpPr>
       <dsp:spPr>
         <a:xfrm>
-          <a:off x="2984507" y="80372"/>
+          <a:off x="2984507" y="84832"/>
           <a:ext cx="2614175" cy="374400"/>
         </a:xfrm>
         <a:prstGeom prst="rect">
@@ -7684,7 +7737,7 @@
         </a:p>
       </dsp:txBody>
       <dsp:txXfrm>
-        <a:off x="2984507" y="80372"/>
+        <a:off x="2984507" y="84832"/>
         <a:ext cx="2614175" cy="374400"/>
       </dsp:txXfrm>
     </dsp:sp>
@@ -7695,8 +7748,8 @@
       </dsp:nvSpPr>
       <dsp:spPr>
         <a:xfrm>
-          <a:off x="2984507" y="454772"/>
-          <a:ext cx="2614175" cy="3943192"/>
+          <a:off x="2984507" y="459232"/>
+          <a:ext cx="2614175" cy="3934271"/>
         </a:xfrm>
         <a:prstGeom prst="rect">
           <a:avLst/>
@@ -7764,8 +7817,8 @@
         </a:p>
       </dsp:txBody>
       <dsp:txXfrm>
-        <a:off x="2984507" y="454772"/>
-        <a:ext cx="2614175" cy="3943192"/>
+        <a:off x="2984507" y="459232"/>
+        <a:ext cx="2614175" cy="3934271"/>
       </dsp:txXfrm>
     </dsp:sp>
     <dsp:sp modelId="{C978F856-6B3D-4DDB-88B1-14097CDA833D}">
@@ -7775,7 +7828,7 @@
       </dsp:nvSpPr>
       <dsp:spPr>
         <a:xfrm>
-          <a:off x="5964667" y="80372"/>
+          <a:off x="5964667" y="84832"/>
           <a:ext cx="2614175" cy="374400"/>
         </a:xfrm>
         <a:prstGeom prst="rect">
@@ -7841,7 +7894,7 @@
         </a:p>
       </dsp:txBody>
       <dsp:txXfrm>
-        <a:off x="5964667" y="80372"/>
+        <a:off x="5964667" y="84832"/>
         <a:ext cx="2614175" cy="374400"/>
       </dsp:txXfrm>
     </dsp:sp>
@@ -7852,8 +7905,8 @@
       </dsp:nvSpPr>
       <dsp:spPr>
         <a:xfrm>
-          <a:off x="5964667" y="454772"/>
-          <a:ext cx="2614175" cy="3943192"/>
+          <a:off x="5964667" y="459232"/>
+          <a:ext cx="2614175" cy="3934271"/>
         </a:xfrm>
         <a:prstGeom prst="rect">
           <a:avLst/>
@@ -7929,8 +7982,8 @@
         </a:p>
       </dsp:txBody>
       <dsp:txXfrm>
-        <a:off x="5964667" y="454772"/>
-        <a:ext cx="2614175" cy="3943192"/>
+        <a:off x="5964667" y="459232"/>
+        <a:ext cx="2614175" cy="3934271"/>
       </dsp:txXfrm>
     </dsp:sp>
     <dsp:sp modelId="{DC7461D3-E82C-4EF2-B5A5-755D621AA4D6}">
@@ -7940,7 +7993,7 @@
       </dsp:nvSpPr>
       <dsp:spPr>
         <a:xfrm>
-          <a:off x="8944827" y="80372"/>
+          <a:off x="8944827" y="84832"/>
           <a:ext cx="2614175" cy="374400"/>
         </a:xfrm>
         <a:prstGeom prst="rect">
@@ -8006,7 +8059,7 @@
         </a:p>
       </dsp:txBody>
       <dsp:txXfrm>
-        <a:off x="8944827" y="80372"/>
+        <a:off x="8944827" y="84832"/>
         <a:ext cx="2614175" cy="374400"/>
       </dsp:txXfrm>
     </dsp:sp>
@@ -8017,8 +8070,8 @@
       </dsp:nvSpPr>
       <dsp:spPr>
         <a:xfrm>
-          <a:off x="8944827" y="454772"/>
-          <a:ext cx="2614175" cy="3943192"/>
+          <a:off x="8944827" y="459232"/>
+          <a:ext cx="2614175" cy="3934271"/>
         </a:xfrm>
         <a:prstGeom prst="rect">
           <a:avLst/>
@@ -8185,8 +8238,8 @@
         </a:p>
       </dsp:txBody>
       <dsp:txXfrm>
-        <a:off x="8944827" y="454772"/>
-        <a:ext cx="2614175" cy="3943192"/>
+        <a:off x="8944827" y="459232"/>
+        <a:ext cx="2614175" cy="3934271"/>
       </dsp:txXfrm>
     </dsp:sp>
   </dsp:spTree>
@@ -13593,6 +13646,167 @@
       </p:grpSpPr>
       <p:sp>
         <p:nvSpPr>
+          <p:cNvPr id="30722" name="Slide Image Placeholder 1"/>
+          <p:cNvSpPr>
+            <a:spLocks noGrp="1" noRot="1" noChangeAspect="1" noTextEdit="1"/>
+          </p:cNvSpPr>
+          <p:nvPr>
+            <p:ph type="sldImg"/>
+          </p:nvPr>
+        </p:nvSpPr>
+        <p:spPr bwMode="auto">
+          <a:noFill/>
+          <a:ln>
+            <a:solidFill>
+              <a:srgbClr val="000000"/>
+            </a:solidFill>
+            <a:miter lim="800000"/>
+            <a:headEnd/>
+            <a:tailEnd/>
+          </a:ln>
+          <a:extLst>
+            <a:ext uri="{909E8E84-426E-40DD-AFC4-6F175D3DCCD1}">
+              <a14:hiddenFill xmlns:a14="http://schemas.microsoft.com/office/drawing/2010/main">
+                <a:solidFill>
+                  <a:srgbClr val="FFFFFF"/>
+                </a:solidFill>
+              </a14:hiddenFill>
+            </a:ext>
+          </a:extLst>
+        </p:spPr>
+      </p:sp>
+      <p:sp>
+        <p:nvSpPr>
+          <p:cNvPr id="30723" name="Notes Placeholder 2"/>
+          <p:cNvSpPr>
+            <a:spLocks noGrp="1"/>
+          </p:cNvSpPr>
+          <p:nvPr>
+            <p:ph type="body" idx="1"/>
+          </p:nvPr>
+        </p:nvSpPr>
+        <p:spPr bwMode="auto">
+          <a:xfrm>
+            <a:off x="685800" y="2590800"/>
+            <a:ext cx="5486400" cy="6096000"/>
+          </a:xfrm>
+          <a:noFill/>
+          <a:extLst>
+            <a:ext uri="{909E8E84-426E-40DD-AFC4-6F175D3DCCD1}">
+              <a14:hiddenFill xmlns:a14="http://schemas.microsoft.com/office/drawing/2010/main">
+                <a:solidFill>
+                  <a:srgbClr val="FFFFFF"/>
+                </a:solidFill>
+              </a14:hiddenFill>
+            </a:ext>
+            <a:ext uri="{91240B29-F687-4F45-9708-019B960494DF}">
+              <a14:hiddenLine xmlns:a14="http://schemas.microsoft.com/office/drawing/2010/main" w="9525">
+                <a:solidFill>
+                  <a:srgbClr val="000000"/>
+                </a:solidFill>
+                <a:miter lim="800000"/>
+                <a:headEnd/>
+                <a:tailEnd/>
+              </a14:hiddenLine>
+            </a:ext>
+          </a:extLst>
+        </p:spPr>
+        <p:txBody>
+          <a:bodyPr wrap="square" numCol="1" anchor="t" anchorCtr="0" compatLnSpc="1">
+            <a:prstTxWarp prst="textNoShape">
+              <a:avLst/>
+            </a:prstTxWarp>
+          </a:bodyPr>
+          <a:lstStyle/>
+          <a:p>
+            <a:pPr>
+              <a:spcBef>
+                <a:spcPct val="0"/>
+              </a:spcBef>
+            </a:pPr>
+            <a:endParaRPr lang="en-US" altLang="en-US" dirty="0">
+              <a:latin typeface="Segoe UI Light" panose="020B0502040204020203" pitchFamily="34" charset="0"/>
+            </a:endParaRPr>
+          </a:p>
+        </p:txBody>
+      </p:sp>
+      <p:sp>
+        <p:nvSpPr>
+          <p:cNvPr id="3" name="Slide Number Placeholder 2"/>
+          <p:cNvSpPr>
+            <a:spLocks noGrp="1"/>
+          </p:cNvSpPr>
+          <p:nvPr>
+            <p:ph type="sldNum" sz="quarter" idx="11"/>
+          </p:nvPr>
+        </p:nvSpPr>
+        <p:spPr/>
+        <p:txBody>
+          <a:bodyPr/>
+          <a:lstStyle/>
+          <a:p>
+            <a:fld id="{73CFBB7B-29F3-4A9F-B039-645092B1B4E9}" type="slidenum">
+              <a:rPr lang="en-US" smtClean="0"/>
+              <a:t>2</a:t>
+            </a:fld>
+            <a:endParaRPr lang="en-US" dirty="0"/>
+          </a:p>
+        </p:txBody>
+      </p:sp>
+      <p:sp>
+        <p:nvSpPr>
+          <p:cNvPr id="4" name="Footer Placeholder 3"/>
+          <p:cNvSpPr>
+            <a:spLocks noGrp="1"/>
+          </p:cNvSpPr>
+          <p:nvPr>
+            <p:ph type="ftr" sz="quarter" idx="12"/>
+          </p:nvPr>
+        </p:nvSpPr>
+        <p:spPr/>
+        <p:txBody>
+          <a:bodyPr/>
+          <a:lstStyle/>
+          <a:p>
+            <a:r>
+              <a:rPr lang="en-US" dirty="0"/>
+              <a:t>© 2015 Microsoft Corporation</a:t>
+            </a:r>
+          </a:p>
+        </p:txBody>
+      </p:sp>
+    </p:spTree>
+    <p:extLst>
+      <p:ext uri="{BB962C8B-B14F-4D97-AF65-F5344CB8AC3E}">
+        <p14:creationId xmlns:p14="http://schemas.microsoft.com/office/powerpoint/2010/main" val="1227411817"/>
+      </p:ext>
+    </p:extLst>
+  </p:cSld>
+  <p:clrMapOvr>
+    <a:masterClrMapping/>
+  </p:clrMapOvr>
+</p:notes>
+</file>
+
+<file path=ppt/notesSlides/notesSlide2.xml><?xml version="1.0" encoding="utf-8"?>
+<p:notes xmlns:a="http://schemas.openxmlformats.org/drawingml/2006/main" xmlns:r="http://schemas.openxmlformats.org/officeDocument/2006/relationships" xmlns:p="http://schemas.openxmlformats.org/presentationml/2006/main">
+  <p:cSld>
+    <p:spTree>
+      <p:nvGrpSpPr>
+        <p:cNvPr id="1" name=""/>
+        <p:cNvGrpSpPr/>
+        <p:nvPr/>
+      </p:nvGrpSpPr>
+      <p:grpSpPr>
+        <a:xfrm>
+          <a:off x="0" y="0"/>
+          <a:ext cx="0" cy="0"/>
+          <a:chOff x="0" y="0"/>
+          <a:chExt cx="0" cy="0"/>
+        </a:xfrm>
+      </p:grpSpPr>
+      <p:sp>
+        <p:nvSpPr>
           <p:cNvPr id="2" name="Folienbildplatzhalter 1"/>
           <p:cNvSpPr>
             <a:spLocks noGrp="1" noRot="1" noChangeAspect="1"/>
@@ -13639,7 +13853,7 @@
           <a:p>
             <a:fld id="{44E6E700-5FCE-456D-9FBE-7EED2F4481F8}" type="slidenum">
               <a:rPr lang="LID4096" smtClean="0"/>
-              <a:t>3</a:t>
+              <a:t>5</a:t>
             </a:fld>
             <a:endParaRPr lang="LID4096"/>
           </a:p>
@@ -17387,6 +17601,190 @@
 </p:sldLayout>
 </file>
 
+<file path=ppt/slideLayouts/slideLayout21.xml><?xml version="1.0" encoding="utf-8"?>
+<p:sldLayout xmlns:a="http://schemas.openxmlformats.org/drawingml/2006/main" xmlns:r="http://schemas.openxmlformats.org/officeDocument/2006/relationships" xmlns:p="http://schemas.openxmlformats.org/presentationml/2006/main">
+  <p:cSld name="3_General content light">
+    <p:spTree>
+      <p:nvGrpSpPr>
+        <p:cNvPr id="1" name=""/>
+        <p:cNvGrpSpPr/>
+        <p:nvPr/>
+      </p:nvGrpSpPr>
+      <p:grpSpPr>
+        <a:xfrm>
+          <a:off x="0" y="0"/>
+          <a:ext cx="0" cy="0"/>
+          <a:chOff x="0" y="0"/>
+          <a:chExt cx="0" cy="0"/>
+        </a:xfrm>
+      </p:grpSpPr>
+      <p:sp>
+        <p:nvSpPr>
+          <p:cNvPr id="2" name="Title 1"/>
+          <p:cNvSpPr>
+            <a:spLocks noGrp="1"/>
+          </p:cNvSpPr>
+          <p:nvPr>
+            <p:ph type="title"/>
+          </p:nvPr>
+        </p:nvSpPr>
+        <p:spPr>
+          <a:xfrm>
+            <a:off x="155456" y="310868"/>
+            <a:ext cx="11659195" cy="699453"/>
+          </a:xfrm>
+          <a:noFill/>
+        </p:spPr>
+        <p:txBody>
+          <a:bodyPr>
+            <a:noAutofit/>
+          </a:bodyPr>
+          <a:lstStyle>
+            <a:lvl1pPr algn="l">
+              <a:defRPr sz="3672" baseline="0">
+                <a:solidFill>
+                  <a:schemeClr val="accent1"/>
+                </a:solidFill>
+                <a:latin typeface="Segoe UI Light" panose="020B0502040204020203" pitchFamily="34" charset="0"/>
+                <a:cs typeface="Segoe UI Light" panose="020B0502040204020203" pitchFamily="34" charset="0"/>
+              </a:defRPr>
+            </a:lvl1pPr>
+          </a:lstStyle>
+          <a:p>
+            <a:r>
+              <a:rPr lang="en-US"/>
+              <a:t>Click to edit Master title style</a:t>
+            </a:r>
+            <a:endParaRPr lang="en-US" dirty="0"/>
+          </a:p>
+        </p:txBody>
+      </p:sp>
+      <p:sp>
+        <p:nvSpPr>
+          <p:cNvPr id="14" name="Content Placeholder 13"/>
+          <p:cNvSpPr>
+            <a:spLocks noGrp="1"/>
+          </p:cNvSpPr>
+          <p:nvPr>
+            <p:ph sz="quarter" idx="13"/>
+          </p:nvPr>
+        </p:nvSpPr>
+        <p:spPr>
+          <a:xfrm>
+            <a:off x="310912" y="1165754"/>
+            <a:ext cx="11503739" cy="5051601"/>
+          </a:xfrm>
+          <a:prstGeom prst="rect">
+            <a:avLst/>
+          </a:prstGeom>
+        </p:spPr>
+        <p:txBody>
+          <a:bodyPr lIns="91440" tIns="45720">
+            <a:normAutofit/>
+          </a:bodyPr>
+          <a:lstStyle>
+            <a:lvl1pPr marL="0" indent="0">
+              <a:lnSpc>
+                <a:spcPct val="100000"/>
+              </a:lnSpc>
+              <a:spcBef>
+                <a:spcPts val="612"/>
+              </a:spcBef>
+              <a:spcAft>
+                <a:spcPts val="612"/>
+              </a:spcAft>
+              <a:buFont typeface="+mj-lt"/>
+              <a:buNone/>
+              <a:defRPr sz="2448" baseline="0">
+                <a:solidFill>
+                  <a:schemeClr val="bg1"/>
+                </a:solidFill>
+                <a:latin typeface="+mn-lt"/>
+              </a:defRPr>
+            </a:lvl1pPr>
+            <a:lvl2pPr marL="932597" indent="-466298">
+              <a:buFont typeface="+mj-lt"/>
+              <a:buAutoNum type="alphaLcParenR"/>
+              <a:defRPr sz="2040">
+                <a:latin typeface="+mn-lt"/>
+              </a:defRPr>
+            </a:lvl2pPr>
+            <a:lvl3pPr marL="874309" indent="0">
+              <a:buFont typeface="Arial" panose="020B0604020202020204" pitchFamily="34" charset="0"/>
+              <a:buNone/>
+              <a:defRPr sz="2040">
+                <a:latin typeface="+mn-lt"/>
+              </a:defRPr>
+            </a:lvl3pPr>
+          </a:lstStyle>
+          <a:p>
+            <a:pPr lvl="0"/>
+            <a:r>
+              <a:rPr lang="en-US"/>
+              <a:t>Click to edit Master text styles</a:t>
+            </a:r>
+          </a:p>
+        </p:txBody>
+      </p:sp>
+      <p:sp>
+        <p:nvSpPr>
+          <p:cNvPr id="5" name="Slide Number Placeholder 3"/>
+          <p:cNvSpPr>
+            <a:spLocks noGrp="1"/>
+          </p:cNvSpPr>
+          <p:nvPr>
+            <p:ph type="sldNum" sz="quarter" idx="14"/>
+          </p:nvPr>
+        </p:nvSpPr>
+        <p:spPr>
+          <a:xfrm>
+            <a:off x="9541108" y="6622132"/>
+            <a:ext cx="2901844" cy="372394"/>
+          </a:xfrm>
+          <a:prstGeom prst="rect">
+            <a:avLst/>
+          </a:prstGeom>
+        </p:spPr>
+        <p:txBody>
+          <a:bodyPr/>
+          <a:lstStyle>
+            <a:lvl1pPr>
+              <a:defRPr smtClean="0">
+                <a:solidFill>
+                  <a:srgbClr val="3F3F3F"/>
+                </a:solidFill>
+                <a:latin typeface="+mn-lt"/>
+              </a:defRPr>
+            </a:lvl1pPr>
+          </a:lstStyle>
+          <a:p>
+            <a:pPr>
+              <a:defRPr/>
+            </a:pPr>
+            <a:fld id="{A0AE9EC9-F182-4A35-8041-CBBE9CFA6E78}" type="slidenum">
+              <a:rPr lang="en-US"/>
+              <a:pPr>
+                <a:defRPr/>
+              </a:pPr>
+              <a:t>‹#›</a:t>
+            </a:fld>
+            <a:endParaRPr lang="en-US"/>
+          </a:p>
+        </p:txBody>
+      </p:sp>
+    </p:spTree>
+    <p:extLst>
+      <p:ext uri="{BB962C8B-B14F-4D97-AF65-F5344CB8AC3E}">
+        <p14:creationId xmlns:p14="http://schemas.microsoft.com/office/powerpoint/2010/main" val="2706615526"/>
+      </p:ext>
+    </p:extLst>
+  </p:cSld>
+  <p:clrMapOvr>
+    <a:masterClrMapping/>
+  </p:clrMapOvr>
+</p:sldLayout>
+</file>
+
 <file path=ppt/slideLayouts/slideLayout3.xml><?xml version="1.0" encoding="utf-8"?>
 <p:sldLayout xmlns:a="http://schemas.openxmlformats.org/drawingml/2006/main" xmlns:r="http://schemas.openxmlformats.org/officeDocument/2006/relationships" xmlns:p="http://schemas.openxmlformats.org/presentationml/2006/main" preserve="1" userDrawn="1">
   <p:cSld name="Title slide photo">
@@ -19521,7 +19919,7 @@
           <p:nvPr userDrawn="1"/>
         </p:nvPicPr>
         <p:blipFill>
-          <a:blip r:embed="rId22" cstate="screen">
+          <a:blip r:embed="rId23" cstate="screen">
             <a:extLst>
               <a:ext uri="{28A0092B-C50C-407E-A947-70E740481C1C}">
                 <a14:useLocalDpi xmlns:a14="http://schemas.microsoft.com/office/drawing/2010/main"/>
@@ -19557,7 +19955,7 @@
           <p:nvPr userDrawn="1"/>
         </p:nvPicPr>
         <p:blipFill>
-          <a:blip r:embed="rId23" cstate="screen">
+          <a:blip r:embed="rId24" cstate="screen">
             <a:extLst>
               <a:ext uri="{28A0092B-C50C-407E-A947-70E740481C1C}">
                 <a14:useLocalDpi xmlns:a14="http://schemas.microsoft.com/office/drawing/2010/main"/>
@@ -19607,6 +20005,7 @@
     <p:sldLayoutId id="2147483700" r:id="rId18"/>
     <p:sldLayoutId id="2147483701" r:id="rId19"/>
     <p:sldLayoutId id="2147483707" r:id="rId20"/>
+    <p:sldLayoutId id="2147483708" r:id="rId21"/>
   </p:sldLayoutIdLst>
   <p:transition>
     <p:fade/>
@@ -20162,1523 +20561,6 @@
       </p:grpSpPr>
       <p:sp>
         <p:nvSpPr>
-          <p:cNvPr id="2" name="Title 1">
-            <a:extLst>
-              <a:ext uri="{FF2B5EF4-FFF2-40B4-BE49-F238E27FC236}">
-                <a16:creationId xmlns:a16="http://schemas.microsoft.com/office/drawing/2014/main" id="{0C035F95-B6D8-7A4A-3319-C3BE609925D8}"/>
-              </a:ext>
-            </a:extLst>
-          </p:cNvPr>
-          <p:cNvSpPr>
-            <a:spLocks noGrp="1"/>
-          </p:cNvSpPr>
-          <p:nvPr>
-            <p:ph type="title"/>
-          </p:nvPr>
-        </p:nvSpPr>
-        <p:spPr/>
-        <p:txBody>
-          <a:bodyPr/>
-          <a:lstStyle/>
-          <a:p>
-            <a:r>
-              <a:rPr lang="en-AU" dirty="0"/>
-              <a:t>Terraform Workflow</a:t>
-            </a:r>
-          </a:p>
-        </p:txBody>
-      </p:sp>
-      <p:pic>
-        <p:nvPicPr>
-          <p:cNvPr id="3" name="Picture 2" descr="Terraform deployment workflow">
-            <a:extLst>
-              <a:ext uri="{FF2B5EF4-FFF2-40B4-BE49-F238E27FC236}">
-                <a16:creationId xmlns:a16="http://schemas.microsoft.com/office/drawing/2014/main" id="{C6400506-AFEA-1E53-1512-E7796C951A7D}"/>
-              </a:ext>
-            </a:extLst>
-          </p:cNvPr>
-          <p:cNvPicPr>
-            <a:picLocks noChangeAspect="1" noChangeArrowheads="1"/>
-          </p:cNvPicPr>
-          <p:nvPr/>
-        </p:nvPicPr>
-        <p:blipFill>
-          <a:blip r:embed="rId2">
-            <a:extLst>
-              <a:ext uri="{28A0092B-C50C-407E-A947-70E740481C1C}">
-                <a14:useLocalDpi xmlns:a14="http://schemas.microsoft.com/office/drawing/2010/main" val="0"/>
-              </a:ext>
-            </a:extLst>
-          </a:blip>
-          <a:stretch>
-            <a:fillRect/>
-          </a:stretch>
-        </p:blipFill>
-        <p:spPr bwMode="auto">
-          <a:xfrm>
-            <a:off x="1342169" y="1095037"/>
-            <a:ext cx="9268681" cy="3359897"/>
-          </a:xfrm>
-          <a:prstGeom prst="rect">
-            <a:avLst/>
-          </a:prstGeom>
-          <a:noFill/>
-          <a:extLst>
-            <a:ext uri="{909E8E84-426E-40DD-AFC4-6F175D3DCCD1}">
-              <a14:hiddenFill xmlns:a14="http://schemas.microsoft.com/office/drawing/2010/main">
-                <a:solidFill>
-                  <a:srgbClr val="FFFFFF"/>
-                </a:solidFill>
-              </a14:hiddenFill>
-            </a:ext>
-          </a:extLst>
-        </p:spPr>
-      </p:pic>
-      <p:sp>
-        <p:nvSpPr>
-          <p:cNvPr id="7" name="TextBox 6">
-            <a:extLst>
-              <a:ext uri="{FF2B5EF4-FFF2-40B4-BE49-F238E27FC236}">
-                <a16:creationId xmlns:a16="http://schemas.microsoft.com/office/drawing/2014/main" id="{5B56E4B2-8540-7821-7E20-39A457C191DE}"/>
-              </a:ext>
-            </a:extLst>
-          </p:cNvPr>
-          <p:cNvSpPr txBox="1"/>
-          <p:nvPr/>
-        </p:nvSpPr>
-        <p:spPr>
-          <a:xfrm>
-            <a:off x="792956" y="4489514"/>
-            <a:ext cx="6900862" cy="1787412"/>
-          </a:xfrm>
-          <a:prstGeom prst="rect">
-            <a:avLst/>
-          </a:prstGeom>
-          <a:noFill/>
-        </p:spPr>
-        <p:txBody>
-          <a:bodyPr wrap="square">
-            <a:spAutoFit/>
-          </a:bodyPr>
-          <a:lstStyle/>
-          <a:p>
-            <a:pPr algn="l"/>
-            <a:r>
-              <a:rPr lang="en-GB" b="0" i="0" dirty="0">
-                <a:effectLst/>
-                <a:latin typeface="-apple-system"/>
-              </a:rPr>
-              <a:t>The core Terraform workflow has three steps:</a:t>
-            </a:r>
-          </a:p>
-          <a:p>
-            <a:pPr algn="l">
-              <a:buFont typeface="+mj-lt"/>
-              <a:buAutoNum type="arabicPeriod"/>
-            </a:pPr>
-            <a:r>
-              <a:rPr lang="en-GB" b="1" i="0" dirty="0">
-                <a:solidFill>
-                  <a:srgbClr val="000000"/>
-                </a:solidFill>
-                <a:effectLst/>
-                <a:latin typeface="-apple-system"/>
-              </a:rPr>
-              <a:t> Write</a:t>
-            </a:r>
-            <a:r>
-              <a:rPr lang="en-GB" b="0" i="0" dirty="0">
-                <a:solidFill>
-                  <a:srgbClr val="000000"/>
-                </a:solidFill>
-                <a:effectLst/>
-                <a:latin typeface="-apple-system"/>
-              </a:rPr>
-              <a:t> - Author infrastructure as code.</a:t>
-            </a:r>
-          </a:p>
-          <a:p>
-            <a:pPr marL="809244" lvl="1" indent="-342900">
-              <a:buFont typeface="Arial" panose="020B0604020202020204" pitchFamily="34" charset="0"/>
-              <a:buChar char="•"/>
-            </a:pPr>
-            <a:r>
-              <a:rPr lang="en-GB" b="0" i="0" dirty="0">
-                <a:solidFill>
-                  <a:srgbClr val="000000"/>
-                </a:solidFill>
-                <a:effectLst/>
-                <a:latin typeface="-apple-system"/>
-              </a:rPr>
-              <a:t>Run </a:t>
-            </a:r>
-            <a:r>
-              <a:rPr lang="en-GB" b="0" i="1" dirty="0">
-                <a:solidFill>
-                  <a:srgbClr val="000000"/>
-                </a:solidFill>
-                <a:effectLst/>
-                <a:latin typeface="-apple-system"/>
-              </a:rPr>
-              <a:t>terraform </a:t>
-            </a:r>
-            <a:r>
-              <a:rPr lang="en-GB" b="0" i="1" dirty="0" err="1">
-                <a:solidFill>
-                  <a:srgbClr val="000000"/>
-                </a:solidFill>
-                <a:effectLst/>
-                <a:latin typeface="-apple-system"/>
-              </a:rPr>
-              <a:t>init</a:t>
-            </a:r>
-            <a:r>
-              <a:rPr lang="en-GB" b="0" i="1" dirty="0">
-                <a:solidFill>
-                  <a:srgbClr val="000000"/>
-                </a:solidFill>
-                <a:effectLst/>
-                <a:latin typeface="-apple-system"/>
-              </a:rPr>
-              <a:t> </a:t>
-            </a:r>
-            <a:r>
-              <a:rPr lang="en-GB" b="0" i="0" dirty="0">
-                <a:solidFill>
-                  <a:srgbClr val="000000"/>
-                </a:solidFill>
-                <a:effectLst/>
-                <a:latin typeface="-apple-system"/>
-              </a:rPr>
-              <a:t>to initializes a working directory containing Terraform configuration files and download providers.</a:t>
-            </a:r>
-          </a:p>
-          <a:p>
-            <a:pPr algn="l">
-              <a:buFont typeface="+mj-lt"/>
-              <a:buAutoNum type="arabicPeriod"/>
-            </a:pPr>
-            <a:r>
-              <a:rPr lang="en-GB" b="1" i="0" dirty="0">
-                <a:solidFill>
-                  <a:srgbClr val="000000"/>
-                </a:solidFill>
-                <a:effectLst/>
-                <a:latin typeface="-apple-system"/>
-              </a:rPr>
-              <a:t> Plan</a:t>
-            </a:r>
-            <a:r>
-              <a:rPr lang="en-GB" b="0" i="0" dirty="0">
-                <a:solidFill>
-                  <a:srgbClr val="000000"/>
-                </a:solidFill>
-                <a:effectLst/>
-                <a:latin typeface="-apple-system"/>
-              </a:rPr>
-              <a:t> - Preview changes before applying.</a:t>
-            </a:r>
-          </a:p>
-          <a:p>
-            <a:pPr algn="l">
-              <a:buFont typeface="+mj-lt"/>
-              <a:buAutoNum type="arabicPeriod"/>
-            </a:pPr>
-            <a:r>
-              <a:rPr lang="en-GB" b="1" i="0" dirty="0">
-                <a:solidFill>
-                  <a:srgbClr val="000000"/>
-                </a:solidFill>
-                <a:effectLst/>
-                <a:latin typeface="-apple-system"/>
-              </a:rPr>
-              <a:t> Apply</a:t>
-            </a:r>
-            <a:r>
-              <a:rPr lang="en-GB" b="0" i="0" dirty="0">
-                <a:solidFill>
-                  <a:srgbClr val="000000"/>
-                </a:solidFill>
-                <a:effectLst/>
-                <a:latin typeface="-apple-system"/>
-              </a:rPr>
-              <a:t> - Provision reproducible infrastructure.</a:t>
-            </a:r>
-          </a:p>
-        </p:txBody>
-      </p:sp>
-    </p:spTree>
-    <p:extLst>
-      <p:ext uri="{BB962C8B-B14F-4D97-AF65-F5344CB8AC3E}">
-        <p14:creationId xmlns:p14="http://schemas.microsoft.com/office/powerpoint/2010/main" val="1864084007"/>
-      </p:ext>
-    </p:extLst>
-  </p:cSld>
-  <p:clrMapOvr>
-    <a:masterClrMapping/>
-  </p:clrMapOvr>
-  <p:transition>
-    <p:fade/>
-  </p:transition>
-</p:sld>
-</file>
-
-<file path=ppt/slides/slide11.xml><?xml version="1.0" encoding="utf-8"?>
-<p:sld xmlns:a="http://schemas.openxmlformats.org/drawingml/2006/main" xmlns:r="http://schemas.openxmlformats.org/officeDocument/2006/relationships" xmlns:p="http://schemas.openxmlformats.org/presentationml/2006/main">
-  <p:cSld>
-    <p:spTree>
-      <p:nvGrpSpPr>
-        <p:cNvPr id="1" name=""/>
-        <p:cNvGrpSpPr/>
-        <p:nvPr/>
-      </p:nvGrpSpPr>
-      <p:grpSpPr>
-        <a:xfrm>
-          <a:off x="0" y="0"/>
-          <a:ext cx="0" cy="0"/>
-          <a:chOff x="0" y="0"/>
-          <a:chExt cx="0" cy="0"/>
-        </a:xfrm>
-      </p:grpSpPr>
-      <p:sp>
-        <p:nvSpPr>
-          <p:cNvPr id="4" name="Title 3">
-            <a:extLst>
-              <a:ext uri="{FF2B5EF4-FFF2-40B4-BE49-F238E27FC236}">
-                <a16:creationId xmlns:a16="http://schemas.microsoft.com/office/drawing/2014/main" id="{21C2ED56-892D-975A-CD95-5FA4BDE63187}"/>
-              </a:ext>
-            </a:extLst>
-          </p:cNvPr>
-          <p:cNvSpPr>
-            <a:spLocks noGrp="1"/>
-          </p:cNvSpPr>
-          <p:nvPr>
-            <p:ph type="title"/>
-          </p:nvPr>
-        </p:nvSpPr>
-        <p:spPr/>
-        <p:txBody>
-          <a:bodyPr/>
-          <a:lstStyle/>
-          <a:p>
-            <a:pPr algn="l"/>
-            <a:r>
-              <a:rPr lang="en-GB" b="1" i="0" dirty="0">
-                <a:solidFill>
-                  <a:srgbClr val="000000"/>
-                </a:solidFill>
-                <a:effectLst/>
-                <a:latin typeface="-apple-system"/>
-              </a:rPr>
-              <a:t>Azure Provider: Authenticating using the Azure CLI</a:t>
-            </a:r>
-            <a:br>
-              <a:rPr lang="en-GB" b="1" i="0" dirty="0">
-                <a:solidFill>
-                  <a:srgbClr val="000000"/>
-                </a:solidFill>
-                <a:effectLst/>
-                <a:latin typeface="-apple-system"/>
-              </a:rPr>
-            </a:br>
-            <a:endParaRPr lang="en-AU" dirty="0"/>
-          </a:p>
-        </p:txBody>
-      </p:sp>
-      <p:sp>
-        <p:nvSpPr>
-          <p:cNvPr id="6" name="TextBox 5">
-            <a:extLst>
-              <a:ext uri="{FF2B5EF4-FFF2-40B4-BE49-F238E27FC236}">
-                <a16:creationId xmlns:a16="http://schemas.microsoft.com/office/drawing/2014/main" id="{F655CE90-EF6E-F493-F4FD-DAF89C2AFB41}"/>
-              </a:ext>
-            </a:extLst>
-          </p:cNvPr>
-          <p:cNvSpPr txBox="1"/>
-          <p:nvPr/>
-        </p:nvSpPr>
-        <p:spPr>
-          <a:xfrm>
-            <a:off x="434975" y="1635274"/>
-            <a:ext cx="8893969" cy="1787412"/>
-          </a:xfrm>
-          <a:prstGeom prst="rect">
-            <a:avLst/>
-          </a:prstGeom>
-          <a:noFill/>
-        </p:spPr>
-        <p:txBody>
-          <a:bodyPr wrap="square">
-            <a:spAutoFit/>
-          </a:bodyPr>
-          <a:lstStyle/>
-          <a:p>
-            <a:pPr algn="l"/>
-            <a:r>
-              <a:rPr lang="en-GB" b="0" i="0" dirty="0">
-                <a:solidFill>
-                  <a:srgbClr val="1F2124"/>
-                </a:solidFill>
-                <a:effectLst/>
-                <a:latin typeface="-apple-system"/>
-              </a:rPr>
-              <a:t>Terraform supports several methods for authenticating to Azure:</a:t>
-            </a:r>
-          </a:p>
-          <a:p>
-            <a:pPr algn="l">
-              <a:buFont typeface="Arial" panose="020B0604020202020204" pitchFamily="34" charset="0"/>
-              <a:buChar char="•"/>
-            </a:pPr>
-            <a:r>
-              <a:rPr lang="en-GB" b="0" i="0" dirty="0">
-                <a:solidFill>
-                  <a:srgbClr val="1F2124"/>
-                </a:solidFill>
-                <a:effectLst/>
-                <a:latin typeface="-apple-system"/>
-                <a:hlinkClick r:id="rId2"/>
-              </a:rPr>
-              <a:t>Authenticating to Azure using the Azure CLI</a:t>
-            </a:r>
-            <a:endParaRPr lang="en-GB" b="0" i="0" dirty="0">
-              <a:solidFill>
-                <a:srgbClr val="1F2124"/>
-              </a:solidFill>
-              <a:effectLst/>
-              <a:latin typeface="-apple-system"/>
-            </a:endParaRPr>
-          </a:p>
-          <a:p>
-            <a:pPr algn="l">
-              <a:buFont typeface="Arial" panose="020B0604020202020204" pitchFamily="34" charset="0"/>
-              <a:buChar char="•"/>
-            </a:pPr>
-            <a:r>
-              <a:rPr lang="en-GB" b="0" i="0" u="none" strike="noStrike" dirty="0">
-                <a:solidFill>
-                  <a:srgbClr val="3273DC"/>
-                </a:solidFill>
-                <a:effectLst/>
-                <a:latin typeface="-apple-system"/>
-                <a:hlinkClick r:id="rId3"/>
-              </a:rPr>
-              <a:t>Authenticating to Azure using Managed Service Identity</a:t>
-            </a:r>
-            <a:endParaRPr lang="en-GB" b="0" i="0" dirty="0">
-              <a:solidFill>
-                <a:srgbClr val="1F2124"/>
-              </a:solidFill>
-              <a:effectLst/>
-              <a:latin typeface="-apple-system"/>
-            </a:endParaRPr>
-          </a:p>
-          <a:p>
-            <a:pPr algn="l">
-              <a:buFont typeface="Arial" panose="020B0604020202020204" pitchFamily="34" charset="0"/>
-              <a:buChar char="•"/>
-            </a:pPr>
-            <a:r>
-              <a:rPr lang="en-GB" b="0" i="0" u="none" strike="noStrike" dirty="0">
-                <a:solidFill>
-                  <a:srgbClr val="3273DC"/>
-                </a:solidFill>
-                <a:effectLst/>
-                <a:latin typeface="-apple-system"/>
-                <a:hlinkClick r:id="rId4"/>
-              </a:rPr>
-              <a:t>Authenticating to Azure using a Service Principal and a Client Certificate</a:t>
-            </a:r>
-            <a:endParaRPr lang="en-GB" b="0" i="0" dirty="0">
-              <a:solidFill>
-                <a:srgbClr val="1F2124"/>
-              </a:solidFill>
-              <a:effectLst/>
-              <a:latin typeface="-apple-system"/>
-            </a:endParaRPr>
-          </a:p>
-          <a:p>
-            <a:pPr algn="l">
-              <a:buFont typeface="Arial" panose="020B0604020202020204" pitchFamily="34" charset="0"/>
-              <a:buChar char="•"/>
-            </a:pPr>
-            <a:r>
-              <a:rPr lang="en-GB" b="0" i="0" u="none" strike="noStrike" dirty="0">
-                <a:solidFill>
-                  <a:srgbClr val="3273DC"/>
-                </a:solidFill>
-                <a:effectLst/>
-                <a:latin typeface="-apple-system"/>
-                <a:hlinkClick r:id="rId5"/>
-              </a:rPr>
-              <a:t>Authenticating to Azure using a Service Principal and a Client Secret</a:t>
-            </a:r>
-            <a:endParaRPr lang="en-GB" b="0" i="0" dirty="0">
-              <a:solidFill>
-                <a:srgbClr val="1F2124"/>
-              </a:solidFill>
-              <a:effectLst/>
-              <a:latin typeface="-apple-system"/>
-            </a:endParaRPr>
-          </a:p>
-          <a:p>
-            <a:pPr algn="l">
-              <a:buFont typeface="Arial" panose="020B0604020202020204" pitchFamily="34" charset="0"/>
-              <a:buChar char="•"/>
-            </a:pPr>
-            <a:r>
-              <a:rPr lang="en-GB" b="0" i="0" u="none" strike="noStrike" dirty="0">
-                <a:solidFill>
-                  <a:srgbClr val="3273DC"/>
-                </a:solidFill>
-                <a:effectLst/>
-                <a:latin typeface="-apple-system"/>
-                <a:hlinkClick r:id="rId6"/>
-              </a:rPr>
-              <a:t>Authenticating to Azure using a Service Principal and Open ID Connect</a:t>
-            </a:r>
-            <a:endParaRPr lang="en-GB" b="0" i="0" dirty="0">
-              <a:solidFill>
-                <a:srgbClr val="1F2124"/>
-              </a:solidFill>
-              <a:effectLst/>
-              <a:latin typeface="-apple-system"/>
-            </a:endParaRPr>
-          </a:p>
-        </p:txBody>
-      </p:sp>
-    </p:spTree>
-    <p:extLst>
-      <p:ext uri="{BB962C8B-B14F-4D97-AF65-F5344CB8AC3E}">
-        <p14:creationId xmlns:p14="http://schemas.microsoft.com/office/powerpoint/2010/main" val="1320949851"/>
-      </p:ext>
-    </p:extLst>
-  </p:cSld>
-  <p:clrMapOvr>
-    <a:masterClrMapping/>
-  </p:clrMapOvr>
-  <p:transition>
-    <p:fade/>
-  </p:transition>
-</p:sld>
-</file>
-
-<file path=ppt/slides/slide12.xml><?xml version="1.0" encoding="utf-8"?>
-<p:sld xmlns:a="http://schemas.openxmlformats.org/drawingml/2006/main" xmlns:r="http://schemas.openxmlformats.org/officeDocument/2006/relationships" xmlns:p="http://schemas.openxmlformats.org/presentationml/2006/main">
-  <p:cSld>
-    <p:spTree>
-      <p:nvGrpSpPr>
-        <p:cNvPr id="1" name=""/>
-        <p:cNvGrpSpPr/>
-        <p:nvPr/>
-      </p:nvGrpSpPr>
-      <p:grpSpPr>
-        <a:xfrm>
-          <a:off x="0" y="0"/>
-          <a:ext cx="0" cy="0"/>
-          <a:chOff x="0" y="0"/>
-          <a:chExt cx="0" cy="0"/>
-        </a:xfrm>
-      </p:grpSpPr>
-      <p:sp>
-        <p:nvSpPr>
-          <p:cNvPr id="3" name="Text Placeholder 2">
-            <a:extLst>
-              <a:ext uri="{FF2B5EF4-FFF2-40B4-BE49-F238E27FC236}">
-                <a16:creationId xmlns:a16="http://schemas.microsoft.com/office/drawing/2014/main" id="{0CD33DC1-CB27-2EB8-71E9-A1EA1A72F84C}"/>
-              </a:ext>
-            </a:extLst>
-          </p:cNvPr>
-          <p:cNvSpPr>
-            <a:spLocks noGrp="1"/>
-          </p:cNvSpPr>
-          <p:nvPr>
-            <p:ph type="body" sz="quarter" idx="10"/>
-          </p:nvPr>
-        </p:nvSpPr>
-        <p:spPr>
-          <a:xfrm>
-            <a:off x="434975" y="2188559"/>
-            <a:ext cx="10013950" cy="3058501"/>
-          </a:xfrm>
-        </p:spPr>
-        <p:txBody>
-          <a:bodyPr/>
-          <a:lstStyle/>
-          <a:p>
-            <a:pPr marL="457200" indent="-457200">
-              <a:buFontTx/>
-              <a:buChar char="-"/>
-            </a:pPr>
-            <a:r>
-              <a:rPr lang="en-AU" dirty="0"/>
-              <a:t>Authenticate to Azure using Azure CLI</a:t>
-            </a:r>
-          </a:p>
-          <a:p>
-            <a:pPr marL="457200" indent="-457200">
-              <a:buFontTx/>
-              <a:buChar char="-"/>
-            </a:pPr>
-            <a:r>
-              <a:rPr lang="en-AU" dirty="0"/>
-              <a:t>Create a main.tf file containing </a:t>
-            </a:r>
-          </a:p>
-          <a:p>
-            <a:pPr marL="685800" lvl="1" indent="-457200">
-              <a:buFontTx/>
-              <a:buChar char="-"/>
-            </a:pPr>
-            <a:r>
-              <a:rPr lang="en-AU" dirty="0"/>
-              <a:t>terraform block, </a:t>
-            </a:r>
-          </a:p>
-          <a:p>
-            <a:pPr marL="685800" lvl="1" indent="-457200">
-              <a:buFontTx/>
-              <a:buChar char="-"/>
-            </a:pPr>
-            <a:r>
-              <a:rPr lang="en-AU" dirty="0" err="1"/>
-              <a:t>azurerm</a:t>
-            </a:r>
-            <a:r>
-              <a:rPr lang="en-AU" dirty="0"/>
-              <a:t> provider</a:t>
-            </a:r>
-          </a:p>
-          <a:p>
-            <a:pPr marL="685800" lvl="1" indent="-457200">
-              <a:buFontTx/>
-              <a:buChar char="-"/>
-            </a:pPr>
-            <a:r>
-              <a:rPr lang="en-AU" dirty="0"/>
-              <a:t>a resource group</a:t>
-            </a:r>
-          </a:p>
-          <a:p>
-            <a:pPr marL="685800" lvl="1" indent="-457200">
-              <a:buFontTx/>
-              <a:buChar char="-"/>
-            </a:pPr>
-            <a:r>
-              <a:rPr lang="en-AU" dirty="0"/>
-              <a:t>a </a:t>
-            </a:r>
-            <a:r>
-              <a:rPr lang="en-AU" dirty="0" err="1"/>
-              <a:t>vnet</a:t>
-            </a:r>
-            <a:endParaRPr lang="en-AU" dirty="0"/>
-          </a:p>
-        </p:txBody>
-      </p:sp>
-      <p:sp>
-        <p:nvSpPr>
-          <p:cNvPr id="4" name="Title 3">
-            <a:extLst>
-              <a:ext uri="{FF2B5EF4-FFF2-40B4-BE49-F238E27FC236}">
-                <a16:creationId xmlns:a16="http://schemas.microsoft.com/office/drawing/2014/main" id="{21C2ED56-892D-975A-CD95-5FA4BDE63187}"/>
-              </a:ext>
-            </a:extLst>
-          </p:cNvPr>
-          <p:cNvSpPr>
-            <a:spLocks noGrp="1"/>
-          </p:cNvSpPr>
-          <p:nvPr>
-            <p:ph type="title"/>
-          </p:nvPr>
-        </p:nvSpPr>
-        <p:spPr/>
-        <p:txBody>
-          <a:bodyPr/>
-          <a:lstStyle/>
-          <a:p>
-            <a:r>
-              <a:rPr lang="en-AU" dirty="0"/>
-              <a:t>Demo 1 – Create Resource Group and a VNET</a:t>
-            </a:r>
-          </a:p>
-        </p:txBody>
-      </p:sp>
-    </p:spTree>
-    <p:extLst>
-      <p:ext uri="{BB962C8B-B14F-4D97-AF65-F5344CB8AC3E}">
-        <p14:creationId xmlns:p14="http://schemas.microsoft.com/office/powerpoint/2010/main" val="1674973482"/>
-      </p:ext>
-    </p:extLst>
-  </p:cSld>
-  <p:clrMapOvr>
-    <a:masterClrMapping/>
-  </p:clrMapOvr>
-  <p:transition>
-    <p:fade/>
-  </p:transition>
-</p:sld>
-</file>
-
-<file path=ppt/slides/slide13.xml><?xml version="1.0" encoding="utf-8"?>
-<p:sld xmlns:a="http://schemas.openxmlformats.org/drawingml/2006/main" xmlns:r="http://schemas.openxmlformats.org/officeDocument/2006/relationships" xmlns:p="http://schemas.openxmlformats.org/presentationml/2006/main">
-  <p:cSld>
-    <p:spTree>
-      <p:nvGrpSpPr>
-        <p:cNvPr id="1" name=""/>
-        <p:cNvGrpSpPr/>
-        <p:nvPr/>
-      </p:nvGrpSpPr>
-      <p:grpSpPr>
-        <a:xfrm>
-          <a:off x="0" y="0"/>
-          <a:ext cx="0" cy="0"/>
-          <a:chOff x="0" y="0"/>
-          <a:chExt cx="0" cy="0"/>
-        </a:xfrm>
-      </p:grpSpPr>
-      <p:sp>
-        <p:nvSpPr>
-          <p:cNvPr id="4" name="Title 3">
-            <a:extLst>
-              <a:ext uri="{FF2B5EF4-FFF2-40B4-BE49-F238E27FC236}">
-                <a16:creationId xmlns:a16="http://schemas.microsoft.com/office/drawing/2014/main" id="{21C2ED56-892D-975A-CD95-5FA4BDE63187}"/>
-              </a:ext>
-            </a:extLst>
-          </p:cNvPr>
-          <p:cNvSpPr>
-            <a:spLocks noGrp="1"/>
-          </p:cNvSpPr>
-          <p:nvPr>
-            <p:ph type="title"/>
-          </p:nvPr>
-        </p:nvSpPr>
-        <p:spPr/>
-        <p:txBody>
-          <a:bodyPr/>
-          <a:lstStyle/>
-          <a:p>
-            <a:r>
-              <a:rPr lang="en-AU" dirty="0"/>
-              <a:t>Demo 2 – Create an Azure PostgreSQL Flexible Server </a:t>
-            </a:r>
-          </a:p>
-        </p:txBody>
-      </p:sp>
-      <p:pic>
-        <p:nvPicPr>
-          <p:cNvPr id="7" name="Picture 6">
-            <a:extLst>
-              <a:ext uri="{FF2B5EF4-FFF2-40B4-BE49-F238E27FC236}">
-                <a16:creationId xmlns:a16="http://schemas.microsoft.com/office/drawing/2014/main" id="{668D5F4E-03AF-B583-784F-4F6B3B52BE68}"/>
-              </a:ext>
-            </a:extLst>
-          </p:cNvPr>
-          <p:cNvPicPr>
-            <a:picLocks noChangeAspect="1"/>
-          </p:cNvPicPr>
-          <p:nvPr/>
-        </p:nvPicPr>
-        <p:blipFill>
-          <a:blip r:embed="rId2"/>
-          <a:stretch>
-            <a:fillRect/>
-          </a:stretch>
-        </p:blipFill>
-        <p:spPr>
-          <a:xfrm>
-            <a:off x="2481912" y="1203325"/>
-            <a:ext cx="7681263" cy="5359226"/>
-          </a:xfrm>
-          <a:prstGeom prst="rect">
-            <a:avLst/>
-          </a:prstGeom>
-        </p:spPr>
-      </p:pic>
-      <p:sp>
-        <p:nvSpPr>
-          <p:cNvPr id="9" name="TextBox 8">
-            <a:extLst>
-              <a:ext uri="{FF2B5EF4-FFF2-40B4-BE49-F238E27FC236}">
-                <a16:creationId xmlns:a16="http://schemas.microsoft.com/office/drawing/2014/main" id="{22A2FB2C-8DE9-65CC-32D5-298CCF8115F2}"/>
-              </a:ext>
-            </a:extLst>
-          </p:cNvPr>
-          <p:cNvSpPr txBox="1"/>
-          <p:nvPr/>
-        </p:nvSpPr>
-        <p:spPr>
-          <a:xfrm>
-            <a:off x="434975" y="6545261"/>
-            <a:ext cx="10423525" cy="276999"/>
-          </a:xfrm>
-          <a:prstGeom prst="rect">
-            <a:avLst/>
-          </a:prstGeom>
-          <a:noFill/>
-        </p:spPr>
-        <p:txBody>
-          <a:bodyPr wrap="square">
-            <a:spAutoFit/>
-          </a:bodyPr>
-          <a:lstStyle/>
-          <a:p>
-            <a:r>
-              <a:rPr lang="en-AU" sz="1200" dirty="0">
-                <a:hlinkClick r:id="rId3"/>
-              </a:rPr>
-              <a:t>Source: Networking overview - Azure Database for PostgreSQL - Flexible Server | Microsoft Learn</a:t>
-            </a:r>
-            <a:endParaRPr lang="en-AU" sz="1200" dirty="0"/>
-          </a:p>
-        </p:txBody>
-      </p:sp>
-    </p:spTree>
-    <p:extLst>
-      <p:ext uri="{BB962C8B-B14F-4D97-AF65-F5344CB8AC3E}">
-        <p14:creationId xmlns:p14="http://schemas.microsoft.com/office/powerpoint/2010/main" val="1102875458"/>
-      </p:ext>
-    </p:extLst>
-  </p:cSld>
-  <p:clrMapOvr>
-    <a:masterClrMapping/>
-  </p:clrMapOvr>
-  <p:transition>
-    <p:fade/>
-  </p:transition>
-</p:sld>
-</file>
-
-<file path=ppt/slides/slide2.xml><?xml version="1.0" encoding="utf-8"?>
-<p:sld xmlns:a="http://schemas.openxmlformats.org/drawingml/2006/main" xmlns:r="http://schemas.openxmlformats.org/officeDocument/2006/relationships" xmlns:p="http://schemas.openxmlformats.org/presentationml/2006/main">
-  <p:cSld>
-    <p:spTree>
-      <p:nvGrpSpPr>
-        <p:cNvPr id="1" name=""/>
-        <p:cNvGrpSpPr/>
-        <p:nvPr/>
-      </p:nvGrpSpPr>
-      <p:grpSpPr>
-        <a:xfrm>
-          <a:off x="0" y="0"/>
-          <a:ext cx="0" cy="0"/>
-          <a:chOff x="0" y="0"/>
-          <a:chExt cx="0" cy="0"/>
-        </a:xfrm>
-      </p:grpSpPr>
-      <p:graphicFrame>
-        <p:nvGraphicFramePr>
-          <p:cNvPr id="9" name="Inhaltsplatzhalter 3">
-            <a:extLst>
-              <a:ext uri="{FF2B5EF4-FFF2-40B4-BE49-F238E27FC236}">
-                <a16:creationId xmlns:a16="http://schemas.microsoft.com/office/drawing/2014/main" id="{5529F090-36B5-4A62-9A0B-61B6775C4585}"/>
-              </a:ext>
-            </a:extLst>
-          </p:cNvPr>
-          <p:cNvGraphicFramePr>
-            <a:graphicFrameLocks/>
-          </p:cNvGraphicFramePr>
-          <p:nvPr>
-            <p:extLst>
-              <p:ext uri="{D42A27DB-BD31-4B8C-83A1-F6EECF244321}">
-                <p14:modId xmlns:p14="http://schemas.microsoft.com/office/powerpoint/2010/main" val="2406169860"/>
-              </p:ext>
-            </p:extLst>
-          </p:nvPr>
-        </p:nvGraphicFramePr>
-        <p:xfrm>
-          <a:off x="855768" y="1667041"/>
-          <a:ext cx="10724938" cy="5170360"/>
-        </p:xfrm>
-        <a:graphic>
-          <a:graphicData uri="http://schemas.openxmlformats.org/drawingml/2006/diagram">
-            <dgm:relIds xmlns:dgm="http://schemas.openxmlformats.org/drawingml/2006/diagram" xmlns:r="http://schemas.openxmlformats.org/officeDocument/2006/relationships" r:dm="rId2" r:lo="rId3" r:qs="rId4" r:cs="rId5"/>
-          </a:graphicData>
-        </a:graphic>
-      </p:graphicFrame>
-      <p:sp>
-        <p:nvSpPr>
-          <p:cNvPr id="2" name="Title 1">
-            <a:extLst>
-              <a:ext uri="{FF2B5EF4-FFF2-40B4-BE49-F238E27FC236}">
-                <a16:creationId xmlns:a16="http://schemas.microsoft.com/office/drawing/2014/main" id="{7E4E48D5-FF1B-4751-A337-25798068C5E5}"/>
-              </a:ext>
-            </a:extLst>
-          </p:cNvPr>
-          <p:cNvSpPr>
-            <a:spLocks noGrp="1"/>
-          </p:cNvSpPr>
-          <p:nvPr>
-            <p:ph type="title"/>
-          </p:nvPr>
-        </p:nvSpPr>
-        <p:spPr/>
-        <p:txBody>
-          <a:bodyPr anchor="b">
-            <a:normAutofit/>
-          </a:bodyPr>
-          <a:lstStyle/>
-          <a:p>
-            <a:r>
-              <a:rPr lang="en-GB"/>
-              <a:t>Introduction Infrastructure as Code (</a:t>
-            </a:r>
-            <a:r>
-              <a:rPr lang="en-GB" err="1"/>
-              <a:t>IaC</a:t>
-            </a:r>
-            <a:r>
-              <a:rPr lang="en-GB"/>
-              <a:t>)</a:t>
-            </a:r>
-            <a:endParaRPr lang="LID4096"/>
-          </a:p>
-        </p:txBody>
-      </p:sp>
-    </p:spTree>
-    <p:extLst>
-      <p:ext uri="{BB962C8B-B14F-4D97-AF65-F5344CB8AC3E}">
-        <p14:creationId xmlns:p14="http://schemas.microsoft.com/office/powerpoint/2010/main" val="2209439721"/>
-      </p:ext>
-    </p:extLst>
-  </p:cSld>
-  <p:clrMapOvr>
-    <a:masterClrMapping/>
-  </p:clrMapOvr>
-</p:sld>
-</file>
-
-<file path=ppt/slides/slide3.xml><?xml version="1.0" encoding="utf-8"?>
-<p:sld xmlns:a="http://schemas.openxmlformats.org/drawingml/2006/main" xmlns:r="http://schemas.openxmlformats.org/officeDocument/2006/relationships" xmlns:p="http://schemas.openxmlformats.org/presentationml/2006/main">
-  <p:cSld>
-    <p:spTree>
-      <p:nvGrpSpPr>
-        <p:cNvPr id="1" name=""/>
-        <p:cNvGrpSpPr/>
-        <p:nvPr/>
-      </p:nvGrpSpPr>
-      <p:grpSpPr>
-        <a:xfrm>
-          <a:off x="0" y="0"/>
-          <a:ext cx="0" cy="0"/>
-          <a:chOff x="0" y="0"/>
-          <a:chExt cx="0" cy="0"/>
-        </a:xfrm>
-      </p:grpSpPr>
-      <p:graphicFrame>
-        <p:nvGraphicFramePr>
-          <p:cNvPr id="3" name="Diagram 2">
-            <a:extLst>
-              <a:ext uri="{FF2B5EF4-FFF2-40B4-BE49-F238E27FC236}">
-                <a16:creationId xmlns:a16="http://schemas.microsoft.com/office/drawing/2014/main" id="{C7A42376-9F89-83EA-CF05-58367A592B2D}"/>
-              </a:ext>
-            </a:extLst>
-          </p:cNvPr>
-          <p:cNvGraphicFramePr/>
-          <p:nvPr>
-            <p:extLst>
-              <p:ext uri="{D42A27DB-BD31-4B8C-83A1-F6EECF244321}">
-                <p14:modId xmlns:p14="http://schemas.microsoft.com/office/powerpoint/2010/main" val="1036017322"/>
-              </p:ext>
-            </p:extLst>
-          </p:nvPr>
-        </p:nvGraphicFramePr>
-        <p:xfrm>
-          <a:off x="4294701" y="1747839"/>
-          <a:ext cx="5021528" cy="4295773"/>
-        </p:xfrm>
-        <a:graphic>
-          <a:graphicData uri="http://schemas.openxmlformats.org/drawingml/2006/diagram">
-            <dgm:relIds xmlns:dgm="http://schemas.openxmlformats.org/drawingml/2006/diagram" xmlns:r="http://schemas.openxmlformats.org/officeDocument/2006/relationships" r:dm="rId3" r:lo="rId4" r:qs="rId5" r:cs="rId6"/>
-          </a:graphicData>
-        </a:graphic>
-      </p:graphicFrame>
-      <p:pic>
-        <p:nvPicPr>
-          <p:cNvPr id="6" name="Picture 3">
-            <a:extLst>
-              <a:ext uri="{FF2B5EF4-FFF2-40B4-BE49-F238E27FC236}">
-                <a16:creationId xmlns:a16="http://schemas.microsoft.com/office/drawing/2014/main" id="{52FAA8D7-B145-A6E4-D553-FD5DA086C3CB}"/>
-              </a:ext>
-            </a:extLst>
-          </p:cNvPr>
-          <p:cNvPicPr>
-            <a:picLocks noChangeAspect="1"/>
-          </p:cNvPicPr>
-          <p:nvPr/>
-        </p:nvPicPr>
-        <p:blipFill rotWithShape="1">
-          <a:blip r:embed="rId8"/>
-          <a:srcRect l="16887" t="19481" r="31963"/>
-          <a:stretch/>
-        </p:blipFill>
-        <p:spPr>
-          <a:xfrm>
-            <a:off x="219074" y="1838326"/>
-            <a:ext cx="3904957" cy="4114800"/>
-          </a:xfrm>
-          <a:prstGeom prst="rect">
-            <a:avLst/>
-          </a:prstGeom>
-        </p:spPr>
-      </p:pic>
-      <p:pic>
-        <p:nvPicPr>
-          <p:cNvPr id="7" name="Picture 3">
-            <a:extLst>
-              <a:ext uri="{FF2B5EF4-FFF2-40B4-BE49-F238E27FC236}">
-                <a16:creationId xmlns:a16="http://schemas.microsoft.com/office/drawing/2014/main" id="{21A7887D-D79B-2F31-3382-6CCF28937E85}"/>
-              </a:ext>
-            </a:extLst>
-          </p:cNvPr>
-          <p:cNvPicPr>
-            <a:picLocks noChangeAspect="1"/>
-          </p:cNvPicPr>
-          <p:nvPr/>
-        </p:nvPicPr>
-        <p:blipFill rotWithShape="1">
-          <a:blip r:embed="rId8"/>
-          <a:srcRect l="69598" t="21144" b="34131"/>
-          <a:stretch/>
-        </p:blipFill>
-        <p:spPr>
-          <a:xfrm>
-            <a:off x="9486900" y="2276474"/>
-            <a:ext cx="2824368" cy="2781301"/>
-          </a:xfrm>
-          <a:prstGeom prst="rect">
-            <a:avLst/>
-          </a:prstGeom>
-        </p:spPr>
-      </p:pic>
-      <p:sp>
-        <p:nvSpPr>
-          <p:cNvPr id="8" name="Title 1">
-            <a:extLst>
-              <a:ext uri="{FF2B5EF4-FFF2-40B4-BE49-F238E27FC236}">
-                <a16:creationId xmlns:a16="http://schemas.microsoft.com/office/drawing/2014/main" id="{57018734-2E47-3E8A-F52F-84BD3FB48801}"/>
-              </a:ext>
-            </a:extLst>
-          </p:cNvPr>
-          <p:cNvSpPr>
-            <a:spLocks noGrp="1"/>
-          </p:cNvSpPr>
-          <p:nvPr>
-            <p:ph type="title"/>
-          </p:nvPr>
-        </p:nvSpPr>
-        <p:spPr>
-          <a:xfrm>
-            <a:off x="858877" y="261128"/>
-            <a:ext cx="10715612" cy="1035190"/>
-          </a:xfrm>
-        </p:spPr>
-        <p:txBody>
-          <a:bodyPr anchor="b">
-            <a:normAutofit/>
-          </a:bodyPr>
-          <a:lstStyle/>
-          <a:p>
-            <a:r>
-              <a:rPr lang="en-GB" dirty="0"/>
-              <a:t>Infrastructure: Imperative vs. Declarative</a:t>
-            </a:r>
-            <a:endParaRPr lang="LID4096" dirty="0"/>
-          </a:p>
-        </p:txBody>
-      </p:sp>
-    </p:spTree>
-    <p:extLst>
-      <p:ext uri="{BB962C8B-B14F-4D97-AF65-F5344CB8AC3E}">
-        <p14:creationId xmlns:p14="http://schemas.microsoft.com/office/powerpoint/2010/main" val="2760770842"/>
-      </p:ext>
-    </p:extLst>
-  </p:cSld>
-  <p:clrMapOvr>
-    <a:masterClrMapping/>
-  </p:clrMapOvr>
-</p:sld>
-</file>
-
-<file path=ppt/slides/slide4.xml><?xml version="1.0" encoding="utf-8"?>
-<p:sld xmlns:a="http://schemas.openxmlformats.org/drawingml/2006/main" xmlns:r="http://schemas.openxmlformats.org/officeDocument/2006/relationships" xmlns:p="http://schemas.openxmlformats.org/presentationml/2006/main">
-  <p:cSld>
-    <p:spTree>
-      <p:nvGrpSpPr>
-        <p:cNvPr id="1" name=""/>
-        <p:cNvGrpSpPr/>
-        <p:nvPr/>
-      </p:nvGrpSpPr>
-      <p:grpSpPr>
-        <a:xfrm>
-          <a:off x="0" y="0"/>
-          <a:ext cx="0" cy="0"/>
-          <a:chOff x="0" y="0"/>
-          <a:chExt cx="0" cy="0"/>
-        </a:xfrm>
-      </p:grpSpPr>
-      <p:sp>
-        <p:nvSpPr>
-          <p:cNvPr id="2" name="Title 1">
-            <a:extLst>
-              <a:ext uri="{FF2B5EF4-FFF2-40B4-BE49-F238E27FC236}">
-                <a16:creationId xmlns:a16="http://schemas.microsoft.com/office/drawing/2014/main" id="{AA6105F9-73D4-C9AB-140C-928E40BDD92C}"/>
-              </a:ext>
-            </a:extLst>
-          </p:cNvPr>
-          <p:cNvSpPr>
-            <a:spLocks noGrp="1"/>
-          </p:cNvSpPr>
-          <p:nvPr>
-            <p:ph type="title"/>
-          </p:nvPr>
-        </p:nvSpPr>
-        <p:spPr/>
-        <p:txBody>
-          <a:bodyPr/>
-          <a:lstStyle/>
-          <a:p>
-            <a:r>
-              <a:rPr lang="en-AU" dirty="0"/>
-              <a:t>What is Terraform</a:t>
-            </a:r>
-          </a:p>
-        </p:txBody>
-      </p:sp>
-      <p:pic>
-        <p:nvPicPr>
-          <p:cNvPr id="4" name="Picture 2" descr="Terraform deployment workflow">
-            <a:extLst>
-              <a:ext uri="{FF2B5EF4-FFF2-40B4-BE49-F238E27FC236}">
-                <a16:creationId xmlns:a16="http://schemas.microsoft.com/office/drawing/2014/main" id="{9588F77D-02AD-D7E6-18C3-A7C8BBD1AFB7}"/>
-              </a:ext>
-            </a:extLst>
-          </p:cNvPr>
-          <p:cNvPicPr>
-            <a:picLocks noChangeAspect="1" noChangeArrowheads="1"/>
-          </p:cNvPicPr>
-          <p:nvPr/>
-        </p:nvPicPr>
-        <p:blipFill>
-          <a:blip r:embed="rId2">
-            <a:extLst>
-              <a:ext uri="{28A0092B-C50C-407E-A947-70E740481C1C}">
-                <a14:useLocalDpi xmlns:a14="http://schemas.microsoft.com/office/drawing/2010/main" val="0"/>
-              </a:ext>
-            </a:extLst>
-          </a:blip>
-          <a:stretch>
-            <a:fillRect/>
-          </a:stretch>
-        </p:blipFill>
-        <p:spPr bwMode="auto">
-          <a:xfrm>
-            <a:off x="1294544" y="1371262"/>
-            <a:ext cx="9268681" cy="3359897"/>
-          </a:xfrm>
-          <a:prstGeom prst="rect">
-            <a:avLst/>
-          </a:prstGeom>
-          <a:noFill/>
-          <a:extLst>
-            <a:ext uri="{909E8E84-426E-40DD-AFC4-6F175D3DCCD1}">
-              <a14:hiddenFill xmlns:a14="http://schemas.microsoft.com/office/drawing/2010/main">
-                <a:solidFill>
-                  <a:srgbClr val="FFFFFF"/>
-                </a:solidFill>
-              </a14:hiddenFill>
-            </a:ext>
-          </a:extLst>
-        </p:spPr>
-      </p:pic>
-      <p:graphicFrame>
-        <p:nvGraphicFramePr>
-          <p:cNvPr id="9" name="Diagram 8">
-            <a:extLst>
-              <a:ext uri="{FF2B5EF4-FFF2-40B4-BE49-F238E27FC236}">
-                <a16:creationId xmlns:a16="http://schemas.microsoft.com/office/drawing/2014/main" id="{85118F91-7ADB-9EF8-0471-96D260B96FA9}"/>
-              </a:ext>
-            </a:extLst>
-          </p:cNvPr>
-          <p:cNvGraphicFramePr/>
-          <p:nvPr>
-            <p:extLst>
-              <p:ext uri="{D42A27DB-BD31-4B8C-83A1-F6EECF244321}">
-                <p14:modId xmlns:p14="http://schemas.microsoft.com/office/powerpoint/2010/main" val="1203807436"/>
-              </p:ext>
-            </p:extLst>
-          </p:nvPr>
-        </p:nvGraphicFramePr>
-        <p:xfrm>
-          <a:off x="2018226" y="4829174"/>
-          <a:ext cx="8161680" cy="2039481"/>
-        </p:xfrm>
-        <a:graphic>
-          <a:graphicData uri="http://schemas.openxmlformats.org/drawingml/2006/diagram">
-            <dgm:relIds xmlns:dgm="http://schemas.openxmlformats.org/drawingml/2006/diagram" xmlns:r="http://schemas.openxmlformats.org/officeDocument/2006/relationships" r:dm="rId3" r:lo="rId4" r:qs="rId5" r:cs="rId6"/>
-          </a:graphicData>
-        </a:graphic>
-      </p:graphicFrame>
-    </p:spTree>
-    <p:extLst>
-      <p:ext uri="{BB962C8B-B14F-4D97-AF65-F5344CB8AC3E}">
-        <p14:creationId xmlns:p14="http://schemas.microsoft.com/office/powerpoint/2010/main" val="4129906802"/>
-      </p:ext>
-    </p:extLst>
-  </p:cSld>
-  <p:clrMapOvr>
-    <a:masterClrMapping/>
-  </p:clrMapOvr>
-</p:sld>
-</file>
-
-<file path=ppt/slides/slide5.xml><?xml version="1.0" encoding="utf-8"?>
-<p:sld xmlns:a="http://schemas.openxmlformats.org/drawingml/2006/main" xmlns:r="http://schemas.openxmlformats.org/officeDocument/2006/relationships" xmlns:p="http://schemas.openxmlformats.org/presentationml/2006/main">
-  <p:cSld>
-    <p:spTree>
-      <p:nvGrpSpPr>
-        <p:cNvPr id="1" name=""/>
-        <p:cNvGrpSpPr/>
-        <p:nvPr/>
-      </p:nvGrpSpPr>
-      <p:grpSpPr>
-        <a:xfrm>
-          <a:off x="0" y="0"/>
-          <a:ext cx="0" cy="0"/>
-          <a:chOff x="0" y="0"/>
-          <a:chExt cx="0" cy="0"/>
-        </a:xfrm>
-      </p:grpSpPr>
-      <p:sp>
-        <p:nvSpPr>
-          <p:cNvPr id="2" name="Title 1">
-            <a:extLst>
-              <a:ext uri="{FF2B5EF4-FFF2-40B4-BE49-F238E27FC236}">
-                <a16:creationId xmlns:a16="http://schemas.microsoft.com/office/drawing/2014/main" id="{8A2E1866-796D-2CEB-5306-F4E63564CFB0}"/>
-              </a:ext>
-            </a:extLst>
-          </p:cNvPr>
-          <p:cNvSpPr>
-            <a:spLocks noGrp="1"/>
-          </p:cNvSpPr>
-          <p:nvPr>
-            <p:ph type="title"/>
-          </p:nvPr>
-        </p:nvSpPr>
-        <p:spPr/>
-        <p:txBody>
-          <a:bodyPr/>
-          <a:lstStyle/>
-          <a:p>
-            <a:r>
-              <a:rPr lang="en-AU" dirty="0"/>
-              <a:t>Terraform Terminology</a:t>
-            </a:r>
-          </a:p>
-        </p:txBody>
-      </p:sp>
-      <p:graphicFrame>
-        <p:nvGraphicFramePr>
-          <p:cNvPr id="10" name="Content Placeholder 9">
-            <a:extLst>
-              <a:ext uri="{FF2B5EF4-FFF2-40B4-BE49-F238E27FC236}">
-                <a16:creationId xmlns:a16="http://schemas.microsoft.com/office/drawing/2014/main" id="{2681ABC3-1B9B-AF03-5826-89059F0B8B29}"/>
-              </a:ext>
-            </a:extLst>
-          </p:cNvPr>
-          <p:cNvGraphicFramePr>
-            <a:graphicFrameLocks noGrp="1"/>
-          </p:cNvGraphicFramePr>
-          <p:nvPr>
-            <p:ph idx="1"/>
-            <p:extLst>
-              <p:ext uri="{D42A27DB-BD31-4B8C-83A1-F6EECF244321}">
-                <p14:modId xmlns:p14="http://schemas.microsoft.com/office/powerpoint/2010/main" val="3923969509"/>
-              </p:ext>
-            </p:extLst>
-          </p:nvPr>
-        </p:nvGraphicFramePr>
-        <p:xfrm>
-          <a:off x="446088" y="1903412"/>
-          <a:ext cx="11563350" cy="4478337"/>
-        </p:xfrm>
-        <a:graphic>
-          <a:graphicData uri="http://schemas.openxmlformats.org/drawingml/2006/diagram">
-            <dgm:relIds xmlns:dgm="http://schemas.openxmlformats.org/drawingml/2006/diagram" xmlns:r="http://schemas.openxmlformats.org/officeDocument/2006/relationships" r:dm="rId2" r:lo="rId3" r:qs="rId4" r:cs="rId5"/>
-          </a:graphicData>
-        </a:graphic>
-      </p:graphicFrame>
-    </p:spTree>
-    <p:extLst>
-      <p:ext uri="{BB962C8B-B14F-4D97-AF65-F5344CB8AC3E}">
-        <p14:creationId xmlns:p14="http://schemas.microsoft.com/office/powerpoint/2010/main" val="1692753119"/>
-      </p:ext>
-    </p:extLst>
-  </p:cSld>
-  <p:clrMapOvr>
-    <a:masterClrMapping/>
-  </p:clrMapOvr>
-</p:sld>
-</file>
-
-<file path=ppt/slides/slide6.xml><?xml version="1.0" encoding="utf-8"?>
-<p:sld xmlns:a="http://schemas.openxmlformats.org/drawingml/2006/main" xmlns:r="http://schemas.openxmlformats.org/officeDocument/2006/relationships" xmlns:p="http://schemas.openxmlformats.org/presentationml/2006/main">
-  <p:cSld>
-    <p:spTree>
-      <p:nvGrpSpPr>
-        <p:cNvPr id="1" name=""/>
-        <p:cNvGrpSpPr/>
-        <p:nvPr/>
-      </p:nvGrpSpPr>
-      <p:grpSpPr>
-        <a:xfrm>
-          <a:off x="0" y="0"/>
-          <a:ext cx="0" cy="0"/>
-          <a:chOff x="0" y="0"/>
-          <a:chExt cx="0" cy="0"/>
-        </a:xfrm>
-      </p:grpSpPr>
-      <p:sp>
-        <p:nvSpPr>
-          <p:cNvPr id="10" name="Text Placeholder 9">
-            <a:extLst>
-              <a:ext uri="{FF2B5EF4-FFF2-40B4-BE49-F238E27FC236}">
-                <a16:creationId xmlns:a16="http://schemas.microsoft.com/office/drawing/2014/main" id="{5D78EA31-9861-98BB-E6C7-4955832E674B}"/>
-              </a:ext>
-            </a:extLst>
-          </p:cNvPr>
-          <p:cNvSpPr>
-            <a:spLocks noGrp="1"/>
-          </p:cNvSpPr>
-          <p:nvPr>
-            <p:ph type="body" sz="quarter" idx="10"/>
-          </p:nvPr>
-        </p:nvSpPr>
-        <p:spPr>
-          <a:xfrm>
-            <a:off x="339724" y="1693259"/>
-            <a:ext cx="10620801" cy="3823826"/>
-          </a:xfrm>
-        </p:spPr>
-        <p:txBody>
-          <a:bodyPr/>
-          <a:lstStyle/>
-          <a:p>
-            <a:pPr marL="742950" lvl="1" indent="-285750">
-              <a:lnSpc>
-                <a:spcPct val="114000"/>
-              </a:lnSpc>
-              <a:spcBef>
-                <a:spcPts val="600"/>
-              </a:spcBef>
-              <a:buFont typeface="Arial" panose="020B0604020202020204" pitchFamily="34" charset="0"/>
-              <a:buChar char="•"/>
-            </a:pPr>
-            <a:r>
-              <a:rPr lang="en-GB" dirty="0">
-                <a:hlinkClick r:id="rId2"/>
-              </a:rPr>
-              <a:t>Getting started with Terraform and Azure: Overview and Setup - YouTube</a:t>
-            </a:r>
-            <a:endParaRPr lang="en-AU" dirty="0"/>
-          </a:p>
-          <a:p>
-            <a:pPr marL="742950" lvl="1" indent="-285750">
-              <a:lnSpc>
-                <a:spcPct val="114000"/>
-              </a:lnSpc>
-              <a:spcBef>
-                <a:spcPts val="600"/>
-              </a:spcBef>
-              <a:buFont typeface="Arial" panose="020B0604020202020204" pitchFamily="34" charset="0"/>
-              <a:buChar char="•"/>
-            </a:pPr>
-            <a:r>
-              <a:rPr lang="en-AU" dirty="0">
-                <a:hlinkClick r:id="rId3"/>
-              </a:rPr>
-              <a:t>Installation of Terraform</a:t>
-            </a:r>
-            <a:endParaRPr lang="en-AU" dirty="0"/>
-          </a:p>
-          <a:p>
-            <a:pPr marL="742950" lvl="1" indent="-285750">
-              <a:lnSpc>
-                <a:spcPct val="114000"/>
-              </a:lnSpc>
-              <a:spcBef>
-                <a:spcPts val="600"/>
-              </a:spcBef>
-              <a:buFont typeface="Arial" panose="020B0604020202020204" pitchFamily="34" charset="0"/>
-              <a:buChar char="•"/>
-            </a:pPr>
-            <a:r>
-              <a:rPr lang="en-AU" dirty="0">
-                <a:hlinkClick r:id="rId4"/>
-              </a:rPr>
-              <a:t>Install Azure CLI</a:t>
-            </a:r>
-            <a:endParaRPr lang="en-AU" dirty="0"/>
-          </a:p>
-          <a:p>
-            <a:pPr marL="742950" lvl="1" indent="-285750">
-              <a:lnSpc>
-                <a:spcPct val="114000"/>
-              </a:lnSpc>
-              <a:spcBef>
-                <a:spcPts val="600"/>
-              </a:spcBef>
-              <a:buFont typeface="Arial" panose="020B0604020202020204" pitchFamily="34" charset="0"/>
-              <a:buChar char="•"/>
-            </a:pPr>
-            <a:r>
-              <a:rPr lang="en-AU" dirty="0">
-                <a:hlinkClick r:id="rId5"/>
-              </a:rPr>
-              <a:t>Install </a:t>
-            </a:r>
-            <a:r>
-              <a:rPr lang="en-AU" dirty="0" err="1">
-                <a:hlinkClick r:id="rId5"/>
-              </a:rPr>
-              <a:t>VSCode</a:t>
-            </a:r>
-            <a:endParaRPr lang="en-AU" dirty="0"/>
-          </a:p>
-          <a:p>
-            <a:pPr marL="742950" lvl="1" indent="-285750">
-              <a:lnSpc>
-                <a:spcPct val="114000"/>
-              </a:lnSpc>
-              <a:spcBef>
-                <a:spcPts val="600"/>
-              </a:spcBef>
-              <a:buFont typeface="Arial" panose="020B0604020202020204" pitchFamily="34" charset="0"/>
-              <a:buChar char="•"/>
-            </a:pPr>
-            <a:r>
-              <a:rPr lang="en-AU" dirty="0" err="1"/>
-              <a:t>VSCode</a:t>
-            </a:r>
-            <a:r>
-              <a:rPr lang="en-AU" dirty="0"/>
-              <a:t> Extensions</a:t>
-            </a:r>
-          </a:p>
-          <a:p>
-            <a:pPr marL="1200150" lvl="2" indent="-285750">
-              <a:lnSpc>
-                <a:spcPct val="114000"/>
-              </a:lnSpc>
-              <a:spcBef>
-                <a:spcPts val="600"/>
-              </a:spcBef>
-              <a:buFont typeface="Arial" panose="020B0604020202020204" pitchFamily="34" charset="0"/>
-              <a:buChar char="•"/>
-            </a:pPr>
-            <a:r>
-              <a:rPr lang="en-AU" dirty="0">
-                <a:hlinkClick r:id="rId6"/>
-              </a:rPr>
-              <a:t>Azure CLI tools</a:t>
-            </a:r>
-            <a:endParaRPr lang="en-AU" dirty="0"/>
-          </a:p>
-          <a:p>
-            <a:pPr marL="1200150" lvl="2" indent="-285750">
-              <a:lnSpc>
-                <a:spcPct val="114000"/>
-              </a:lnSpc>
-              <a:spcBef>
-                <a:spcPts val="600"/>
-              </a:spcBef>
-              <a:buFont typeface="Arial" panose="020B0604020202020204" pitchFamily="34" charset="0"/>
-              <a:buChar char="•"/>
-            </a:pPr>
-            <a:r>
-              <a:rPr lang="en-AU" dirty="0">
-                <a:hlinkClick r:id="rId7"/>
-              </a:rPr>
-              <a:t>Terraform</a:t>
-            </a:r>
-            <a:r>
-              <a:rPr lang="en-AU" dirty="0"/>
-              <a:t>: </a:t>
-            </a:r>
-            <a:r>
-              <a:rPr lang="en-GB" dirty="0"/>
-              <a:t>syntax highlighting, IntelliSense, code navigation, code formatting, module explorer and much more</a:t>
-            </a:r>
-            <a:endParaRPr lang="en-AU" dirty="0"/>
-          </a:p>
-          <a:p>
-            <a:endParaRPr lang="en-GB" sz="1400" dirty="0"/>
-          </a:p>
-        </p:txBody>
-      </p:sp>
-      <p:sp>
-        <p:nvSpPr>
-          <p:cNvPr id="2" name="Title 1">
-            <a:extLst>
-              <a:ext uri="{FF2B5EF4-FFF2-40B4-BE49-F238E27FC236}">
-                <a16:creationId xmlns:a16="http://schemas.microsoft.com/office/drawing/2014/main" id="{1791109D-1FA1-4120-62F9-9400F4C3336E}"/>
-              </a:ext>
-            </a:extLst>
-          </p:cNvPr>
-          <p:cNvSpPr>
-            <a:spLocks noGrp="1"/>
-          </p:cNvSpPr>
-          <p:nvPr>
-            <p:ph type="title"/>
-          </p:nvPr>
-        </p:nvSpPr>
-        <p:spPr/>
-        <p:txBody>
-          <a:bodyPr/>
-          <a:lstStyle/>
-          <a:p>
-            <a:r>
-              <a:rPr lang="en-AU" dirty="0"/>
-              <a:t>Setting Up Environment</a:t>
-            </a:r>
-          </a:p>
-        </p:txBody>
-      </p:sp>
-    </p:spTree>
-    <p:extLst>
-      <p:ext uri="{BB962C8B-B14F-4D97-AF65-F5344CB8AC3E}">
-        <p14:creationId xmlns:p14="http://schemas.microsoft.com/office/powerpoint/2010/main" val="2897402324"/>
-      </p:ext>
-    </p:extLst>
-  </p:cSld>
-  <p:clrMapOvr>
-    <a:masterClrMapping/>
-  </p:clrMapOvr>
-  <p:transition>
-    <p:fade/>
-  </p:transition>
-</p:sld>
-</file>
-
-<file path=ppt/slides/slide7.xml><?xml version="1.0" encoding="utf-8"?>
-<p:sld xmlns:a="http://schemas.openxmlformats.org/drawingml/2006/main" xmlns:r="http://schemas.openxmlformats.org/officeDocument/2006/relationships" xmlns:p="http://schemas.openxmlformats.org/presentationml/2006/main">
-  <p:cSld>
-    <p:spTree>
-      <p:nvGrpSpPr>
-        <p:cNvPr id="1" name=""/>
-        <p:cNvGrpSpPr/>
-        <p:nvPr/>
-      </p:nvGrpSpPr>
-      <p:grpSpPr>
-        <a:xfrm>
-          <a:off x="0" y="0"/>
-          <a:ext cx="0" cy="0"/>
-          <a:chOff x="0" y="0"/>
-          <a:chExt cx="0" cy="0"/>
-        </a:xfrm>
-      </p:grpSpPr>
-      <p:sp>
-        <p:nvSpPr>
           <p:cNvPr id="10" name="Text Placeholder 9">
             <a:extLst>
               <a:ext uri="{FF2B5EF4-FFF2-40B4-BE49-F238E27FC236}">
@@ -22114,7 +20996,7 @@
 </p:sld>
 </file>
 
-<file path=ppt/slides/slide8.xml><?xml version="1.0" encoding="utf-8"?>
+<file path=ppt/slides/slide11.xml><?xml version="1.0" encoding="utf-8"?>
 <p:sld xmlns:a="http://schemas.openxmlformats.org/drawingml/2006/main" xmlns:r="http://schemas.openxmlformats.org/officeDocument/2006/relationships" xmlns:p="http://schemas.openxmlformats.org/presentationml/2006/main">
   <p:cSld>
     <p:spTree>
@@ -22687,7 +21569,7 @@
 </p:sld>
 </file>
 
-<file path=ppt/slides/slide9.xml><?xml version="1.0" encoding="utf-8"?>
+<file path=ppt/slides/slide12.xml><?xml version="1.0" encoding="utf-8"?>
 <p:sld xmlns:a="http://schemas.openxmlformats.org/drawingml/2006/main" xmlns:r="http://schemas.openxmlformats.org/officeDocument/2006/relationships" xmlns:p="http://schemas.openxmlformats.org/presentationml/2006/main">
   <p:cSld>
     <p:spTree>
@@ -23178,6 +22060,3664 @@
     <p:extLst>
       <p:ext uri="{BB962C8B-B14F-4D97-AF65-F5344CB8AC3E}">
         <p14:creationId xmlns:p14="http://schemas.microsoft.com/office/powerpoint/2010/main" val="2029236845"/>
+      </p:ext>
+    </p:extLst>
+  </p:cSld>
+  <p:clrMapOvr>
+    <a:masterClrMapping/>
+  </p:clrMapOvr>
+  <p:transition>
+    <p:fade/>
+  </p:transition>
+</p:sld>
+</file>
+
+<file path=ppt/slides/slide13.xml><?xml version="1.0" encoding="utf-8"?>
+<p:sld xmlns:a="http://schemas.openxmlformats.org/drawingml/2006/main" xmlns:r="http://schemas.openxmlformats.org/officeDocument/2006/relationships" xmlns:p="http://schemas.openxmlformats.org/presentationml/2006/main">
+  <p:cSld>
+    <p:spTree>
+      <p:nvGrpSpPr>
+        <p:cNvPr id="1" name=""/>
+        <p:cNvGrpSpPr/>
+        <p:nvPr/>
+      </p:nvGrpSpPr>
+      <p:grpSpPr>
+        <a:xfrm>
+          <a:off x="0" y="0"/>
+          <a:ext cx="0" cy="0"/>
+          <a:chOff x="0" y="0"/>
+          <a:chExt cx="0" cy="0"/>
+        </a:xfrm>
+      </p:grpSpPr>
+      <p:sp>
+        <p:nvSpPr>
+          <p:cNvPr id="4" name="Title 3">
+            <a:extLst>
+              <a:ext uri="{FF2B5EF4-FFF2-40B4-BE49-F238E27FC236}">
+                <a16:creationId xmlns:a16="http://schemas.microsoft.com/office/drawing/2014/main" id="{21C2ED56-892D-975A-CD95-5FA4BDE63187}"/>
+              </a:ext>
+            </a:extLst>
+          </p:cNvPr>
+          <p:cNvSpPr>
+            <a:spLocks noGrp="1"/>
+          </p:cNvSpPr>
+          <p:nvPr>
+            <p:ph type="title"/>
+          </p:nvPr>
+        </p:nvSpPr>
+        <p:spPr/>
+        <p:txBody>
+          <a:bodyPr/>
+          <a:lstStyle/>
+          <a:p>
+            <a:pPr algn="l"/>
+            <a:r>
+              <a:rPr lang="en-GB" b="1" i="0" dirty="0">
+                <a:solidFill>
+                  <a:srgbClr val="000000"/>
+                </a:solidFill>
+                <a:effectLst/>
+                <a:latin typeface="-apple-system"/>
+              </a:rPr>
+              <a:t>Terraform authenticating to Azure</a:t>
+            </a:r>
+            <a:br>
+              <a:rPr lang="en-GB" b="1" i="0" dirty="0">
+                <a:solidFill>
+                  <a:srgbClr val="000000"/>
+                </a:solidFill>
+                <a:effectLst/>
+                <a:latin typeface="-apple-system"/>
+              </a:rPr>
+            </a:br>
+            <a:endParaRPr lang="en-AU" dirty="0"/>
+          </a:p>
+        </p:txBody>
+      </p:sp>
+      <p:sp>
+        <p:nvSpPr>
+          <p:cNvPr id="6" name="TextBox 5">
+            <a:extLst>
+              <a:ext uri="{FF2B5EF4-FFF2-40B4-BE49-F238E27FC236}">
+                <a16:creationId xmlns:a16="http://schemas.microsoft.com/office/drawing/2014/main" id="{F655CE90-EF6E-F493-F4FD-DAF89C2AFB41}"/>
+              </a:ext>
+            </a:extLst>
+          </p:cNvPr>
+          <p:cNvSpPr txBox="1"/>
+          <p:nvPr/>
+        </p:nvSpPr>
+        <p:spPr>
+          <a:xfrm>
+            <a:off x="434975" y="1605075"/>
+            <a:ext cx="8893969" cy="2095189"/>
+          </a:xfrm>
+          <a:prstGeom prst="rect">
+            <a:avLst/>
+          </a:prstGeom>
+          <a:noFill/>
+        </p:spPr>
+        <p:txBody>
+          <a:bodyPr wrap="square">
+            <a:spAutoFit/>
+          </a:bodyPr>
+          <a:lstStyle/>
+          <a:p>
+            <a:pPr algn="l"/>
+            <a:r>
+              <a:rPr lang="en-GB" b="0" i="0" dirty="0">
+                <a:solidFill>
+                  <a:srgbClr val="1F2124"/>
+                </a:solidFill>
+                <a:effectLst/>
+                <a:latin typeface="-apple-system"/>
+              </a:rPr>
+              <a:t>Terraform supports several methods for authenticating to Azure:</a:t>
+            </a:r>
+          </a:p>
+          <a:p>
+            <a:pPr algn="l">
+              <a:spcAft>
+                <a:spcPts val="600"/>
+              </a:spcAft>
+              <a:buFont typeface="Arial" panose="020B0604020202020204" pitchFamily="34" charset="0"/>
+              <a:buChar char="•"/>
+            </a:pPr>
+            <a:r>
+              <a:rPr lang="en-GB" b="0" i="0" dirty="0">
+                <a:solidFill>
+                  <a:srgbClr val="1F2124"/>
+                </a:solidFill>
+                <a:effectLst/>
+                <a:latin typeface="-apple-system"/>
+                <a:hlinkClick r:id="rId2"/>
+              </a:rPr>
+              <a:t>Authenticating to Azure using the Azure CLI</a:t>
+            </a:r>
+            <a:endParaRPr lang="en-GB" b="0" i="0" dirty="0">
+              <a:solidFill>
+                <a:srgbClr val="1F2124"/>
+              </a:solidFill>
+              <a:effectLst/>
+              <a:latin typeface="-apple-system"/>
+            </a:endParaRPr>
+          </a:p>
+          <a:p>
+            <a:pPr algn="l">
+              <a:spcAft>
+                <a:spcPts val="600"/>
+              </a:spcAft>
+              <a:buFont typeface="Arial" panose="020B0604020202020204" pitchFamily="34" charset="0"/>
+              <a:buChar char="•"/>
+            </a:pPr>
+            <a:r>
+              <a:rPr lang="en-GB" b="0" i="0" u="none" strike="noStrike" dirty="0">
+                <a:solidFill>
+                  <a:srgbClr val="3273DC"/>
+                </a:solidFill>
+                <a:effectLst/>
+                <a:latin typeface="-apple-system"/>
+                <a:hlinkClick r:id="rId3"/>
+              </a:rPr>
+              <a:t>Authenticating to Azure using Managed Service Identity</a:t>
+            </a:r>
+            <a:endParaRPr lang="en-GB" b="0" i="0" dirty="0">
+              <a:solidFill>
+                <a:srgbClr val="1F2124"/>
+              </a:solidFill>
+              <a:effectLst/>
+              <a:latin typeface="-apple-system"/>
+            </a:endParaRPr>
+          </a:p>
+          <a:p>
+            <a:pPr algn="l">
+              <a:spcAft>
+                <a:spcPts val="600"/>
+              </a:spcAft>
+              <a:buFont typeface="Arial" panose="020B0604020202020204" pitchFamily="34" charset="0"/>
+              <a:buChar char="•"/>
+            </a:pPr>
+            <a:r>
+              <a:rPr lang="en-GB" b="0" i="0" u="none" strike="noStrike" dirty="0">
+                <a:solidFill>
+                  <a:srgbClr val="3273DC"/>
+                </a:solidFill>
+                <a:effectLst/>
+                <a:latin typeface="-apple-system"/>
+                <a:hlinkClick r:id="rId4"/>
+              </a:rPr>
+              <a:t>Authenticating to Azure using a Service Principal and a Client Certificate</a:t>
+            </a:r>
+            <a:endParaRPr lang="en-GB" b="0" i="0" dirty="0">
+              <a:solidFill>
+                <a:srgbClr val="1F2124"/>
+              </a:solidFill>
+              <a:effectLst/>
+              <a:latin typeface="-apple-system"/>
+            </a:endParaRPr>
+          </a:p>
+          <a:p>
+            <a:pPr algn="l">
+              <a:spcAft>
+                <a:spcPts val="600"/>
+              </a:spcAft>
+              <a:buFont typeface="Arial" panose="020B0604020202020204" pitchFamily="34" charset="0"/>
+              <a:buChar char="•"/>
+            </a:pPr>
+            <a:r>
+              <a:rPr lang="en-GB" b="0" i="0" u="none" strike="noStrike" dirty="0">
+                <a:solidFill>
+                  <a:srgbClr val="3273DC"/>
+                </a:solidFill>
+                <a:effectLst/>
+                <a:latin typeface="-apple-system"/>
+                <a:hlinkClick r:id="rId5"/>
+              </a:rPr>
+              <a:t>Authenticating to Azure using a Service Principal and a Client Secret</a:t>
+            </a:r>
+            <a:endParaRPr lang="en-GB" b="0" i="0" dirty="0">
+              <a:solidFill>
+                <a:srgbClr val="1F2124"/>
+              </a:solidFill>
+              <a:effectLst/>
+              <a:latin typeface="-apple-system"/>
+            </a:endParaRPr>
+          </a:p>
+          <a:p>
+            <a:pPr algn="l">
+              <a:spcAft>
+                <a:spcPts val="600"/>
+              </a:spcAft>
+              <a:buFont typeface="Arial" panose="020B0604020202020204" pitchFamily="34" charset="0"/>
+              <a:buChar char="•"/>
+            </a:pPr>
+            <a:r>
+              <a:rPr lang="en-GB" b="0" i="0" u="none" strike="noStrike" dirty="0">
+                <a:solidFill>
+                  <a:srgbClr val="3273DC"/>
+                </a:solidFill>
+                <a:effectLst/>
+                <a:latin typeface="-apple-system"/>
+                <a:hlinkClick r:id="rId6"/>
+              </a:rPr>
+              <a:t>Authenticating to Azure using a Service Principal and Open ID Connect</a:t>
+            </a:r>
+            <a:endParaRPr lang="en-GB" b="0" i="0" dirty="0">
+              <a:solidFill>
+                <a:srgbClr val="1F2124"/>
+              </a:solidFill>
+              <a:effectLst/>
+              <a:latin typeface="-apple-system"/>
+            </a:endParaRPr>
+          </a:p>
+        </p:txBody>
+      </p:sp>
+    </p:spTree>
+    <p:extLst>
+      <p:ext uri="{BB962C8B-B14F-4D97-AF65-F5344CB8AC3E}">
+        <p14:creationId xmlns:p14="http://schemas.microsoft.com/office/powerpoint/2010/main" val="1320949851"/>
+      </p:ext>
+    </p:extLst>
+  </p:cSld>
+  <p:clrMapOvr>
+    <a:masterClrMapping/>
+  </p:clrMapOvr>
+  <p:transition>
+    <p:fade/>
+  </p:transition>
+</p:sld>
+</file>
+
+<file path=ppt/slides/slide14.xml><?xml version="1.0" encoding="utf-8"?>
+<p:sld xmlns:a="http://schemas.openxmlformats.org/drawingml/2006/main" xmlns:r="http://schemas.openxmlformats.org/officeDocument/2006/relationships" xmlns:p="http://schemas.openxmlformats.org/presentationml/2006/main">
+  <p:cSld>
+    <p:spTree>
+      <p:nvGrpSpPr>
+        <p:cNvPr id="1" name=""/>
+        <p:cNvGrpSpPr/>
+        <p:nvPr/>
+      </p:nvGrpSpPr>
+      <p:grpSpPr>
+        <a:xfrm>
+          <a:off x="0" y="0"/>
+          <a:ext cx="0" cy="0"/>
+          <a:chOff x="0" y="0"/>
+          <a:chExt cx="0" cy="0"/>
+        </a:xfrm>
+      </p:grpSpPr>
+      <p:sp>
+        <p:nvSpPr>
+          <p:cNvPr id="3" name="Text Placeholder 2">
+            <a:extLst>
+              <a:ext uri="{FF2B5EF4-FFF2-40B4-BE49-F238E27FC236}">
+                <a16:creationId xmlns:a16="http://schemas.microsoft.com/office/drawing/2014/main" id="{0CD33DC1-CB27-2EB8-71E9-A1EA1A72F84C}"/>
+              </a:ext>
+            </a:extLst>
+          </p:cNvPr>
+          <p:cNvSpPr>
+            <a:spLocks noGrp="1"/>
+          </p:cNvSpPr>
+          <p:nvPr>
+            <p:ph type="body" sz="quarter" idx="10"/>
+          </p:nvPr>
+        </p:nvSpPr>
+        <p:spPr>
+          <a:xfrm>
+            <a:off x="434975" y="2188559"/>
+            <a:ext cx="10013950" cy="3058501"/>
+          </a:xfrm>
+        </p:spPr>
+        <p:txBody>
+          <a:bodyPr/>
+          <a:lstStyle/>
+          <a:p>
+            <a:pPr marL="457200" indent="-457200">
+              <a:buFontTx/>
+              <a:buChar char="-"/>
+            </a:pPr>
+            <a:r>
+              <a:rPr lang="en-AU" dirty="0"/>
+              <a:t>Authenticate to Azure using Azure CLI</a:t>
+            </a:r>
+          </a:p>
+          <a:p>
+            <a:pPr marL="457200" indent="-457200">
+              <a:buFontTx/>
+              <a:buChar char="-"/>
+            </a:pPr>
+            <a:r>
+              <a:rPr lang="en-AU" dirty="0"/>
+              <a:t>Create a main.tf file containing </a:t>
+            </a:r>
+          </a:p>
+          <a:p>
+            <a:pPr marL="685800" lvl="1" indent="-457200">
+              <a:buFontTx/>
+              <a:buChar char="-"/>
+            </a:pPr>
+            <a:r>
+              <a:rPr lang="en-AU" dirty="0"/>
+              <a:t>terraform block, </a:t>
+            </a:r>
+          </a:p>
+          <a:p>
+            <a:pPr marL="685800" lvl="1" indent="-457200">
+              <a:buFontTx/>
+              <a:buChar char="-"/>
+            </a:pPr>
+            <a:r>
+              <a:rPr lang="en-AU" dirty="0" err="1"/>
+              <a:t>azurerm</a:t>
+            </a:r>
+            <a:r>
+              <a:rPr lang="en-AU" dirty="0"/>
+              <a:t> provider</a:t>
+            </a:r>
+          </a:p>
+          <a:p>
+            <a:pPr marL="685800" lvl="1" indent="-457200">
+              <a:buFontTx/>
+              <a:buChar char="-"/>
+            </a:pPr>
+            <a:r>
+              <a:rPr lang="en-AU" dirty="0"/>
+              <a:t>a resource group</a:t>
+            </a:r>
+          </a:p>
+          <a:p>
+            <a:pPr marL="685800" lvl="1" indent="-457200">
+              <a:buFontTx/>
+              <a:buChar char="-"/>
+            </a:pPr>
+            <a:r>
+              <a:rPr lang="en-AU" dirty="0"/>
+              <a:t>a </a:t>
+            </a:r>
+            <a:r>
+              <a:rPr lang="en-AU" dirty="0" err="1"/>
+              <a:t>vnet</a:t>
+            </a:r>
+            <a:endParaRPr lang="en-AU" dirty="0"/>
+          </a:p>
+        </p:txBody>
+      </p:sp>
+      <p:sp>
+        <p:nvSpPr>
+          <p:cNvPr id="4" name="Title 3">
+            <a:extLst>
+              <a:ext uri="{FF2B5EF4-FFF2-40B4-BE49-F238E27FC236}">
+                <a16:creationId xmlns:a16="http://schemas.microsoft.com/office/drawing/2014/main" id="{21C2ED56-892D-975A-CD95-5FA4BDE63187}"/>
+              </a:ext>
+            </a:extLst>
+          </p:cNvPr>
+          <p:cNvSpPr>
+            <a:spLocks noGrp="1"/>
+          </p:cNvSpPr>
+          <p:nvPr>
+            <p:ph type="title"/>
+          </p:nvPr>
+        </p:nvSpPr>
+        <p:spPr/>
+        <p:txBody>
+          <a:bodyPr/>
+          <a:lstStyle/>
+          <a:p>
+            <a:r>
+              <a:rPr lang="en-AU" dirty="0"/>
+              <a:t>Demo 1 – Create Resource Group and a VNET</a:t>
+            </a:r>
+          </a:p>
+        </p:txBody>
+      </p:sp>
+    </p:spTree>
+    <p:extLst>
+      <p:ext uri="{BB962C8B-B14F-4D97-AF65-F5344CB8AC3E}">
+        <p14:creationId xmlns:p14="http://schemas.microsoft.com/office/powerpoint/2010/main" val="1674973482"/>
+      </p:ext>
+    </p:extLst>
+  </p:cSld>
+  <p:clrMapOvr>
+    <a:masterClrMapping/>
+  </p:clrMapOvr>
+  <p:transition>
+    <p:fade/>
+  </p:transition>
+</p:sld>
+</file>
+
+<file path=ppt/slides/slide15.xml><?xml version="1.0" encoding="utf-8"?>
+<p:sld xmlns:a="http://schemas.openxmlformats.org/drawingml/2006/main" xmlns:r="http://schemas.openxmlformats.org/officeDocument/2006/relationships" xmlns:p="http://schemas.openxmlformats.org/presentationml/2006/main">
+  <p:cSld>
+    <p:spTree>
+      <p:nvGrpSpPr>
+        <p:cNvPr id="1" name=""/>
+        <p:cNvGrpSpPr/>
+        <p:nvPr/>
+      </p:nvGrpSpPr>
+      <p:grpSpPr>
+        <a:xfrm>
+          <a:off x="0" y="0"/>
+          <a:ext cx="0" cy="0"/>
+          <a:chOff x="0" y="0"/>
+          <a:chExt cx="0" cy="0"/>
+        </a:xfrm>
+      </p:grpSpPr>
+      <p:sp>
+        <p:nvSpPr>
+          <p:cNvPr id="4" name="Title 3">
+            <a:extLst>
+              <a:ext uri="{FF2B5EF4-FFF2-40B4-BE49-F238E27FC236}">
+                <a16:creationId xmlns:a16="http://schemas.microsoft.com/office/drawing/2014/main" id="{21C2ED56-892D-975A-CD95-5FA4BDE63187}"/>
+              </a:ext>
+            </a:extLst>
+          </p:cNvPr>
+          <p:cNvSpPr>
+            <a:spLocks noGrp="1"/>
+          </p:cNvSpPr>
+          <p:nvPr>
+            <p:ph type="title"/>
+          </p:nvPr>
+        </p:nvSpPr>
+        <p:spPr/>
+        <p:txBody>
+          <a:bodyPr/>
+          <a:lstStyle/>
+          <a:p>
+            <a:r>
+              <a:rPr lang="en-AU" dirty="0"/>
+              <a:t>Demo 2 – Create an Azure PostgreSQL Flexible Server </a:t>
+            </a:r>
+          </a:p>
+        </p:txBody>
+      </p:sp>
+      <p:pic>
+        <p:nvPicPr>
+          <p:cNvPr id="7" name="Picture 6">
+            <a:extLst>
+              <a:ext uri="{FF2B5EF4-FFF2-40B4-BE49-F238E27FC236}">
+                <a16:creationId xmlns:a16="http://schemas.microsoft.com/office/drawing/2014/main" id="{668D5F4E-03AF-B583-784F-4F6B3B52BE68}"/>
+              </a:ext>
+            </a:extLst>
+          </p:cNvPr>
+          <p:cNvPicPr>
+            <a:picLocks noChangeAspect="1"/>
+          </p:cNvPicPr>
+          <p:nvPr/>
+        </p:nvPicPr>
+        <p:blipFill>
+          <a:blip r:embed="rId2"/>
+          <a:stretch>
+            <a:fillRect/>
+          </a:stretch>
+        </p:blipFill>
+        <p:spPr>
+          <a:xfrm>
+            <a:off x="2481912" y="1203325"/>
+            <a:ext cx="7681263" cy="5359226"/>
+          </a:xfrm>
+          <a:prstGeom prst="rect">
+            <a:avLst/>
+          </a:prstGeom>
+        </p:spPr>
+      </p:pic>
+      <p:sp>
+        <p:nvSpPr>
+          <p:cNvPr id="9" name="TextBox 8">
+            <a:extLst>
+              <a:ext uri="{FF2B5EF4-FFF2-40B4-BE49-F238E27FC236}">
+                <a16:creationId xmlns:a16="http://schemas.microsoft.com/office/drawing/2014/main" id="{22A2FB2C-8DE9-65CC-32D5-298CCF8115F2}"/>
+              </a:ext>
+            </a:extLst>
+          </p:cNvPr>
+          <p:cNvSpPr txBox="1"/>
+          <p:nvPr/>
+        </p:nvSpPr>
+        <p:spPr>
+          <a:xfrm>
+            <a:off x="434975" y="6545261"/>
+            <a:ext cx="10423525" cy="276999"/>
+          </a:xfrm>
+          <a:prstGeom prst="rect">
+            <a:avLst/>
+          </a:prstGeom>
+          <a:noFill/>
+        </p:spPr>
+        <p:txBody>
+          <a:bodyPr wrap="square">
+            <a:spAutoFit/>
+          </a:bodyPr>
+          <a:lstStyle/>
+          <a:p>
+            <a:r>
+              <a:rPr lang="en-AU" sz="1200" dirty="0">
+                <a:hlinkClick r:id="rId3"/>
+              </a:rPr>
+              <a:t>Source: Networking overview - Azure Database for PostgreSQL - Flexible Server | Microsoft Learn</a:t>
+            </a:r>
+            <a:endParaRPr lang="en-AU" sz="1200" dirty="0"/>
+          </a:p>
+        </p:txBody>
+      </p:sp>
+    </p:spTree>
+    <p:extLst>
+      <p:ext uri="{BB962C8B-B14F-4D97-AF65-F5344CB8AC3E}">
+        <p14:creationId xmlns:p14="http://schemas.microsoft.com/office/powerpoint/2010/main" val="1102875458"/>
+      </p:ext>
+    </p:extLst>
+  </p:cSld>
+  <p:clrMapOvr>
+    <a:masterClrMapping/>
+  </p:clrMapOvr>
+  <p:transition>
+    <p:fade/>
+  </p:transition>
+</p:sld>
+</file>
+
+<file path=ppt/slides/slide2.xml><?xml version="1.0" encoding="utf-8"?>
+<p:sld xmlns:a="http://schemas.openxmlformats.org/drawingml/2006/main" xmlns:r="http://schemas.openxmlformats.org/officeDocument/2006/relationships" xmlns:p="http://schemas.openxmlformats.org/presentationml/2006/main">
+  <p:cSld>
+    <p:spTree>
+      <p:nvGrpSpPr>
+        <p:cNvPr id="1" name=""/>
+        <p:cNvGrpSpPr/>
+        <p:nvPr/>
+      </p:nvGrpSpPr>
+      <p:grpSpPr>
+        <a:xfrm>
+          <a:off x="0" y="0"/>
+          <a:ext cx="0" cy="0"/>
+          <a:chOff x="0" y="0"/>
+          <a:chExt cx="0" cy="0"/>
+        </a:xfrm>
+      </p:grpSpPr>
+      <p:sp>
+        <p:nvSpPr>
+          <p:cNvPr id="29698" name="Title 1"/>
+          <p:cNvSpPr>
+            <a:spLocks noGrp="1"/>
+          </p:cNvSpPr>
+          <p:nvPr>
+            <p:ph type="title"/>
+          </p:nvPr>
+        </p:nvSpPr>
+        <p:spPr>
+          <a:xfrm>
+            <a:off x="406623" y="310868"/>
+            <a:ext cx="11408028" cy="699453"/>
+          </a:xfrm>
+        </p:spPr>
+        <p:txBody>
+          <a:bodyPr/>
+          <a:lstStyle/>
+          <a:p>
+            <a:r>
+              <a:rPr lang="en-US" altLang="en-US" dirty="0"/>
+              <a:t>About Me</a:t>
+            </a:r>
+          </a:p>
+        </p:txBody>
+      </p:sp>
+      <p:pic>
+        <p:nvPicPr>
+          <p:cNvPr id="1025" name="Picture 1">
+            <a:extLst>
+              <a:ext uri="{FF2B5EF4-FFF2-40B4-BE49-F238E27FC236}">
+                <a16:creationId xmlns:a16="http://schemas.microsoft.com/office/drawing/2014/main" id="{6DC3769F-C820-491A-A20C-4D13349433E4}"/>
+              </a:ext>
+            </a:extLst>
+          </p:cNvPr>
+          <p:cNvPicPr>
+            <a:picLocks noChangeAspect="1" noChangeArrowheads="1"/>
+          </p:cNvPicPr>
+          <p:nvPr/>
+        </p:nvPicPr>
+        <p:blipFill>
+          <a:blip r:embed="rId3">
+            <a:extLst>
+              <a:ext uri="{28A0092B-C50C-407E-A947-70E740481C1C}">
+                <a14:useLocalDpi xmlns:a14="http://schemas.microsoft.com/office/drawing/2010/main" val="0"/>
+              </a:ext>
+            </a:extLst>
+          </a:blip>
+          <a:srcRect/>
+          <a:stretch>
+            <a:fillRect/>
+          </a:stretch>
+        </p:blipFill>
+        <p:spPr bwMode="auto">
+          <a:xfrm>
+            <a:off x="3183577" y="5626666"/>
+            <a:ext cx="966703" cy="966703"/>
+          </a:xfrm>
+          <a:prstGeom prst="rect">
+            <a:avLst/>
+          </a:prstGeom>
+          <a:noFill/>
+          <a:extLst>
+            <a:ext uri="{909E8E84-426E-40DD-AFC4-6F175D3DCCD1}">
+              <a14:hiddenFill xmlns:a14="http://schemas.microsoft.com/office/drawing/2010/main">
+                <a:solidFill>
+                  <a:srgbClr val="FFFFFF"/>
+                </a:solidFill>
+              </a14:hiddenFill>
+            </a:ext>
+          </a:extLst>
+        </p:spPr>
+      </p:pic>
+      <p:pic>
+        <p:nvPicPr>
+          <p:cNvPr id="1026" name="Picture 2">
+            <a:extLst>
+              <a:ext uri="{FF2B5EF4-FFF2-40B4-BE49-F238E27FC236}">
+                <a16:creationId xmlns:a16="http://schemas.microsoft.com/office/drawing/2014/main" id="{A4486E3A-4CE2-4E85-B079-5BCDF098B572}"/>
+              </a:ext>
+            </a:extLst>
+          </p:cNvPr>
+          <p:cNvPicPr>
+            <a:picLocks noChangeAspect="1" noChangeArrowheads="1"/>
+          </p:cNvPicPr>
+          <p:nvPr/>
+        </p:nvPicPr>
+        <p:blipFill>
+          <a:blip r:embed="rId4">
+            <a:extLst>
+              <a:ext uri="{28A0092B-C50C-407E-A947-70E740481C1C}">
+                <a14:useLocalDpi xmlns:a14="http://schemas.microsoft.com/office/drawing/2010/main" val="0"/>
+              </a:ext>
+            </a:extLst>
+          </a:blip>
+          <a:srcRect/>
+          <a:stretch>
+            <a:fillRect/>
+          </a:stretch>
+        </p:blipFill>
+        <p:spPr bwMode="auto">
+          <a:xfrm>
+            <a:off x="4298674" y="5619637"/>
+            <a:ext cx="942015" cy="942015"/>
+          </a:xfrm>
+          <a:prstGeom prst="rect">
+            <a:avLst/>
+          </a:prstGeom>
+          <a:noFill/>
+          <a:extLst>
+            <a:ext uri="{909E8E84-426E-40DD-AFC4-6F175D3DCCD1}">
+              <a14:hiddenFill xmlns:a14="http://schemas.microsoft.com/office/drawing/2010/main">
+                <a:solidFill>
+                  <a:srgbClr val="FFFFFF"/>
+                </a:solidFill>
+              </a14:hiddenFill>
+            </a:ext>
+          </a:extLst>
+        </p:spPr>
+      </p:pic>
+      <p:pic>
+        <p:nvPicPr>
+          <p:cNvPr id="1027" name="Picture 3">
+            <a:extLst>
+              <a:ext uri="{FF2B5EF4-FFF2-40B4-BE49-F238E27FC236}">
+                <a16:creationId xmlns:a16="http://schemas.microsoft.com/office/drawing/2014/main" id="{525C96BE-0FCF-40CD-A46B-4CBF1F8E6CE2}"/>
+              </a:ext>
+            </a:extLst>
+          </p:cNvPr>
+          <p:cNvPicPr>
+            <a:picLocks noChangeAspect="1" noChangeArrowheads="1"/>
+          </p:cNvPicPr>
+          <p:nvPr/>
+        </p:nvPicPr>
+        <p:blipFill>
+          <a:blip r:embed="rId5">
+            <a:extLst>
+              <a:ext uri="{28A0092B-C50C-407E-A947-70E740481C1C}">
+                <a14:useLocalDpi xmlns:a14="http://schemas.microsoft.com/office/drawing/2010/main" val="0"/>
+              </a:ext>
+            </a:extLst>
+          </a:blip>
+          <a:srcRect/>
+          <a:stretch>
+            <a:fillRect/>
+          </a:stretch>
+        </p:blipFill>
+        <p:spPr bwMode="auto">
+          <a:xfrm>
+            <a:off x="6728240" y="5648127"/>
+            <a:ext cx="942015" cy="942015"/>
+          </a:xfrm>
+          <a:prstGeom prst="rect">
+            <a:avLst/>
+          </a:prstGeom>
+          <a:noFill/>
+          <a:extLst>
+            <a:ext uri="{909E8E84-426E-40DD-AFC4-6F175D3DCCD1}">
+              <a14:hiddenFill xmlns:a14="http://schemas.microsoft.com/office/drawing/2010/main">
+                <a:solidFill>
+                  <a:srgbClr val="FFFFFF"/>
+                </a:solidFill>
+              </a14:hiddenFill>
+            </a:ext>
+          </a:extLst>
+        </p:spPr>
+      </p:pic>
+      <p:pic>
+        <p:nvPicPr>
+          <p:cNvPr id="14" name="Picture 13">
+            <a:extLst>
+              <a:ext uri="{FF2B5EF4-FFF2-40B4-BE49-F238E27FC236}">
+                <a16:creationId xmlns:a16="http://schemas.microsoft.com/office/drawing/2014/main" id="{B5AC4631-B71A-4E21-81B6-6A618376CF02}"/>
+              </a:ext>
+            </a:extLst>
+          </p:cNvPr>
+          <p:cNvPicPr>
+            <a:picLocks noChangeAspect="1"/>
+          </p:cNvPicPr>
+          <p:nvPr/>
+        </p:nvPicPr>
+        <p:blipFill>
+          <a:blip r:embed="rId6"/>
+          <a:stretch>
+            <a:fillRect/>
+          </a:stretch>
+        </p:blipFill>
+        <p:spPr>
+          <a:xfrm>
+            <a:off x="5680210" y="3931715"/>
+            <a:ext cx="494728" cy="561019"/>
+          </a:xfrm>
+          <a:prstGeom prst="rect">
+            <a:avLst/>
+          </a:prstGeom>
+        </p:spPr>
+      </p:pic>
+      <p:pic>
+        <p:nvPicPr>
+          <p:cNvPr id="18" name="Picture 17">
+            <a:extLst>
+              <a:ext uri="{FF2B5EF4-FFF2-40B4-BE49-F238E27FC236}">
+                <a16:creationId xmlns:a16="http://schemas.microsoft.com/office/drawing/2014/main" id="{8F501BFC-493D-4022-957D-A0D38CC81484}"/>
+              </a:ext>
+            </a:extLst>
+          </p:cNvPr>
+          <p:cNvPicPr>
+            <a:picLocks noChangeAspect="1"/>
+          </p:cNvPicPr>
+          <p:nvPr/>
+        </p:nvPicPr>
+        <p:blipFill rotWithShape="1">
+          <a:blip r:embed="rId7"/>
+          <a:srcRect t="28889" b="31490"/>
+          <a:stretch/>
+        </p:blipFill>
+        <p:spPr>
+          <a:xfrm>
+            <a:off x="3273164" y="2916406"/>
+            <a:ext cx="2178713" cy="539514"/>
+          </a:xfrm>
+          <a:prstGeom prst="rect">
+            <a:avLst/>
+          </a:prstGeom>
+        </p:spPr>
+      </p:pic>
+      <p:pic>
+        <p:nvPicPr>
+          <p:cNvPr id="22" name="Graphic 21">
+            <a:extLst>
+              <a:ext uri="{FF2B5EF4-FFF2-40B4-BE49-F238E27FC236}">
+                <a16:creationId xmlns:a16="http://schemas.microsoft.com/office/drawing/2014/main" id="{908EC8B5-E6A3-4FFD-B973-6377F6128D0B}"/>
+              </a:ext>
+            </a:extLst>
+          </p:cNvPr>
+          <p:cNvPicPr>
+            <a:picLocks noChangeAspect="1"/>
+          </p:cNvPicPr>
+          <p:nvPr/>
+        </p:nvPicPr>
+        <p:blipFill rotWithShape="1">
+          <a:blip r:embed="rId8">
+            <a:extLst>
+              <a:ext uri="{96DAC541-7B7A-43D3-8B79-37D633B846F1}">
+                <asvg:svgBlip xmlns:asvg="http://schemas.microsoft.com/office/drawing/2016/SVG/main" r:embed="rId9"/>
+              </a:ext>
+            </a:extLst>
+          </a:blip>
+          <a:srcRect t="35547" b="34374"/>
+          <a:stretch/>
+        </p:blipFill>
+        <p:spPr>
+          <a:xfrm>
+            <a:off x="6490115" y="3983736"/>
+            <a:ext cx="1226853" cy="369015"/>
+          </a:xfrm>
+          <a:prstGeom prst="rect">
+            <a:avLst/>
+          </a:prstGeom>
+        </p:spPr>
+      </p:pic>
+      <p:grpSp>
+        <p:nvGrpSpPr>
+          <p:cNvPr id="34" name="Group 33">
+            <a:extLst>
+              <a:ext uri="{FF2B5EF4-FFF2-40B4-BE49-F238E27FC236}">
+                <a16:creationId xmlns:a16="http://schemas.microsoft.com/office/drawing/2014/main" id="{D1307A1E-EC67-4038-922B-E4AE9348A335}"/>
+              </a:ext>
+            </a:extLst>
+          </p:cNvPr>
+          <p:cNvGrpSpPr/>
+          <p:nvPr/>
+        </p:nvGrpSpPr>
+        <p:grpSpPr>
+          <a:xfrm>
+            <a:off x="3012746" y="3798831"/>
+            <a:ext cx="2167568" cy="693903"/>
+            <a:chOff x="3012026" y="2575878"/>
+            <a:chExt cx="2125260" cy="680359"/>
+          </a:xfrm>
+        </p:grpSpPr>
+        <p:pic>
+          <p:nvPicPr>
+            <p:cNvPr id="12" name="Picture 11">
+              <a:extLst>
+                <a:ext uri="{FF2B5EF4-FFF2-40B4-BE49-F238E27FC236}">
+                  <a16:creationId xmlns:a16="http://schemas.microsoft.com/office/drawing/2014/main" id="{40D8CFC9-D312-4A60-BA44-C016E915A61D}"/>
+                </a:ext>
+              </a:extLst>
+            </p:cNvPr>
+            <p:cNvPicPr>
+              <a:picLocks noChangeAspect="1"/>
+            </p:cNvPicPr>
+            <p:nvPr/>
+          </p:nvPicPr>
+          <p:blipFill>
+            <a:blip r:embed="rId10"/>
+            <a:stretch>
+              <a:fillRect/>
+            </a:stretch>
+          </p:blipFill>
+          <p:spPr>
+            <a:xfrm>
+              <a:off x="4159386" y="2706168"/>
+              <a:ext cx="977900" cy="550069"/>
+            </a:xfrm>
+            <a:prstGeom prst="rect">
+              <a:avLst/>
+            </a:prstGeom>
+          </p:spPr>
+        </p:pic>
+        <p:pic>
+          <p:nvPicPr>
+            <p:cNvPr id="28" name="Picture 27">
+              <a:extLst>
+                <a:ext uri="{FF2B5EF4-FFF2-40B4-BE49-F238E27FC236}">
+                  <a16:creationId xmlns:a16="http://schemas.microsoft.com/office/drawing/2014/main" id="{AFE4745D-25AF-427D-B4F8-BEDEA57E2ACB}"/>
+                </a:ext>
+              </a:extLst>
+            </p:cNvPr>
+            <p:cNvPicPr>
+              <a:picLocks noChangeAspect="1"/>
+            </p:cNvPicPr>
+            <p:nvPr/>
+          </p:nvPicPr>
+          <p:blipFill>
+            <a:blip r:embed="rId11" cstate="print">
+              <a:extLst>
+                <a:ext uri="{28A0092B-C50C-407E-A947-70E740481C1C}">
+                  <a14:useLocalDpi xmlns:a14="http://schemas.microsoft.com/office/drawing/2010/main"/>
+                </a:ext>
+              </a:extLst>
+            </a:blip>
+            <a:stretch>
+              <a:fillRect/>
+            </a:stretch>
+          </p:blipFill>
+          <p:spPr>
+            <a:xfrm>
+              <a:off x="3012026" y="2575878"/>
+              <a:ext cx="784607" cy="680359"/>
+            </a:xfrm>
+            <a:prstGeom prst="rect">
+              <a:avLst/>
+            </a:prstGeom>
+          </p:spPr>
+        </p:pic>
+      </p:grpSp>
+      <p:pic>
+        <p:nvPicPr>
+          <p:cNvPr id="30" name="Graphic 29">
+            <a:extLst>
+              <a:ext uri="{FF2B5EF4-FFF2-40B4-BE49-F238E27FC236}">
+                <a16:creationId xmlns:a16="http://schemas.microsoft.com/office/drawing/2014/main" id="{65D8D671-B343-493D-AF9B-223245D204F9}"/>
+              </a:ext>
+            </a:extLst>
+          </p:cNvPr>
+          <p:cNvPicPr>
+            <a:picLocks noChangeAspect="1"/>
+          </p:cNvPicPr>
+          <p:nvPr/>
+        </p:nvPicPr>
+        <p:blipFill rotWithShape="1">
+          <a:blip r:embed="rId12">
+            <a:extLst>
+              <a:ext uri="{96DAC541-7B7A-43D3-8B79-37D633B846F1}">
+                <asvg:svgBlip xmlns:asvg="http://schemas.microsoft.com/office/drawing/2016/SVG/main" r:embed="rId13"/>
+              </a:ext>
+            </a:extLst>
+          </a:blip>
+          <a:srcRect t="30078" b="33028"/>
+          <a:stretch/>
+        </p:blipFill>
+        <p:spPr>
+          <a:xfrm>
+            <a:off x="6121601" y="2857591"/>
+            <a:ext cx="1582282" cy="583767"/>
+          </a:xfrm>
+          <a:prstGeom prst="rect">
+            <a:avLst/>
+          </a:prstGeom>
+        </p:spPr>
+      </p:pic>
+      <p:sp>
+        <p:nvSpPr>
+          <p:cNvPr id="37" name="TextBox 36">
+            <a:extLst>
+              <a:ext uri="{FF2B5EF4-FFF2-40B4-BE49-F238E27FC236}">
+                <a16:creationId xmlns:a16="http://schemas.microsoft.com/office/drawing/2014/main" id="{53C71430-D1D2-4D26-90A0-A050AD98F825}"/>
+              </a:ext>
+            </a:extLst>
+          </p:cNvPr>
+          <p:cNvSpPr txBox="1"/>
+          <p:nvPr/>
+        </p:nvSpPr>
+        <p:spPr>
+          <a:xfrm>
+            <a:off x="3002473" y="3436649"/>
+            <a:ext cx="2720093" cy="270285"/>
+          </a:xfrm>
+          <a:prstGeom prst="rect">
+            <a:avLst/>
+          </a:prstGeom>
+          <a:noFill/>
+        </p:spPr>
+        <p:txBody>
+          <a:bodyPr wrap="square">
+            <a:spAutoFit/>
+          </a:bodyPr>
+          <a:lstStyle/>
+          <a:p>
+            <a:r>
+              <a:rPr lang="en-AU" sz="1122" dirty="0"/>
+              <a:t>Associate Director | Financial Services</a:t>
+            </a:r>
+          </a:p>
+        </p:txBody>
+      </p:sp>
+      <p:sp>
+        <p:nvSpPr>
+          <p:cNvPr id="38" name="TextBox 37">
+            <a:extLst>
+              <a:ext uri="{FF2B5EF4-FFF2-40B4-BE49-F238E27FC236}">
+                <a16:creationId xmlns:a16="http://schemas.microsoft.com/office/drawing/2014/main" id="{62478071-23AA-4E5F-9AAA-2EBA29773E0C}"/>
+              </a:ext>
+            </a:extLst>
+          </p:cNvPr>
+          <p:cNvSpPr txBox="1"/>
+          <p:nvPr/>
+        </p:nvSpPr>
+        <p:spPr>
+          <a:xfrm>
+            <a:off x="5968161" y="3445765"/>
+            <a:ext cx="1783278" cy="270285"/>
+          </a:xfrm>
+          <a:prstGeom prst="rect">
+            <a:avLst/>
+          </a:prstGeom>
+          <a:noFill/>
+        </p:spPr>
+        <p:txBody>
+          <a:bodyPr wrap="square">
+            <a:spAutoFit/>
+          </a:bodyPr>
+          <a:lstStyle/>
+          <a:p>
+            <a:pPr algn="ctr"/>
+            <a:r>
+              <a:rPr lang="en-AU" sz="1122" dirty="0"/>
+              <a:t>Cloud Solution Architect</a:t>
+            </a:r>
+          </a:p>
+        </p:txBody>
+      </p:sp>
+      <p:sp>
+        <p:nvSpPr>
+          <p:cNvPr id="39" name="TextBox 38">
+            <a:extLst>
+              <a:ext uri="{FF2B5EF4-FFF2-40B4-BE49-F238E27FC236}">
+                <a16:creationId xmlns:a16="http://schemas.microsoft.com/office/drawing/2014/main" id="{B374B1D3-310F-4C46-BC75-2A56735A8E14}"/>
+              </a:ext>
+            </a:extLst>
+          </p:cNvPr>
+          <p:cNvSpPr txBox="1"/>
+          <p:nvPr/>
+        </p:nvSpPr>
+        <p:spPr>
+          <a:xfrm>
+            <a:off x="2836628" y="4532129"/>
+            <a:ext cx="1240181" cy="437684"/>
+          </a:xfrm>
+          <a:prstGeom prst="rect">
+            <a:avLst/>
+          </a:prstGeom>
+          <a:noFill/>
+        </p:spPr>
+        <p:txBody>
+          <a:bodyPr wrap="square">
+            <a:spAutoFit/>
+          </a:bodyPr>
+          <a:lstStyle/>
+          <a:p>
+            <a:pPr algn="ctr"/>
+            <a:r>
+              <a:rPr lang="en-AU" sz="1122" b="1" dirty="0"/>
+              <a:t>Cloud Transformation</a:t>
+            </a:r>
+          </a:p>
+        </p:txBody>
+      </p:sp>
+      <p:sp>
+        <p:nvSpPr>
+          <p:cNvPr id="40" name="TextBox 39">
+            <a:extLst>
+              <a:ext uri="{FF2B5EF4-FFF2-40B4-BE49-F238E27FC236}">
+                <a16:creationId xmlns:a16="http://schemas.microsoft.com/office/drawing/2014/main" id="{13DA27D5-AD95-4B70-83D5-3330DFBD3BAB}"/>
+              </a:ext>
+            </a:extLst>
+          </p:cNvPr>
+          <p:cNvSpPr txBox="1"/>
+          <p:nvPr/>
+        </p:nvSpPr>
+        <p:spPr>
+          <a:xfrm>
+            <a:off x="5330173" y="4542388"/>
+            <a:ext cx="2720093" cy="270285"/>
+          </a:xfrm>
+          <a:prstGeom prst="rect">
+            <a:avLst/>
+          </a:prstGeom>
+          <a:noFill/>
+        </p:spPr>
+        <p:txBody>
+          <a:bodyPr wrap="square">
+            <a:spAutoFit/>
+          </a:bodyPr>
+          <a:lstStyle/>
+          <a:p>
+            <a:pPr algn="ctr"/>
+            <a:r>
+              <a:rPr lang="en-AU" sz="1122" b="1" dirty="0"/>
+              <a:t>OSS/BSS SaaS Implementation</a:t>
+            </a:r>
+          </a:p>
+        </p:txBody>
+      </p:sp>
+      <p:cxnSp>
+        <p:nvCxnSpPr>
+          <p:cNvPr id="33" name="Straight Connector 32">
+            <a:extLst>
+              <a:ext uri="{FF2B5EF4-FFF2-40B4-BE49-F238E27FC236}">
+                <a16:creationId xmlns:a16="http://schemas.microsoft.com/office/drawing/2014/main" id="{971177EB-E274-4E82-B562-87EE4A1BAE14}"/>
+              </a:ext>
+            </a:extLst>
+          </p:cNvPr>
+          <p:cNvCxnSpPr>
+            <a:cxnSpLocks/>
+          </p:cNvCxnSpPr>
+          <p:nvPr/>
+        </p:nvCxnSpPr>
+        <p:spPr>
+          <a:xfrm>
+            <a:off x="8161161" y="1010320"/>
+            <a:ext cx="0" cy="5181922"/>
+          </a:xfrm>
+          <a:prstGeom prst="line">
+            <a:avLst/>
+          </a:prstGeom>
+        </p:spPr>
+        <p:style>
+          <a:lnRef idx="2">
+            <a:schemeClr val="accent1"/>
+          </a:lnRef>
+          <a:fillRef idx="0">
+            <a:schemeClr val="accent1"/>
+          </a:fillRef>
+          <a:effectRef idx="1">
+            <a:schemeClr val="accent1"/>
+          </a:effectRef>
+          <a:fontRef idx="minor">
+            <a:schemeClr val="tx1"/>
+          </a:fontRef>
+        </p:style>
+      </p:cxnSp>
+      <p:sp>
+        <p:nvSpPr>
+          <p:cNvPr id="43" name="Text Placeholder 11">
+            <a:extLst>
+              <a:ext uri="{FF2B5EF4-FFF2-40B4-BE49-F238E27FC236}">
+                <a16:creationId xmlns:a16="http://schemas.microsoft.com/office/drawing/2014/main" id="{A80F0624-B5AC-4B3A-9C71-A00D12680535}"/>
+              </a:ext>
+            </a:extLst>
+          </p:cNvPr>
+          <p:cNvSpPr txBox="1">
+            <a:spLocks/>
+          </p:cNvSpPr>
+          <p:nvPr/>
+        </p:nvSpPr>
+        <p:spPr>
+          <a:xfrm>
+            <a:off x="8460881" y="1543675"/>
+            <a:ext cx="3864712" cy="5078457"/>
+          </a:xfrm>
+          <a:prstGeom prst="rect">
+            <a:avLst/>
+          </a:prstGeom>
+        </p:spPr>
+        <p:txBody>
+          <a:bodyPr>
+            <a:normAutofit/>
+          </a:bodyPr>
+          <a:lstStyle>
+            <a:lvl1pPr algn="l" rtl="0" fontAlgn="base">
+              <a:lnSpc>
+                <a:spcPct val="120000"/>
+              </a:lnSpc>
+              <a:spcBef>
+                <a:spcPct val="20000"/>
+              </a:spcBef>
+              <a:spcAft>
+                <a:spcPct val="0"/>
+              </a:spcAft>
+              <a:buFont typeface="+mj-lt"/>
+              <a:defRPr sz="1400">
+                <a:solidFill>
+                  <a:schemeClr val="bg1"/>
+                </a:solidFill>
+                <a:latin typeface="+mn-lt"/>
+                <a:ea typeface="Segoe Pro Light"/>
+                <a:cs typeface="Segoe Pro Light"/>
+              </a:defRPr>
+            </a:lvl1pPr>
+            <a:lvl2pPr algn="l" rtl="0" fontAlgn="base">
+              <a:lnSpc>
+                <a:spcPct val="120000"/>
+              </a:lnSpc>
+              <a:spcBef>
+                <a:spcPct val="20000"/>
+              </a:spcBef>
+              <a:spcAft>
+                <a:spcPct val="0"/>
+              </a:spcAft>
+              <a:defRPr sz="1400">
+                <a:solidFill>
+                  <a:schemeClr val="bg1"/>
+                </a:solidFill>
+                <a:latin typeface="+mn-lt"/>
+                <a:ea typeface="Segoe Pro Light"/>
+                <a:cs typeface="Segoe Pro Light"/>
+              </a:defRPr>
+            </a:lvl2pPr>
+            <a:lvl3pPr marL="342900" indent="-342900" algn="l" rtl="0" fontAlgn="base">
+              <a:lnSpc>
+                <a:spcPct val="120000"/>
+              </a:lnSpc>
+              <a:spcBef>
+                <a:spcPct val="20000"/>
+              </a:spcBef>
+              <a:spcAft>
+                <a:spcPct val="0"/>
+              </a:spcAft>
+              <a:defRPr sz="1400">
+                <a:solidFill>
+                  <a:schemeClr val="bg1"/>
+                </a:solidFill>
+                <a:latin typeface="+mn-lt"/>
+                <a:ea typeface="Segoe Pro Light"/>
+                <a:cs typeface="Segoe Pro Light"/>
+              </a:defRPr>
+            </a:lvl3pPr>
+            <a:lvl4pPr algn="l" rtl="0" fontAlgn="base">
+              <a:lnSpc>
+                <a:spcPct val="120000"/>
+              </a:lnSpc>
+              <a:spcBef>
+                <a:spcPct val="20000"/>
+              </a:spcBef>
+              <a:spcAft>
+                <a:spcPct val="0"/>
+              </a:spcAft>
+              <a:buFont typeface="Arial" panose="020B0604020202020204" pitchFamily="34" charset="0"/>
+              <a:defRPr sz="1400">
+                <a:solidFill>
+                  <a:schemeClr val="bg1"/>
+                </a:solidFill>
+                <a:latin typeface="+mn-lt"/>
+                <a:ea typeface="Segoe Pro Light"/>
+                <a:cs typeface="Segoe Pro Light"/>
+              </a:defRPr>
+            </a:lvl4pPr>
+            <a:lvl5pPr algn="l" rtl="0" fontAlgn="base">
+              <a:lnSpc>
+                <a:spcPct val="120000"/>
+              </a:lnSpc>
+              <a:spcBef>
+                <a:spcPct val="20000"/>
+              </a:spcBef>
+              <a:spcAft>
+                <a:spcPct val="0"/>
+              </a:spcAft>
+              <a:defRPr sz="1400">
+                <a:solidFill>
+                  <a:schemeClr val="bg1"/>
+                </a:solidFill>
+                <a:latin typeface="+mn-lt"/>
+                <a:ea typeface="Segoe Pro Light"/>
+                <a:cs typeface="Segoe Pro Light"/>
+              </a:defRPr>
+            </a:lvl5pPr>
+            <a:lvl6pPr marL="457200" algn="l" rtl="0" fontAlgn="base">
+              <a:lnSpc>
+                <a:spcPct val="120000"/>
+              </a:lnSpc>
+              <a:spcBef>
+                <a:spcPct val="20000"/>
+              </a:spcBef>
+              <a:spcAft>
+                <a:spcPct val="0"/>
+              </a:spcAft>
+              <a:defRPr sz="1400">
+                <a:solidFill>
+                  <a:schemeClr val="bg1"/>
+                </a:solidFill>
+                <a:latin typeface="+mn-lt"/>
+                <a:ea typeface="Segoe Pro Light"/>
+                <a:cs typeface="Segoe Pro Light"/>
+              </a:defRPr>
+            </a:lvl6pPr>
+            <a:lvl7pPr marL="914400" algn="l" rtl="0" fontAlgn="base">
+              <a:lnSpc>
+                <a:spcPct val="120000"/>
+              </a:lnSpc>
+              <a:spcBef>
+                <a:spcPct val="20000"/>
+              </a:spcBef>
+              <a:spcAft>
+                <a:spcPct val="0"/>
+              </a:spcAft>
+              <a:defRPr sz="1400">
+                <a:solidFill>
+                  <a:schemeClr val="bg1"/>
+                </a:solidFill>
+                <a:latin typeface="+mn-lt"/>
+                <a:ea typeface="Segoe Pro Light"/>
+                <a:cs typeface="Segoe Pro Light"/>
+              </a:defRPr>
+            </a:lvl7pPr>
+            <a:lvl8pPr marL="1371600" algn="l" rtl="0" fontAlgn="base">
+              <a:lnSpc>
+                <a:spcPct val="120000"/>
+              </a:lnSpc>
+              <a:spcBef>
+                <a:spcPct val="20000"/>
+              </a:spcBef>
+              <a:spcAft>
+                <a:spcPct val="0"/>
+              </a:spcAft>
+              <a:defRPr sz="1400">
+                <a:solidFill>
+                  <a:schemeClr val="bg1"/>
+                </a:solidFill>
+                <a:latin typeface="+mn-lt"/>
+                <a:ea typeface="Segoe Pro Light"/>
+                <a:cs typeface="Segoe Pro Light"/>
+              </a:defRPr>
+            </a:lvl8pPr>
+            <a:lvl9pPr marL="1828800" algn="l" rtl="0" fontAlgn="base">
+              <a:lnSpc>
+                <a:spcPct val="120000"/>
+              </a:lnSpc>
+              <a:spcBef>
+                <a:spcPct val="20000"/>
+              </a:spcBef>
+              <a:spcAft>
+                <a:spcPct val="0"/>
+              </a:spcAft>
+              <a:defRPr sz="1400">
+                <a:solidFill>
+                  <a:schemeClr val="bg1"/>
+                </a:solidFill>
+                <a:latin typeface="+mn-lt"/>
+                <a:ea typeface="Segoe Pro Light"/>
+                <a:cs typeface="Segoe Pro Light"/>
+              </a:defRPr>
+            </a:lvl9pPr>
+          </a:lstStyle>
+          <a:p>
+            <a:pPr marL="291436" indent="-291436" defTabSz="932597">
+              <a:buFont typeface="Arial" panose="020B0604020202020204" pitchFamily="34" charset="0"/>
+              <a:buChar char="•"/>
+            </a:pPr>
+            <a:r>
+              <a:rPr lang="en-AU" sz="1428" kern="0" dirty="0">
+                <a:solidFill>
+                  <a:schemeClr val="tx1"/>
+                </a:solidFill>
+              </a:rPr>
+              <a:t>Infra and Core dedicated CSA - Telstra</a:t>
+            </a:r>
+          </a:p>
+          <a:p>
+            <a:pPr marL="291436" indent="-291436" defTabSz="932597">
+              <a:buFont typeface="Arial" panose="020B0604020202020204" pitchFamily="34" charset="0"/>
+              <a:buChar char="•"/>
+            </a:pPr>
+            <a:r>
+              <a:rPr lang="en-AU" sz="1428" kern="0" dirty="0">
+                <a:solidFill>
+                  <a:schemeClr val="tx1"/>
+                </a:solidFill>
+              </a:rPr>
+              <a:t>Infra CSA: Toll, Asahi, Vic Health</a:t>
+            </a:r>
+          </a:p>
+          <a:p>
+            <a:pPr marL="291436" indent="-291436" defTabSz="932597">
+              <a:buFont typeface="Arial" panose="020B0604020202020204" pitchFamily="34" charset="0"/>
+              <a:buChar char="•"/>
+            </a:pPr>
+            <a:r>
+              <a:rPr lang="en-AU" sz="1428" kern="0" dirty="0">
+                <a:solidFill>
+                  <a:schemeClr val="tx1"/>
+                </a:solidFill>
+              </a:rPr>
+              <a:t>DNS Forwarder/NTP – Azure – AGL</a:t>
+            </a:r>
+          </a:p>
+          <a:p>
+            <a:pPr marL="291436" indent="-291436" defTabSz="932597">
+              <a:buFont typeface="Arial" panose="020B0604020202020204" pitchFamily="34" charset="0"/>
+              <a:buChar char="•"/>
+            </a:pPr>
+            <a:r>
+              <a:rPr lang="en-AU" sz="1428" kern="0" dirty="0">
+                <a:solidFill>
+                  <a:schemeClr val="tx1"/>
+                </a:solidFill>
+              </a:rPr>
+              <a:t>CCRE Migration – AWS – ANZ Bank</a:t>
+            </a:r>
+          </a:p>
+          <a:p>
+            <a:pPr marL="291436" indent="-291436" defTabSz="932597">
+              <a:buFont typeface="Arial" panose="020B0604020202020204" pitchFamily="34" charset="0"/>
+              <a:buChar char="•"/>
+            </a:pPr>
+            <a:r>
+              <a:rPr lang="en-AU" sz="1428" kern="0" dirty="0" err="1">
+                <a:solidFill>
+                  <a:schemeClr val="tx1"/>
+                </a:solidFill>
+              </a:rPr>
+              <a:t>HyperConverged</a:t>
+            </a:r>
+            <a:r>
+              <a:rPr lang="en-AU" sz="1428" kern="0" dirty="0">
+                <a:solidFill>
+                  <a:schemeClr val="tx1"/>
+                </a:solidFill>
+              </a:rPr>
+              <a:t> Infra – Datacentre - AGL</a:t>
+            </a:r>
+          </a:p>
+          <a:p>
+            <a:pPr marL="291436" indent="-291436" defTabSz="932597">
+              <a:buFont typeface="Arial" panose="020B0604020202020204" pitchFamily="34" charset="0"/>
+              <a:buChar char="•"/>
+            </a:pPr>
+            <a:r>
+              <a:rPr lang="en-AU" sz="1428" kern="0" dirty="0">
+                <a:solidFill>
+                  <a:schemeClr val="tx1"/>
+                </a:solidFill>
+              </a:rPr>
+              <a:t>Cloud Cost Optimisation – Azure - AGL</a:t>
+            </a:r>
+          </a:p>
+          <a:p>
+            <a:pPr marL="291436" indent="-291436" defTabSz="932597">
+              <a:buFont typeface="Arial" panose="020B0604020202020204" pitchFamily="34" charset="0"/>
+              <a:buChar char="•"/>
+            </a:pPr>
+            <a:r>
+              <a:rPr lang="en-AU" sz="1428" kern="0" dirty="0">
+                <a:solidFill>
+                  <a:schemeClr val="tx1"/>
+                </a:solidFill>
+              </a:rPr>
+              <a:t>IAM Uplift – Azure - AGL Energy</a:t>
+            </a:r>
+          </a:p>
+          <a:p>
+            <a:pPr marL="291436" indent="-291436" defTabSz="932597">
+              <a:buFont typeface="Arial" panose="020B0604020202020204" pitchFamily="34" charset="0"/>
+              <a:buChar char="•"/>
+            </a:pPr>
+            <a:r>
+              <a:rPr lang="en-AU" sz="1428" kern="0" dirty="0">
+                <a:solidFill>
+                  <a:schemeClr val="tx1"/>
+                </a:solidFill>
+              </a:rPr>
+              <a:t>CyberArk Migration – Azure – AGL</a:t>
+            </a:r>
+          </a:p>
+          <a:p>
+            <a:pPr marL="291436" indent="-291436" defTabSz="932597">
+              <a:buFont typeface="Arial" panose="020B0604020202020204" pitchFamily="34" charset="0"/>
+              <a:buChar char="•"/>
+            </a:pPr>
+            <a:r>
+              <a:rPr lang="en-AU" sz="1428" kern="0" dirty="0" err="1">
+                <a:solidFill>
+                  <a:schemeClr val="tx1"/>
+                </a:solidFill>
+              </a:rPr>
+              <a:t>Axway</a:t>
+            </a:r>
+            <a:r>
+              <a:rPr lang="en-AU" sz="1428" kern="0" dirty="0">
+                <a:solidFill>
+                  <a:schemeClr val="tx1"/>
+                </a:solidFill>
+              </a:rPr>
+              <a:t> MFT Migration – Azure – AGL</a:t>
+            </a:r>
+          </a:p>
+          <a:p>
+            <a:pPr marL="291436" indent="-291436" defTabSz="932597">
+              <a:buFont typeface="Arial" panose="020B0604020202020204" pitchFamily="34" charset="0"/>
+              <a:buChar char="•"/>
+            </a:pPr>
+            <a:r>
+              <a:rPr lang="en-AU" sz="1428" kern="0" dirty="0">
+                <a:solidFill>
+                  <a:schemeClr val="tx1"/>
+                </a:solidFill>
+              </a:rPr>
+              <a:t>Azure Virtual Desktop – Azure – AGL</a:t>
+            </a:r>
+          </a:p>
+          <a:p>
+            <a:pPr marL="291436" indent="-291436" defTabSz="932597">
+              <a:buFont typeface="Arial" panose="020B0604020202020204" pitchFamily="34" charset="0"/>
+              <a:buChar char="•"/>
+            </a:pPr>
+            <a:r>
+              <a:rPr lang="en-AU" sz="1428" kern="0" dirty="0">
+                <a:solidFill>
+                  <a:schemeClr val="tx1"/>
+                </a:solidFill>
+              </a:rPr>
+              <a:t>Cloud Identity Strategy – AGL</a:t>
+            </a:r>
+          </a:p>
+          <a:p>
+            <a:pPr marL="291436" indent="-291436" defTabSz="932597">
+              <a:buFont typeface="Arial" panose="020B0604020202020204" pitchFamily="34" charset="0"/>
+              <a:buChar char="•"/>
+            </a:pPr>
+            <a:r>
+              <a:rPr lang="en-AU" sz="1428" kern="0" dirty="0">
+                <a:solidFill>
+                  <a:schemeClr val="tx1"/>
+                </a:solidFill>
+              </a:rPr>
+              <a:t>VMWare on AWS- NAB Bank</a:t>
+            </a:r>
+          </a:p>
+          <a:p>
+            <a:pPr marL="291436" indent="-291436" defTabSz="932597">
+              <a:buFont typeface="Arial" panose="020B0604020202020204" pitchFamily="34" charset="0"/>
+              <a:buChar char="•"/>
+            </a:pPr>
+            <a:r>
+              <a:rPr lang="en-AU" sz="1428" kern="0" dirty="0">
+                <a:solidFill>
+                  <a:schemeClr val="tx1"/>
+                </a:solidFill>
+              </a:rPr>
+              <a:t>AD Legacy Decommission – NAB</a:t>
+            </a:r>
+          </a:p>
+          <a:p>
+            <a:pPr marL="291436" indent="-291436" defTabSz="932597">
+              <a:buFont typeface="Arial" panose="020B0604020202020204" pitchFamily="34" charset="0"/>
+              <a:buChar char="•"/>
+            </a:pPr>
+            <a:r>
+              <a:rPr lang="en-AU" sz="1428" kern="0" dirty="0">
+                <a:solidFill>
+                  <a:schemeClr val="tx1"/>
+                </a:solidFill>
+              </a:rPr>
+              <a:t>DB Insourcing – NAB</a:t>
+            </a:r>
+          </a:p>
+          <a:p>
+            <a:pPr marL="291436" indent="-291436" defTabSz="932597">
+              <a:buFont typeface="Arial" panose="020B0604020202020204" pitchFamily="34" charset="0"/>
+              <a:buChar char="•"/>
+            </a:pPr>
+            <a:r>
+              <a:rPr lang="en-AU" sz="1428" kern="0" dirty="0">
+                <a:solidFill>
+                  <a:schemeClr val="tx1"/>
+                </a:solidFill>
+              </a:rPr>
+              <a:t>Cloud Architecture Patterns – Azure &amp; AWS – AGL and ANZ Bank</a:t>
+            </a:r>
+          </a:p>
+        </p:txBody>
+      </p:sp>
+      <p:sp>
+        <p:nvSpPr>
+          <p:cNvPr id="4" name="Oval 3">
+            <a:extLst>
+              <a:ext uri="{FF2B5EF4-FFF2-40B4-BE49-F238E27FC236}">
+                <a16:creationId xmlns:a16="http://schemas.microsoft.com/office/drawing/2014/main" id="{DD7F61B7-6260-481F-A7EE-666C0C30E9D5}"/>
+              </a:ext>
+            </a:extLst>
+          </p:cNvPr>
+          <p:cNvSpPr/>
+          <p:nvPr/>
+        </p:nvSpPr>
+        <p:spPr>
+          <a:xfrm>
+            <a:off x="2984793" y="837583"/>
+            <a:ext cx="345473" cy="345473"/>
+          </a:xfrm>
+          <a:prstGeom prst="ellipse">
+            <a:avLst/>
+          </a:prstGeom>
+          <a:solidFill>
+            <a:schemeClr val="accent1"/>
+          </a:solidFill>
+          <a:ln>
+            <a:noFill/>
+          </a:ln>
+          <a:effectLst/>
+        </p:spPr>
+        <p:style>
+          <a:lnRef idx="1">
+            <a:schemeClr val="accent1"/>
+          </a:lnRef>
+          <a:fillRef idx="3">
+            <a:schemeClr val="accent1"/>
+          </a:fillRef>
+          <a:effectRef idx="2">
+            <a:schemeClr val="accent1"/>
+          </a:effectRef>
+          <a:fontRef idx="minor">
+            <a:schemeClr val="lt1"/>
+          </a:fontRef>
+        </p:style>
+        <p:txBody>
+          <a:bodyPr rtlCol="0" anchor="ctr"/>
+          <a:lstStyle/>
+          <a:p>
+            <a:pPr algn="ctr"/>
+            <a:r>
+              <a:rPr lang="en-AU" sz="1428" b="1" dirty="0">
+                <a:solidFill>
+                  <a:schemeClr val="tx1"/>
+                </a:solidFill>
+              </a:rPr>
+              <a:t>1</a:t>
+            </a:r>
+            <a:endParaRPr lang="en-AU" sz="1873" b="1" dirty="0">
+              <a:solidFill>
+                <a:schemeClr val="tx1"/>
+              </a:solidFill>
+            </a:endParaRPr>
+          </a:p>
+        </p:txBody>
+      </p:sp>
+      <p:sp>
+        <p:nvSpPr>
+          <p:cNvPr id="26" name="TextBox 25">
+            <a:extLst>
+              <a:ext uri="{FF2B5EF4-FFF2-40B4-BE49-F238E27FC236}">
+                <a16:creationId xmlns:a16="http://schemas.microsoft.com/office/drawing/2014/main" id="{9996F210-5CB5-46FB-B486-50F1C8644744}"/>
+              </a:ext>
+            </a:extLst>
+          </p:cNvPr>
+          <p:cNvSpPr txBox="1"/>
+          <p:nvPr/>
+        </p:nvSpPr>
+        <p:spPr>
+          <a:xfrm>
+            <a:off x="3374740" y="861211"/>
+            <a:ext cx="2720093" cy="318286"/>
+          </a:xfrm>
+          <a:prstGeom prst="rect">
+            <a:avLst/>
+          </a:prstGeom>
+          <a:noFill/>
+        </p:spPr>
+        <p:txBody>
+          <a:bodyPr wrap="square">
+            <a:spAutoFit/>
+          </a:bodyPr>
+          <a:lstStyle/>
+          <a:p>
+            <a:r>
+              <a:rPr lang="en-AU" sz="1428" b="1" dirty="0"/>
+              <a:t>Current Engagement</a:t>
+            </a:r>
+          </a:p>
+        </p:txBody>
+      </p:sp>
+      <p:sp>
+        <p:nvSpPr>
+          <p:cNvPr id="27" name="Oval 26">
+            <a:extLst>
+              <a:ext uri="{FF2B5EF4-FFF2-40B4-BE49-F238E27FC236}">
+                <a16:creationId xmlns:a16="http://schemas.microsoft.com/office/drawing/2014/main" id="{BF4BEB52-7D40-4738-A185-B982422F6F5F}"/>
+              </a:ext>
+            </a:extLst>
+          </p:cNvPr>
+          <p:cNvSpPr/>
+          <p:nvPr/>
+        </p:nvSpPr>
+        <p:spPr>
+          <a:xfrm>
+            <a:off x="2984793" y="2320045"/>
+            <a:ext cx="345473" cy="345473"/>
+          </a:xfrm>
+          <a:prstGeom prst="ellipse">
+            <a:avLst/>
+          </a:prstGeom>
+          <a:solidFill>
+            <a:schemeClr val="accent1"/>
+          </a:solidFill>
+          <a:ln>
+            <a:noFill/>
+          </a:ln>
+          <a:effectLst/>
+        </p:spPr>
+        <p:style>
+          <a:lnRef idx="1">
+            <a:schemeClr val="accent1"/>
+          </a:lnRef>
+          <a:fillRef idx="3">
+            <a:schemeClr val="accent1"/>
+          </a:fillRef>
+          <a:effectRef idx="2">
+            <a:schemeClr val="accent1"/>
+          </a:effectRef>
+          <a:fontRef idx="minor">
+            <a:schemeClr val="lt1"/>
+          </a:fontRef>
+        </p:style>
+        <p:txBody>
+          <a:bodyPr rtlCol="0" anchor="ctr"/>
+          <a:lstStyle/>
+          <a:p>
+            <a:pPr algn="ctr"/>
+            <a:r>
+              <a:rPr lang="en-AU" sz="1428" b="1" dirty="0">
+                <a:solidFill>
+                  <a:schemeClr val="tx1"/>
+                </a:solidFill>
+              </a:rPr>
+              <a:t>2</a:t>
+            </a:r>
+            <a:endParaRPr lang="en-AU" sz="1873" b="1" dirty="0">
+              <a:solidFill>
+                <a:schemeClr val="tx1"/>
+              </a:solidFill>
+            </a:endParaRPr>
+          </a:p>
+        </p:txBody>
+      </p:sp>
+      <p:sp>
+        <p:nvSpPr>
+          <p:cNvPr id="29" name="TextBox 28">
+            <a:extLst>
+              <a:ext uri="{FF2B5EF4-FFF2-40B4-BE49-F238E27FC236}">
+                <a16:creationId xmlns:a16="http://schemas.microsoft.com/office/drawing/2014/main" id="{C71CCC8E-6B1E-4BFC-95E7-7A8FE95FB955}"/>
+              </a:ext>
+            </a:extLst>
+          </p:cNvPr>
+          <p:cNvSpPr txBox="1"/>
+          <p:nvPr/>
+        </p:nvSpPr>
+        <p:spPr>
+          <a:xfrm>
+            <a:off x="3284579" y="2326370"/>
+            <a:ext cx="2720093" cy="318286"/>
+          </a:xfrm>
+          <a:prstGeom prst="rect">
+            <a:avLst/>
+          </a:prstGeom>
+          <a:noFill/>
+        </p:spPr>
+        <p:txBody>
+          <a:bodyPr wrap="square">
+            <a:spAutoFit/>
+          </a:bodyPr>
+          <a:lstStyle/>
+          <a:p>
+            <a:r>
+              <a:rPr lang="en-AU" sz="1428" b="1" dirty="0"/>
+              <a:t>Previous Engagements</a:t>
+            </a:r>
+          </a:p>
+        </p:txBody>
+      </p:sp>
+      <p:sp>
+        <p:nvSpPr>
+          <p:cNvPr id="31" name="Oval 30">
+            <a:extLst>
+              <a:ext uri="{FF2B5EF4-FFF2-40B4-BE49-F238E27FC236}">
+                <a16:creationId xmlns:a16="http://schemas.microsoft.com/office/drawing/2014/main" id="{7E24E7E0-2E88-4D66-B3DC-5E508AFC3AF3}"/>
+              </a:ext>
+            </a:extLst>
+          </p:cNvPr>
+          <p:cNvSpPr/>
+          <p:nvPr/>
+        </p:nvSpPr>
+        <p:spPr>
+          <a:xfrm>
+            <a:off x="2984793" y="5204151"/>
+            <a:ext cx="345473" cy="345473"/>
+          </a:xfrm>
+          <a:prstGeom prst="ellipse">
+            <a:avLst/>
+          </a:prstGeom>
+          <a:solidFill>
+            <a:schemeClr val="accent1"/>
+          </a:solidFill>
+          <a:ln>
+            <a:noFill/>
+          </a:ln>
+          <a:effectLst/>
+        </p:spPr>
+        <p:style>
+          <a:lnRef idx="1">
+            <a:schemeClr val="accent1"/>
+          </a:lnRef>
+          <a:fillRef idx="3">
+            <a:schemeClr val="accent1"/>
+          </a:fillRef>
+          <a:effectRef idx="2">
+            <a:schemeClr val="accent1"/>
+          </a:effectRef>
+          <a:fontRef idx="minor">
+            <a:schemeClr val="lt1"/>
+          </a:fontRef>
+        </p:style>
+        <p:txBody>
+          <a:bodyPr rtlCol="0" anchor="ctr"/>
+          <a:lstStyle/>
+          <a:p>
+            <a:pPr algn="ctr"/>
+            <a:r>
+              <a:rPr lang="en-AU" sz="1428" b="1" dirty="0">
+                <a:solidFill>
+                  <a:schemeClr val="tx1"/>
+                </a:solidFill>
+              </a:rPr>
+              <a:t>3</a:t>
+            </a:r>
+            <a:endParaRPr lang="en-AU" sz="1873" b="1" dirty="0">
+              <a:solidFill>
+                <a:schemeClr val="tx1"/>
+              </a:solidFill>
+            </a:endParaRPr>
+          </a:p>
+        </p:txBody>
+      </p:sp>
+      <p:sp>
+        <p:nvSpPr>
+          <p:cNvPr id="32" name="TextBox 31">
+            <a:extLst>
+              <a:ext uri="{FF2B5EF4-FFF2-40B4-BE49-F238E27FC236}">
+                <a16:creationId xmlns:a16="http://schemas.microsoft.com/office/drawing/2014/main" id="{D8EFF8DC-1DD7-442F-8039-AB0D486BD52D}"/>
+              </a:ext>
+            </a:extLst>
+          </p:cNvPr>
+          <p:cNvSpPr txBox="1"/>
+          <p:nvPr/>
+        </p:nvSpPr>
+        <p:spPr>
+          <a:xfrm>
+            <a:off x="3340830" y="5210475"/>
+            <a:ext cx="2720093" cy="318286"/>
+          </a:xfrm>
+          <a:prstGeom prst="rect">
+            <a:avLst/>
+          </a:prstGeom>
+          <a:noFill/>
+        </p:spPr>
+        <p:txBody>
+          <a:bodyPr wrap="square">
+            <a:spAutoFit/>
+          </a:bodyPr>
+          <a:lstStyle/>
+          <a:p>
+            <a:r>
+              <a:rPr lang="en-AU" sz="1428" b="1" dirty="0"/>
+              <a:t>Professional Certifications</a:t>
+            </a:r>
+          </a:p>
+        </p:txBody>
+      </p:sp>
+      <p:sp>
+        <p:nvSpPr>
+          <p:cNvPr id="41" name="Oval 40">
+            <a:extLst>
+              <a:ext uri="{FF2B5EF4-FFF2-40B4-BE49-F238E27FC236}">
+                <a16:creationId xmlns:a16="http://schemas.microsoft.com/office/drawing/2014/main" id="{372D9CC4-D37E-4D3C-9BAE-903977E84814}"/>
+              </a:ext>
+            </a:extLst>
+          </p:cNvPr>
+          <p:cNvSpPr/>
+          <p:nvPr/>
+        </p:nvSpPr>
+        <p:spPr>
+          <a:xfrm>
+            <a:off x="8420700" y="866600"/>
+            <a:ext cx="345473" cy="345473"/>
+          </a:xfrm>
+          <a:prstGeom prst="ellipse">
+            <a:avLst/>
+          </a:prstGeom>
+          <a:solidFill>
+            <a:schemeClr val="accent1"/>
+          </a:solidFill>
+          <a:ln>
+            <a:noFill/>
+          </a:ln>
+          <a:effectLst/>
+        </p:spPr>
+        <p:style>
+          <a:lnRef idx="1">
+            <a:schemeClr val="accent1"/>
+          </a:lnRef>
+          <a:fillRef idx="3">
+            <a:schemeClr val="accent1"/>
+          </a:fillRef>
+          <a:effectRef idx="2">
+            <a:schemeClr val="accent1"/>
+          </a:effectRef>
+          <a:fontRef idx="minor">
+            <a:schemeClr val="lt1"/>
+          </a:fontRef>
+        </p:style>
+        <p:txBody>
+          <a:bodyPr rtlCol="0" anchor="ctr"/>
+          <a:lstStyle/>
+          <a:p>
+            <a:pPr algn="ctr"/>
+            <a:r>
+              <a:rPr lang="en-AU" sz="1428" b="1" dirty="0"/>
+              <a:t>4</a:t>
+            </a:r>
+            <a:endParaRPr lang="en-AU" sz="1873" b="1" dirty="0"/>
+          </a:p>
+        </p:txBody>
+      </p:sp>
+      <p:sp>
+        <p:nvSpPr>
+          <p:cNvPr id="42" name="TextBox 41">
+            <a:extLst>
+              <a:ext uri="{FF2B5EF4-FFF2-40B4-BE49-F238E27FC236}">
+                <a16:creationId xmlns:a16="http://schemas.microsoft.com/office/drawing/2014/main" id="{2901B53F-B9D2-4187-9B2F-7060DC339C68}"/>
+              </a:ext>
+            </a:extLst>
+          </p:cNvPr>
+          <p:cNvSpPr txBox="1"/>
+          <p:nvPr/>
+        </p:nvSpPr>
+        <p:spPr>
+          <a:xfrm>
+            <a:off x="8822123" y="861211"/>
+            <a:ext cx="3207729" cy="318286"/>
+          </a:xfrm>
+          <a:prstGeom prst="rect">
+            <a:avLst/>
+          </a:prstGeom>
+          <a:noFill/>
+        </p:spPr>
+        <p:txBody>
+          <a:bodyPr wrap="square">
+            <a:spAutoFit/>
+          </a:bodyPr>
+          <a:lstStyle/>
+          <a:p>
+            <a:r>
+              <a:rPr lang="en-AU" sz="1428" b="1" dirty="0"/>
+              <a:t>Cloud and Infrastructure Projects:</a:t>
+            </a:r>
+          </a:p>
+        </p:txBody>
+      </p:sp>
+      <p:sp>
+        <p:nvSpPr>
+          <p:cNvPr id="45" name="TextBox 44">
+            <a:extLst>
+              <a:ext uri="{FF2B5EF4-FFF2-40B4-BE49-F238E27FC236}">
+                <a16:creationId xmlns:a16="http://schemas.microsoft.com/office/drawing/2014/main" id="{BEACEA57-911F-420C-BB3A-18C48DB68BAB}"/>
+              </a:ext>
+            </a:extLst>
+          </p:cNvPr>
+          <p:cNvSpPr txBox="1"/>
+          <p:nvPr/>
+        </p:nvSpPr>
+        <p:spPr>
+          <a:xfrm>
+            <a:off x="4060549" y="4495521"/>
+            <a:ext cx="1240181" cy="446397"/>
+          </a:xfrm>
+          <a:prstGeom prst="rect">
+            <a:avLst/>
+          </a:prstGeom>
+          <a:noFill/>
+        </p:spPr>
+        <p:txBody>
+          <a:bodyPr wrap="square">
+            <a:spAutoFit/>
+          </a:bodyPr>
+          <a:lstStyle/>
+          <a:p>
+            <a:pPr algn="ctr"/>
+            <a:r>
+              <a:rPr lang="en-AU" sz="1122" b="1" dirty="0"/>
+              <a:t>Cloud, Infra and Workplace</a:t>
+            </a:r>
+          </a:p>
+        </p:txBody>
+      </p:sp>
+      <p:pic>
+        <p:nvPicPr>
+          <p:cNvPr id="6" name="Picture 5" descr="Graphical user interface&#10;&#10;Description automatically generated with medium confidence">
+            <a:extLst>
+              <a:ext uri="{FF2B5EF4-FFF2-40B4-BE49-F238E27FC236}">
+                <a16:creationId xmlns:a16="http://schemas.microsoft.com/office/drawing/2014/main" id="{38ADCF65-1309-8273-4685-BF5D450B4DB8}"/>
+              </a:ext>
+            </a:extLst>
+          </p:cNvPr>
+          <p:cNvPicPr>
+            <a:picLocks noChangeAspect="1"/>
+          </p:cNvPicPr>
+          <p:nvPr/>
+        </p:nvPicPr>
+        <p:blipFill>
+          <a:blip r:embed="rId14"/>
+          <a:stretch>
+            <a:fillRect/>
+          </a:stretch>
+        </p:blipFill>
+        <p:spPr>
+          <a:xfrm>
+            <a:off x="3061547" y="1197016"/>
+            <a:ext cx="2875800" cy="643924"/>
+          </a:xfrm>
+          <a:prstGeom prst="rect">
+            <a:avLst/>
+          </a:prstGeom>
+        </p:spPr>
+      </p:pic>
+      <p:sp>
+        <p:nvSpPr>
+          <p:cNvPr id="7" name="TextBox 6">
+            <a:extLst>
+              <a:ext uri="{FF2B5EF4-FFF2-40B4-BE49-F238E27FC236}">
+                <a16:creationId xmlns:a16="http://schemas.microsoft.com/office/drawing/2014/main" id="{98D02013-53AE-6B39-4B9B-C81C24301003}"/>
+              </a:ext>
+            </a:extLst>
+          </p:cNvPr>
+          <p:cNvSpPr txBox="1"/>
+          <p:nvPr/>
+        </p:nvSpPr>
+        <p:spPr>
+          <a:xfrm>
+            <a:off x="3139401" y="1882246"/>
+            <a:ext cx="2720093" cy="270285"/>
+          </a:xfrm>
+          <a:prstGeom prst="rect">
+            <a:avLst/>
+          </a:prstGeom>
+          <a:noFill/>
+        </p:spPr>
+        <p:txBody>
+          <a:bodyPr wrap="square">
+            <a:spAutoFit/>
+          </a:bodyPr>
+          <a:lstStyle/>
+          <a:p>
+            <a:pPr algn="ctr"/>
+            <a:r>
+              <a:rPr lang="en-AU" sz="1122" dirty="0"/>
+              <a:t>Cloud Solution Architect</a:t>
+            </a:r>
+          </a:p>
+        </p:txBody>
+      </p:sp>
+      <p:pic>
+        <p:nvPicPr>
+          <p:cNvPr id="8" name="Picture 7">
+            <a:extLst>
+              <a:ext uri="{FF2B5EF4-FFF2-40B4-BE49-F238E27FC236}">
+                <a16:creationId xmlns:a16="http://schemas.microsoft.com/office/drawing/2014/main" id="{C156C78F-6DE0-90BD-C116-5F567CB1B122}"/>
+              </a:ext>
+            </a:extLst>
+          </p:cNvPr>
+          <p:cNvPicPr>
+            <a:picLocks noChangeAspect="1"/>
+          </p:cNvPicPr>
+          <p:nvPr/>
+        </p:nvPicPr>
+        <p:blipFill>
+          <a:blip r:embed="rId6"/>
+          <a:stretch>
+            <a:fillRect/>
+          </a:stretch>
+        </p:blipFill>
+        <p:spPr>
+          <a:xfrm>
+            <a:off x="6560476" y="1321188"/>
+            <a:ext cx="431288" cy="489079"/>
+          </a:xfrm>
+          <a:prstGeom prst="rect">
+            <a:avLst/>
+          </a:prstGeom>
+        </p:spPr>
+      </p:pic>
+      <p:sp>
+        <p:nvSpPr>
+          <p:cNvPr id="9" name="TextBox 8">
+            <a:extLst>
+              <a:ext uri="{FF2B5EF4-FFF2-40B4-BE49-F238E27FC236}">
+                <a16:creationId xmlns:a16="http://schemas.microsoft.com/office/drawing/2014/main" id="{7E8FA845-8CFC-6E1A-845C-7D476FD88D1D}"/>
+              </a:ext>
+            </a:extLst>
+          </p:cNvPr>
+          <p:cNvSpPr txBox="1"/>
+          <p:nvPr/>
+        </p:nvSpPr>
+        <p:spPr>
+          <a:xfrm>
+            <a:off x="6358314" y="1888403"/>
+            <a:ext cx="837304" cy="270285"/>
+          </a:xfrm>
+          <a:prstGeom prst="rect">
+            <a:avLst/>
+          </a:prstGeom>
+          <a:noFill/>
+        </p:spPr>
+        <p:txBody>
+          <a:bodyPr wrap="square">
+            <a:spAutoFit/>
+          </a:bodyPr>
+          <a:lstStyle/>
+          <a:p>
+            <a:pPr algn="ctr"/>
+            <a:r>
+              <a:rPr lang="en-AU" sz="1122" dirty="0"/>
+              <a:t>Telstra</a:t>
+            </a:r>
+          </a:p>
+        </p:txBody>
+      </p:sp>
+      <p:pic>
+        <p:nvPicPr>
+          <p:cNvPr id="10" name="Picture 2">
+            <a:extLst>
+              <a:ext uri="{FF2B5EF4-FFF2-40B4-BE49-F238E27FC236}">
+                <a16:creationId xmlns:a16="http://schemas.microsoft.com/office/drawing/2014/main" id="{6669D857-689B-E494-6D88-2BFC7F84E6ED}"/>
+              </a:ext>
+            </a:extLst>
+          </p:cNvPr>
+          <p:cNvPicPr>
+            <a:picLocks noChangeAspect="1" noChangeArrowheads="1"/>
+          </p:cNvPicPr>
+          <p:nvPr/>
+        </p:nvPicPr>
+        <p:blipFill>
+          <a:blip r:embed="rId15">
+            <a:extLst>
+              <a:ext uri="{28A0092B-C50C-407E-A947-70E740481C1C}">
+                <a14:useLocalDpi xmlns:a14="http://schemas.microsoft.com/office/drawing/2010/main" val="0"/>
+              </a:ext>
+            </a:extLst>
+          </a:blip>
+          <a:srcRect/>
+          <a:stretch>
+            <a:fillRect/>
+          </a:stretch>
+        </p:blipFill>
+        <p:spPr bwMode="auto">
+          <a:xfrm>
+            <a:off x="5538508" y="5598135"/>
+            <a:ext cx="995234" cy="995234"/>
+          </a:xfrm>
+          <a:prstGeom prst="rect">
+            <a:avLst/>
+          </a:prstGeom>
+          <a:noFill/>
+          <a:extLst>
+            <a:ext uri="{909E8E84-426E-40DD-AFC4-6F175D3DCCD1}">
+              <a14:hiddenFill xmlns:a14="http://schemas.microsoft.com/office/drawing/2010/main">
+                <a:solidFill>
+                  <a:srgbClr val="FFFFFF"/>
+                </a:solidFill>
+              </a14:hiddenFill>
+            </a:ext>
+          </a:extLst>
+        </p:spPr>
+      </p:pic>
+      <p:pic>
+        <p:nvPicPr>
+          <p:cNvPr id="11" name="Content Placeholder 24">
+            <a:extLst>
+              <a:ext uri="{FF2B5EF4-FFF2-40B4-BE49-F238E27FC236}">
+                <a16:creationId xmlns:a16="http://schemas.microsoft.com/office/drawing/2014/main" id="{F5A86E78-6CB2-59DC-32E4-B71C16E44C3B}"/>
+              </a:ext>
+            </a:extLst>
+          </p:cNvPr>
+          <p:cNvPicPr>
+            <a:picLocks noGrp="1" noChangeAspect="1"/>
+          </p:cNvPicPr>
+          <p:nvPr>
+            <p:ph sz="quarter" idx="13"/>
+          </p:nvPr>
+        </p:nvPicPr>
+        <p:blipFill>
+          <a:blip r:embed="rId16"/>
+          <a:stretch>
+            <a:fillRect/>
+          </a:stretch>
+        </p:blipFill>
+        <p:spPr>
+          <a:xfrm>
+            <a:off x="900141" y="1880591"/>
+            <a:ext cx="1295400" cy="3476625"/>
+          </a:xfrm>
+        </p:spPr>
+      </p:pic>
+    </p:spTree>
+  </p:cSld>
+  <p:clrMapOvr>
+    <a:masterClrMapping/>
+  </p:clrMapOvr>
+</p:sld>
+</file>
+
+<file path=ppt/slides/slide3.xml><?xml version="1.0" encoding="utf-8"?>
+<p:sld xmlns:a="http://schemas.openxmlformats.org/drawingml/2006/main" xmlns:r="http://schemas.openxmlformats.org/officeDocument/2006/relationships" xmlns:p="http://schemas.openxmlformats.org/presentationml/2006/main">
+  <p:cSld>
+    <p:spTree>
+      <p:nvGrpSpPr>
+        <p:cNvPr id="1" name=""/>
+        <p:cNvGrpSpPr/>
+        <p:nvPr/>
+      </p:nvGrpSpPr>
+      <p:grpSpPr>
+        <a:xfrm>
+          <a:off x="0" y="0"/>
+          <a:ext cx="0" cy="0"/>
+          <a:chOff x="0" y="0"/>
+          <a:chExt cx="0" cy="0"/>
+        </a:xfrm>
+      </p:grpSpPr>
+      <p:sp>
+        <p:nvSpPr>
+          <p:cNvPr id="2" name="Title 1">
+            <a:extLst>
+              <a:ext uri="{FF2B5EF4-FFF2-40B4-BE49-F238E27FC236}">
+                <a16:creationId xmlns:a16="http://schemas.microsoft.com/office/drawing/2014/main" id="{7E4E48D5-FF1B-4751-A337-25798068C5E5}"/>
+              </a:ext>
+            </a:extLst>
+          </p:cNvPr>
+          <p:cNvSpPr>
+            <a:spLocks noGrp="1"/>
+          </p:cNvSpPr>
+          <p:nvPr>
+            <p:ph type="title"/>
+          </p:nvPr>
+        </p:nvSpPr>
+        <p:spPr/>
+        <p:txBody>
+          <a:bodyPr anchor="b">
+            <a:normAutofit/>
+          </a:bodyPr>
+          <a:lstStyle/>
+          <a:p>
+            <a:r>
+              <a:rPr lang="en-GB" dirty="0"/>
+              <a:t>Agenda</a:t>
+            </a:r>
+            <a:endParaRPr lang="LID4096" dirty="0"/>
+          </a:p>
+        </p:txBody>
+      </p:sp>
+      <p:sp>
+        <p:nvSpPr>
+          <p:cNvPr id="3" name="Text Placeholder 9">
+            <a:extLst>
+              <a:ext uri="{FF2B5EF4-FFF2-40B4-BE49-F238E27FC236}">
+                <a16:creationId xmlns:a16="http://schemas.microsoft.com/office/drawing/2014/main" id="{F6A33E74-FB03-A545-6398-22C115BAE912}"/>
+              </a:ext>
+            </a:extLst>
+          </p:cNvPr>
+          <p:cNvSpPr txBox="1">
+            <a:spLocks/>
+          </p:cNvSpPr>
+          <p:nvPr/>
+        </p:nvSpPr>
+        <p:spPr>
+          <a:xfrm>
+            <a:off x="339724" y="1693258"/>
+            <a:ext cx="10620801" cy="4726591"/>
+          </a:xfrm>
+        </p:spPr>
+        <p:txBody>
+          <a:bodyPr/>
+          <a:lstStyle>
+            <a:defPPr>
+              <a:defRPr lang="en-US"/>
+            </a:defPPr>
+            <a:lvl1pPr marL="0" algn="l" defTabSz="932688" rtl="0" eaLnBrk="1" latinLnBrk="0" hangingPunct="1">
+              <a:defRPr sz="1836" kern="1200">
+                <a:solidFill>
+                  <a:schemeClr val="tx1"/>
+                </a:solidFill>
+                <a:latin typeface="+mn-lt"/>
+                <a:ea typeface="+mn-ea"/>
+                <a:cs typeface="+mn-cs"/>
+              </a:defRPr>
+            </a:lvl1pPr>
+            <a:lvl2pPr marL="466344" algn="l" defTabSz="932688" rtl="0" eaLnBrk="1" latinLnBrk="0" hangingPunct="1">
+              <a:defRPr sz="1836" kern="1200">
+                <a:solidFill>
+                  <a:schemeClr val="tx1"/>
+                </a:solidFill>
+                <a:latin typeface="+mn-lt"/>
+                <a:ea typeface="+mn-ea"/>
+                <a:cs typeface="+mn-cs"/>
+              </a:defRPr>
+            </a:lvl2pPr>
+            <a:lvl3pPr marL="932688" algn="l" defTabSz="932688" rtl="0" eaLnBrk="1" latinLnBrk="0" hangingPunct="1">
+              <a:defRPr sz="1836" kern="1200">
+                <a:solidFill>
+                  <a:schemeClr val="tx1"/>
+                </a:solidFill>
+                <a:latin typeface="+mn-lt"/>
+                <a:ea typeface="+mn-ea"/>
+                <a:cs typeface="+mn-cs"/>
+              </a:defRPr>
+            </a:lvl3pPr>
+            <a:lvl4pPr marL="1399032" algn="l" defTabSz="932688" rtl="0" eaLnBrk="1" latinLnBrk="0" hangingPunct="1">
+              <a:defRPr sz="1836" kern="1200">
+                <a:solidFill>
+                  <a:schemeClr val="tx1"/>
+                </a:solidFill>
+                <a:latin typeface="+mn-lt"/>
+                <a:ea typeface="+mn-ea"/>
+                <a:cs typeface="+mn-cs"/>
+              </a:defRPr>
+            </a:lvl4pPr>
+            <a:lvl5pPr marL="1865376" algn="l" defTabSz="932688" rtl="0" eaLnBrk="1" latinLnBrk="0" hangingPunct="1">
+              <a:defRPr sz="1836" kern="1200">
+                <a:solidFill>
+                  <a:schemeClr val="tx1"/>
+                </a:solidFill>
+                <a:latin typeface="+mn-lt"/>
+                <a:ea typeface="+mn-ea"/>
+                <a:cs typeface="+mn-cs"/>
+              </a:defRPr>
+            </a:lvl5pPr>
+            <a:lvl6pPr marL="2331720" algn="l" defTabSz="932688" rtl="0" eaLnBrk="1" latinLnBrk="0" hangingPunct="1">
+              <a:defRPr sz="1836" kern="1200">
+                <a:solidFill>
+                  <a:schemeClr val="tx1"/>
+                </a:solidFill>
+                <a:latin typeface="+mn-lt"/>
+                <a:ea typeface="+mn-ea"/>
+                <a:cs typeface="+mn-cs"/>
+              </a:defRPr>
+            </a:lvl6pPr>
+            <a:lvl7pPr marL="2798064" algn="l" defTabSz="932688" rtl="0" eaLnBrk="1" latinLnBrk="0" hangingPunct="1">
+              <a:defRPr sz="1836" kern="1200">
+                <a:solidFill>
+                  <a:schemeClr val="tx1"/>
+                </a:solidFill>
+                <a:latin typeface="+mn-lt"/>
+                <a:ea typeface="+mn-ea"/>
+                <a:cs typeface="+mn-cs"/>
+              </a:defRPr>
+            </a:lvl7pPr>
+            <a:lvl8pPr marL="3264408" algn="l" defTabSz="932688" rtl="0" eaLnBrk="1" latinLnBrk="0" hangingPunct="1">
+              <a:defRPr sz="1836" kern="1200">
+                <a:solidFill>
+                  <a:schemeClr val="tx1"/>
+                </a:solidFill>
+                <a:latin typeface="+mn-lt"/>
+                <a:ea typeface="+mn-ea"/>
+                <a:cs typeface="+mn-cs"/>
+              </a:defRPr>
+            </a:lvl8pPr>
+            <a:lvl9pPr marL="3730752" algn="l" defTabSz="932688" rtl="0" eaLnBrk="1" latinLnBrk="0" hangingPunct="1">
+              <a:defRPr sz="1836" kern="1200">
+                <a:solidFill>
+                  <a:schemeClr val="tx1"/>
+                </a:solidFill>
+                <a:latin typeface="+mn-lt"/>
+                <a:ea typeface="+mn-ea"/>
+                <a:cs typeface="+mn-cs"/>
+              </a:defRPr>
+            </a:lvl9pPr>
+          </a:lstStyle>
+          <a:p>
+            <a:pPr marL="457200" lvl="1">
+              <a:lnSpc>
+                <a:spcPct val="114000"/>
+              </a:lnSpc>
+              <a:spcBef>
+                <a:spcPts val="600"/>
+              </a:spcBef>
+            </a:pPr>
+            <a:r>
+              <a:rPr lang="en-GB" sz="1400" b="1" dirty="0"/>
+              <a:t>Part I: Theory</a:t>
+            </a:r>
+          </a:p>
+          <a:p>
+            <a:pPr marL="742950" lvl="1" indent="-285750">
+              <a:lnSpc>
+                <a:spcPct val="114000"/>
+              </a:lnSpc>
+              <a:spcBef>
+                <a:spcPts val="600"/>
+              </a:spcBef>
+              <a:buFont typeface="Arial" panose="020B0604020202020204" pitchFamily="34" charset="0"/>
+              <a:buChar char="•"/>
+            </a:pPr>
+            <a:r>
+              <a:rPr lang="en-GB" sz="1400" dirty="0"/>
+              <a:t>Introduction Infrastructure as Code (IaC)</a:t>
+            </a:r>
+          </a:p>
+          <a:p>
+            <a:pPr marL="1209294" lvl="2" indent="-285750">
+              <a:lnSpc>
+                <a:spcPct val="114000"/>
+              </a:lnSpc>
+              <a:spcBef>
+                <a:spcPts val="600"/>
+              </a:spcBef>
+              <a:buFont typeface="Arial" panose="020B0604020202020204" pitchFamily="34" charset="0"/>
+              <a:buChar char="•"/>
+            </a:pPr>
+            <a:r>
+              <a:rPr lang="en-GB" sz="1400" dirty="0"/>
+              <a:t>IaC Languages: Imperative vs. Declarative</a:t>
+            </a:r>
+          </a:p>
+          <a:p>
+            <a:pPr marL="742950" lvl="1" indent="-285750">
+              <a:lnSpc>
+                <a:spcPct val="114000"/>
+              </a:lnSpc>
+              <a:spcBef>
+                <a:spcPts val="600"/>
+              </a:spcBef>
+              <a:buFont typeface="Arial" panose="020B0604020202020204" pitchFamily="34" charset="0"/>
+              <a:buChar char="•"/>
+            </a:pPr>
+            <a:r>
+              <a:rPr lang="en-AU" sz="1400" dirty="0"/>
+              <a:t>What is Terraform</a:t>
+            </a:r>
+          </a:p>
+          <a:p>
+            <a:pPr marL="1209294" lvl="2" indent="-285750">
+              <a:lnSpc>
+                <a:spcPct val="114000"/>
+              </a:lnSpc>
+              <a:spcBef>
+                <a:spcPts val="600"/>
+              </a:spcBef>
+              <a:buFont typeface="Arial" panose="020B0604020202020204" pitchFamily="34" charset="0"/>
+              <a:buChar char="•"/>
+            </a:pPr>
+            <a:r>
+              <a:rPr lang="en-AU" sz="1400" dirty="0"/>
+              <a:t>Terraform Terminology</a:t>
+            </a:r>
+          </a:p>
+          <a:p>
+            <a:pPr marL="742950" lvl="1" indent="-285750">
+              <a:lnSpc>
+                <a:spcPct val="114000"/>
+              </a:lnSpc>
+              <a:spcBef>
+                <a:spcPts val="600"/>
+              </a:spcBef>
+              <a:buFont typeface="Arial" panose="020B0604020202020204" pitchFamily="34" charset="0"/>
+              <a:buChar char="•"/>
+            </a:pPr>
+            <a:r>
+              <a:rPr lang="en-AU" sz="1400" dirty="0"/>
+              <a:t>Setting Up Environment</a:t>
+            </a:r>
+          </a:p>
+          <a:p>
+            <a:pPr marL="742950" lvl="1" indent="-285750">
+              <a:lnSpc>
+                <a:spcPct val="114000"/>
+              </a:lnSpc>
+              <a:spcBef>
+                <a:spcPts val="600"/>
+              </a:spcBef>
+              <a:buFont typeface="Arial" panose="020B0604020202020204" pitchFamily="34" charset="0"/>
+              <a:buChar char="•"/>
+            </a:pPr>
+            <a:r>
+              <a:rPr lang="en-AU" sz="1400" dirty="0"/>
+              <a:t>Terraform Workflow</a:t>
+            </a:r>
+          </a:p>
+          <a:p>
+            <a:pPr marL="742950" lvl="1" indent="-285750">
+              <a:lnSpc>
+                <a:spcPct val="114000"/>
+              </a:lnSpc>
+              <a:spcBef>
+                <a:spcPts val="600"/>
+              </a:spcBef>
+              <a:buFont typeface="Arial" panose="020B0604020202020204" pitchFamily="34" charset="0"/>
+              <a:buChar char="•"/>
+            </a:pPr>
+            <a:r>
+              <a:rPr lang="en-AU" sz="1400" dirty="0"/>
+              <a:t>Terraform Configuration File</a:t>
+            </a:r>
+          </a:p>
+          <a:p>
+            <a:pPr marL="1209294" lvl="2" indent="-285750">
+              <a:lnSpc>
+                <a:spcPct val="114000"/>
+              </a:lnSpc>
+              <a:spcBef>
+                <a:spcPts val="600"/>
+              </a:spcBef>
+              <a:buFont typeface="Arial" panose="020B0604020202020204" pitchFamily="34" charset="0"/>
+              <a:buChar char="•"/>
+            </a:pPr>
+            <a:r>
+              <a:rPr lang="en-AU" sz="1400" dirty="0"/>
+              <a:t>Providers</a:t>
+            </a:r>
+          </a:p>
+          <a:p>
+            <a:pPr marL="1209294" lvl="2" indent="-285750">
+              <a:lnSpc>
+                <a:spcPct val="114000"/>
+              </a:lnSpc>
+              <a:spcBef>
+                <a:spcPts val="600"/>
+              </a:spcBef>
+              <a:buFont typeface="Arial" panose="020B0604020202020204" pitchFamily="34" charset="0"/>
+              <a:buChar char="•"/>
+            </a:pPr>
+            <a:r>
+              <a:rPr lang="en-AU" sz="1400" dirty="0"/>
+              <a:t>Resources</a:t>
+            </a:r>
+          </a:p>
+          <a:p>
+            <a:pPr marL="1209294" lvl="2" indent="-285750">
+              <a:lnSpc>
+                <a:spcPct val="114000"/>
+              </a:lnSpc>
+              <a:spcBef>
+                <a:spcPts val="600"/>
+              </a:spcBef>
+              <a:buFont typeface="Arial" panose="020B0604020202020204" pitchFamily="34" charset="0"/>
+              <a:buChar char="•"/>
+            </a:pPr>
+            <a:r>
+              <a:rPr lang="en-AU" sz="1400" dirty="0"/>
+              <a:t>Data Sources</a:t>
+            </a:r>
+          </a:p>
+          <a:p>
+            <a:pPr marL="742950" lvl="1" indent="-285750">
+              <a:lnSpc>
+                <a:spcPct val="114000"/>
+              </a:lnSpc>
+              <a:spcBef>
+                <a:spcPts val="600"/>
+              </a:spcBef>
+              <a:buFont typeface="Arial" panose="020B0604020202020204" pitchFamily="34" charset="0"/>
+              <a:buChar char="•"/>
+            </a:pPr>
+            <a:r>
+              <a:rPr lang="en-AU" sz="1400" dirty="0"/>
+              <a:t>Terraform authenticating to Azure</a:t>
+            </a:r>
+          </a:p>
+          <a:p>
+            <a:pPr marL="457200" lvl="1">
+              <a:lnSpc>
+                <a:spcPct val="114000"/>
+              </a:lnSpc>
+              <a:spcBef>
+                <a:spcPts val="600"/>
+              </a:spcBef>
+            </a:pPr>
+            <a:r>
+              <a:rPr lang="en-GB" sz="1400" b="1" dirty="0"/>
+              <a:t>Part II: </a:t>
+            </a:r>
+            <a:r>
+              <a:rPr lang="en-AU" sz="1400" b="1" dirty="0"/>
+              <a:t>Demos</a:t>
+            </a:r>
+          </a:p>
+          <a:p>
+            <a:pPr marL="1209294" lvl="2" indent="-285750">
+              <a:lnSpc>
+                <a:spcPct val="114000"/>
+              </a:lnSpc>
+              <a:spcBef>
+                <a:spcPts val="600"/>
+              </a:spcBef>
+              <a:buFont typeface="Arial" panose="020B0604020202020204" pitchFamily="34" charset="0"/>
+              <a:buChar char="•"/>
+            </a:pPr>
+            <a:r>
+              <a:rPr lang="en-AU" sz="1400" dirty="0"/>
+              <a:t>Demo 1 – Create Resource Group and a VNET</a:t>
+            </a:r>
+          </a:p>
+          <a:p>
+            <a:pPr marL="1209294" lvl="2" indent="-285750">
+              <a:lnSpc>
+                <a:spcPct val="114000"/>
+              </a:lnSpc>
+              <a:spcBef>
+                <a:spcPts val="600"/>
+              </a:spcBef>
+              <a:buFont typeface="Arial" panose="020B0604020202020204" pitchFamily="34" charset="0"/>
+              <a:buChar char="•"/>
+            </a:pPr>
+            <a:r>
+              <a:rPr lang="en-AU" sz="1400" dirty="0"/>
+              <a:t>Demo 2 – Create an Azure PostgreSQL Flexible Server </a:t>
+            </a:r>
+          </a:p>
+          <a:p>
+            <a:endParaRPr lang="en-GB" sz="1050" dirty="0"/>
+          </a:p>
+        </p:txBody>
+      </p:sp>
+    </p:spTree>
+    <p:extLst>
+      <p:ext uri="{BB962C8B-B14F-4D97-AF65-F5344CB8AC3E}">
+        <p14:creationId xmlns:p14="http://schemas.microsoft.com/office/powerpoint/2010/main" val="3830257693"/>
+      </p:ext>
+    </p:extLst>
+  </p:cSld>
+  <p:clrMapOvr>
+    <a:masterClrMapping/>
+  </p:clrMapOvr>
+</p:sld>
+</file>
+
+<file path=ppt/slides/slide4.xml><?xml version="1.0" encoding="utf-8"?>
+<p:sld xmlns:a="http://schemas.openxmlformats.org/drawingml/2006/main" xmlns:r="http://schemas.openxmlformats.org/officeDocument/2006/relationships" xmlns:p="http://schemas.openxmlformats.org/presentationml/2006/main">
+  <p:cSld>
+    <p:spTree>
+      <p:nvGrpSpPr>
+        <p:cNvPr id="1" name=""/>
+        <p:cNvGrpSpPr/>
+        <p:nvPr/>
+      </p:nvGrpSpPr>
+      <p:grpSpPr>
+        <a:xfrm>
+          <a:off x="0" y="0"/>
+          <a:ext cx="0" cy="0"/>
+          <a:chOff x="0" y="0"/>
+          <a:chExt cx="0" cy="0"/>
+        </a:xfrm>
+      </p:grpSpPr>
+      <p:graphicFrame>
+        <p:nvGraphicFramePr>
+          <p:cNvPr id="9" name="Inhaltsplatzhalter 3">
+            <a:extLst>
+              <a:ext uri="{FF2B5EF4-FFF2-40B4-BE49-F238E27FC236}">
+                <a16:creationId xmlns:a16="http://schemas.microsoft.com/office/drawing/2014/main" id="{5529F090-36B5-4A62-9A0B-61B6775C4585}"/>
+              </a:ext>
+            </a:extLst>
+          </p:cNvPr>
+          <p:cNvGraphicFramePr>
+            <a:graphicFrameLocks/>
+          </p:cNvGraphicFramePr>
+          <p:nvPr>
+            <p:extLst>
+              <p:ext uri="{D42A27DB-BD31-4B8C-83A1-F6EECF244321}">
+                <p14:modId xmlns:p14="http://schemas.microsoft.com/office/powerpoint/2010/main" val="2406169860"/>
+              </p:ext>
+            </p:extLst>
+          </p:nvPr>
+        </p:nvGraphicFramePr>
+        <p:xfrm>
+          <a:off x="855768" y="1667041"/>
+          <a:ext cx="10724938" cy="5170360"/>
+        </p:xfrm>
+        <a:graphic>
+          <a:graphicData uri="http://schemas.openxmlformats.org/drawingml/2006/diagram">
+            <dgm:relIds xmlns:dgm="http://schemas.openxmlformats.org/drawingml/2006/diagram" xmlns:r="http://schemas.openxmlformats.org/officeDocument/2006/relationships" r:dm="rId2" r:lo="rId3" r:qs="rId4" r:cs="rId5"/>
+          </a:graphicData>
+        </a:graphic>
+      </p:graphicFrame>
+      <p:sp>
+        <p:nvSpPr>
+          <p:cNvPr id="2" name="Title 1">
+            <a:extLst>
+              <a:ext uri="{FF2B5EF4-FFF2-40B4-BE49-F238E27FC236}">
+                <a16:creationId xmlns:a16="http://schemas.microsoft.com/office/drawing/2014/main" id="{7E4E48D5-FF1B-4751-A337-25798068C5E5}"/>
+              </a:ext>
+            </a:extLst>
+          </p:cNvPr>
+          <p:cNvSpPr>
+            <a:spLocks noGrp="1"/>
+          </p:cNvSpPr>
+          <p:nvPr>
+            <p:ph type="title"/>
+          </p:nvPr>
+        </p:nvSpPr>
+        <p:spPr/>
+        <p:txBody>
+          <a:bodyPr anchor="b">
+            <a:normAutofit/>
+          </a:bodyPr>
+          <a:lstStyle/>
+          <a:p>
+            <a:r>
+              <a:rPr lang="en-GB" dirty="0"/>
+              <a:t>Introduction Infrastructure as Code (IaC)</a:t>
+            </a:r>
+            <a:endParaRPr lang="LID4096" dirty="0"/>
+          </a:p>
+        </p:txBody>
+      </p:sp>
+    </p:spTree>
+    <p:extLst>
+      <p:ext uri="{BB962C8B-B14F-4D97-AF65-F5344CB8AC3E}">
+        <p14:creationId xmlns:p14="http://schemas.microsoft.com/office/powerpoint/2010/main" val="2209439721"/>
+      </p:ext>
+    </p:extLst>
+  </p:cSld>
+  <p:clrMapOvr>
+    <a:masterClrMapping/>
+  </p:clrMapOvr>
+</p:sld>
+</file>
+
+<file path=ppt/slides/slide5.xml><?xml version="1.0" encoding="utf-8"?>
+<p:sld xmlns:a="http://schemas.openxmlformats.org/drawingml/2006/main" xmlns:r="http://schemas.openxmlformats.org/officeDocument/2006/relationships" xmlns:p="http://schemas.openxmlformats.org/presentationml/2006/main">
+  <p:cSld>
+    <p:spTree>
+      <p:nvGrpSpPr>
+        <p:cNvPr id="1" name=""/>
+        <p:cNvGrpSpPr/>
+        <p:nvPr/>
+      </p:nvGrpSpPr>
+      <p:grpSpPr>
+        <a:xfrm>
+          <a:off x="0" y="0"/>
+          <a:ext cx="0" cy="0"/>
+          <a:chOff x="0" y="0"/>
+          <a:chExt cx="0" cy="0"/>
+        </a:xfrm>
+      </p:grpSpPr>
+      <p:graphicFrame>
+        <p:nvGraphicFramePr>
+          <p:cNvPr id="3" name="Diagram 2">
+            <a:extLst>
+              <a:ext uri="{FF2B5EF4-FFF2-40B4-BE49-F238E27FC236}">
+                <a16:creationId xmlns:a16="http://schemas.microsoft.com/office/drawing/2014/main" id="{C7A42376-9F89-83EA-CF05-58367A592B2D}"/>
+              </a:ext>
+            </a:extLst>
+          </p:cNvPr>
+          <p:cNvGraphicFramePr/>
+          <p:nvPr>
+            <p:extLst>
+              <p:ext uri="{D42A27DB-BD31-4B8C-83A1-F6EECF244321}">
+                <p14:modId xmlns:p14="http://schemas.microsoft.com/office/powerpoint/2010/main" val="1036017322"/>
+              </p:ext>
+            </p:extLst>
+          </p:nvPr>
+        </p:nvGraphicFramePr>
+        <p:xfrm>
+          <a:off x="4294701" y="1747839"/>
+          <a:ext cx="5021528" cy="4295773"/>
+        </p:xfrm>
+        <a:graphic>
+          <a:graphicData uri="http://schemas.openxmlformats.org/drawingml/2006/diagram">
+            <dgm:relIds xmlns:dgm="http://schemas.openxmlformats.org/drawingml/2006/diagram" xmlns:r="http://schemas.openxmlformats.org/officeDocument/2006/relationships" r:dm="rId3" r:lo="rId4" r:qs="rId5" r:cs="rId6"/>
+          </a:graphicData>
+        </a:graphic>
+      </p:graphicFrame>
+      <p:pic>
+        <p:nvPicPr>
+          <p:cNvPr id="6" name="Picture 3">
+            <a:extLst>
+              <a:ext uri="{FF2B5EF4-FFF2-40B4-BE49-F238E27FC236}">
+                <a16:creationId xmlns:a16="http://schemas.microsoft.com/office/drawing/2014/main" id="{52FAA8D7-B145-A6E4-D553-FD5DA086C3CB}"/>
+              </a:ext>
+            </a:extLst>
+          </p:cNvPr>
+          <p:cNvPicPr>
+            <a:picLocks noChangeAspect="1"/>
+          </p:cNvPicPr>
+          <p:nvPr/>
+        </p:nvPicPr>
+        <p:blipFill rotWithShape="1">
+          <a:blip r:embed="rId8"/>
+          <a:srcRect l="16887" t="19481" r="31963"/>
+          <a:stretch/>
+        </p:blipFill>
+        <p:spPr>
+          <a:xfrm>
+            <a:off x="219074" y="1838326"/>
+            <a:ext cx="3904957" cy="4114800"/>
+          </a:xfrm>
+          <a:prstGeom prst="rect">
+            <a:avLst/>
+          </a:prstGeom>
+        </p:spPr>
+      </p:pic>
+      <p:pic>
+        <p:nvPicPr>
+          <p:cNvPr id="7" name="Picture 3">
+            <a:extLst>
+              <a:ext uri="{FF2B5EF4-FFF2-40B4-BE49-F238E27FC236}">
+                <a16:creationId xmlns:a16="http://schemas.microsoft.com/office/drawing/2014/main" id="{21A7887D-D79B-2F31-3382-6CCF28937E85}"/>
+              </a:ext>
+            </a:extLst>
+          </p:cNvPr>
+          <p:cNvPicPr>
+            <a:picLocks noChangeAspect="1"/>
+          </p:cNvPicPr>
+          <p:nvPr/>
+        </p:nvPicPr>
+        <p:blipFill rotWithShape="1">
+          <a:blip r:embed="rId8"/>
+          <a:srcRect l="69598" t="21144" b="34131"/>
+          <a:stretch/>
+        </p:blipFill>
+        <p:spPr>
+          <a:xfrm>
+            <a:off x="9486900" y="2276474"/>
+            <a:ext cx="2824368" cy="2781301"/>
+          </a:xfrm>
+          <a:prstGeom prst="rect">
+            <a:avLst/>
+          </a:prstGeom>
+        </p:spPr>
+      </p:pic>
+      <p:sp>
+        <p:nvSpPr>
+          <p:cNvPr id="8" name="Title 1">
+            <a:extLst>
+              <a:ext uri="{FF2B5EF4-FFF2-40B4-BE49-F238E27FC236}">
+                <a16:creationId xmlns:a16="http://schemas.microsoft.com/office/drawing/2014/main" id="{57018734-2E47-3E8A-F52F-84BD3FB48801}"/>
+              </a:ext>
+            </a:extLst>
+          </p:cNvPr>
+          <p:cNvSpPr>
+            <a:spLocks noGrp="1"/>
+          </p:cNvSpPr>
+          <p:nvPr>
+            <p:ph type="title"/>
+          </p:nvPr>
+        </p:nvSpPr>
+        <p:spPr>
+          <a:xfrm>
+            <a:off x="858877" y="261128"/>
+            <a:ext cx="10715612" cy="1035190"/>
+          </a:xfrm>
+        </p:spPr>
+        <p:txBody>
+          <a:bodyPr anchor="b">
+            <a:normAutofit/>
+          </a:bodyPr>
+          <a:lstStyle/>
+          <a:p>
+            <a:r>
+              <a:rPr lang="en-GB" dirty="0"/>
+              <a:t>Infrastructure: Imperative vs. Declarative</a:t>
+            </a:r>
+            <a:endParaRPr lang="LID4096" dirty="0"/>
+          </a:p>
+        </p:txBody>
+      </p:sp>
+    </p:spTree>
+    <p:extLst>
+      <p:ext uri="{BB962C8B-B14F-4D97-AF65-F5344CB8AC3E}">
+        <p14:creationId xmlns:p14="http://schemas.microsoft.com/office/powerpoint/2010/main" val="2760770842"/>
+      </p:ext>
+    </p:extLst>
+  </p:cSld>
+  <p:clrMapOvr>
+    <a:masterClrMapping/>
+  </p:clrMapOvr>
+</p:sld>
+</file>
+
+<file path=ppt/slides/slide6.xml><?xml version="1.0" encoding="utf-8"?>
+<p:sld xmlns:a="http://schemas.openxmlformats.org/drawingml/2006/main" xmlns:r="http://schemas.openxmlformats.org/officeDocument/2006/relationships" xmlns:p="http://schemas.openxmlformats.org/presentationml/2006/main">
+  <p:cSld>
+    <p:spTree>
+      <p:nvGrpSpPr>
+        <p:cNvPr id="1" name=""/>
+        <p:cNvGrpSpPr/>
+        <p:nvPr/>
+      </p:nvGrpSpPr>
+      <p:grpSpPr>
+        <a:xfrm>
+          <a:off x="0" y="0"/>
+          <a:ext cx="0" cy="0"/>
+          <a:chOff x="0" y="0"/>
+          <a:chExt cx="0" cy="0"/>
+        </a:xfrm>
+      </p:grpSpPr>
+      <p:sp>
+        <p:nvSpPr>
+          <p:cNvPr id="2" name="Title 1">
+            <a:extLst>
+              <a:ext uri="{FF2B5EF4-FFF2-40B4-BE49-F238E27FC236}">
+                <a16:creationId xmlns:a16="http://schemas.microsoft.com/office/drawing/2014/main" id="{AA6105F9-73D4-C9AB-140C-928E40BDD92C}"/>
+              </a:ext>
+            </a:extLst>
+          </p:cNvPr>
+          <p:cNvSpPr>
+            <a:spLocks noGrp="1"/>
+          </p:cNvSpPr>
+          <p:nvPr>
+            <p:ph type="title"/>
+          </p:nvPr>
+        </p:nvSpPr>
+        <p:spPr/>
+        <p:txBody>
+          <a:bodyPr/>
+          <a:lstStyle/>
+          <a:p>
+            <a:r>
+              <a:rPr lang="en-AU" dirty="0"/>
+              <a:t>What is Terraform</a:t>
+            </a:r>
+          </a:p>
+        </p:txBody>
+      </p:sp>
+      <p:pic>
+        <p:nvPicPr>
+          <p:cNvPr id="4" name="Picture 2" descr="Terraform deployment workflow">
+            <a:extLst>
+              <a:ext uri="{FF2B5EF4-FFF2-40B4-BE49-F238E27FC236}">
+                <a16:creationId xmlns:a16="http://schemas.microsoft.com/office/drawing/2014/main" id="{9588F77D-02AD-D7E6-18C3-A7C8BBD1AFB7}"/>
+              </a:ext>
+            </a:extLst>
+          </p:cNvPr>
+          <p:cNvPicPr>
+            <a:picLocks noChangeAspect="1" noChangeArrowheads="1"/>
+          </p:cNvPicPr>
+          <p:nvPr/>
+        </p:nvPicPr>
+        <p:blipFill>
+          <a:blip r:embed="rId2">
+            <a:extLst>
+              <a:ext uri="{28A0092B-C50C-407E-A947-70E740481C1C}">
+                <a14:useLocalDpi xmlns:a14="http://schemas.microsoft.com/office/drawing/2010/main" val="0"/>
+              </a:ext>
+            </a:extLst>
+          </a:blip>
+          <a:stretch>
+            <a:fillRect/>
+          </a:stretch>
+        </p:blipFill>
+        <p:spPr bwMode="auto">
+          <a:xfrm>
+            <a:off x="1294544" y="1371262"/>
+            <a:ext cx="9268681" cy="3359897"/>
+          </a:xfrm>
+          <a:prstGeom prst="rect">
+            <a:avLst/>
+          </a:prstGeom>
+          <a:noFill/>
+          <a:extLst>
+            <a:ext uri="{909E8E84-426E-40DD-AFC4-6F175D3DCCD1}">
+              <a14:hiddenFill xmlns:a14="http://schemas.microsoft.com/office/drawing/2010/main">
+                <a:solidFill>
+                  <a:srgbClr val="FFFFFF"/>
+                </a:solidFill>
+              </a14:hiddenFill>
+            </a:ext>
+          </a:extLst>
+        </p:spPr>
+      </p:pic>
+      <p:graphicFrame>
+        <p:nvGraphicFramePr>
+          <p:cNvPr id="9" name="Diagram 8">
+            <a:extLst>
+              <a:ext uri="{FF2B5EF4-FFF2-40B4-BE49-F238E27FC236}">
+                <a16:creationId xmlns:a16="http://schemas.microsoft.com/office/drawing/2014/main" id="{85118F91-7ADB-9EF8-0471-96D260B96FA9}"/>
+              </a:ext>
+            </a:extLst>
+          </p:cNvPr>
+          <p:cNvGraphicFramePr/>
+          <p:nvPr>
+            <p:extLst>
+              <p:ext uri="{D42A27DB-BD31-4B8C-83A1-F6EECF244321}">
+                <p14:modId xmlns:p14="http://schemas.microsoft.com/office/powerpoint/2010/main" val="3213731880"/>
+              </p:ext>
+            </p:extLst>
+          </p:nvPr>
+        </p:nvGraphicFramePr>
+        <p:xfrm>
+          <a:off x="2018226" y="4829174"/>
+          <a:ext cx="8161680" cy="2039481"/>
+        </p:xfrm>
+        <a:graphic>
+          <a:graphicData uri="http://schemas.openxmlformats.org/drawingml/2006/diagram">
+            <dgm:relIds xmlns:dgm="http://schemas.openxmlformats.org/drawingml/2006/diagram" xmlns:r="http://schemas.openxmlformats.org/officeDocument/2006/relationships" r:dm="rId3" r:lo="rId4" r:qs="rId5" r:cs="rId6"/>
+          </a:graphicData>
+        </a:graphic>
+      </p:graphicFrame>
+    </p:spTree>
+    <p:extLst>
+      <p:ext uri="{BB962C8B-B14F-4D97-AF65-F5344CB8AC3E}">
+        <p14:creationId xmlns:p14="http://schemas.microsoft.com/office/powerpoint/2010/main" val="4129906802"/>
+      </p:ext>
+    </p:extLst>
+  </p:cSld>
+  <p:clrMapOvr>
+    <a:masterClrMapping/>
+  </p:clrMapOvr>
+</p:sld>
+</file>
+
+<file path=ppt/slides/slide7.xml><?xml version="1.0" encoding="utf-8"?>
+<p:sld xmlns:a="http://schemas.openxmlformats.org/drawingml/2006/main" xmlns:r="http://schemas.openxmlformats.org/officeDocument/2006/relationships" xmlns:p="http://schemas.openxmlformats.org/presentationml/2006/main">
+  <p:cSld>
+    <p:spTree>
+      <p:nvGrpSpPr>
+        <p:cNvPr id="1" name=""/>
+        <p:cNvGrpSpPr/>
+        <p:nvPr/>
+      </p:nvGrpSpPr>
+      <p:grpSpPr>
+        <a:xfrm>
+          <a:off x="0" y="0"/>
+          <a:ext cx="0" cy="0"/>
+          <a:chOff x="0" y="0"/>
+          <a:chExt cx="0" cy="0"/>
+        </a:xfrm>
+      </p:grpSpPr>
+      <p:sp>
+        <p:nvSpPr>
+          <p:cNvPr id="2" name="Title 1">
+            <a:extLst>
+              <a:ext uri="{FF2B5EF4-FFF2-40B4-BE49-F238E27FC236}">
+                <a16:creationId xmlns:a16="http://schemas.microsoft.com/office/drawing/2014/main" id="{8A2E1866-796D-2CEB-5306-F4E63564CFB0}"/>
+              </a:ext>
+            </a:extLst>
+          </p:cNvPr>
+          <p:cNvSpPr>
+            <a:spLocks noGrp="1"/>
+          </p:cNvSpPr>
+          <p:nvPr>
+            <p:ph type="title"/>
+          </p:nvPr>
+        </p:nvSpPr>
+        <p:spPr/>
+        <p:txBody>
+          <a:bodyPr/>
+          <a:lstStyle/>
+          <a:p>
+            <a:r>
+              <a:rPr lang="en-AU" dirty="0"/>
+              <a:t>Terraform Terminology</a:t>
+            </a:r>
+          </a:p>
+        </p:txBody>
+      </p:sp>
+      <p:graphicFrame>
+        <p:nvGraphicFramePr>
+          <p:cNvPr id="10" name="Content Placeholder 9">
+            <a:extLst>
+              <a:ext uri="{FF2B5EF4-FFF2-40B4-BE49-F238E27FC236}">
+                <a16:creationId xmlns:a16="http://schemas.microsoft.com/office/drawing/2014/main" id="{2681ABC3-1B9B-AF03-5826-89059F0B8B29}"/>
+              </a:ext>
+            </a:extLst>
+          </p:cNvPr>
+          <p:cNvGraphicFramePr>
+            <a:graphicFrameLocks noGrp="1"/>
+          </p:cNvGraphicFramePr>
+          <p:nvPr>
+            <p:ph idx="1"/>
+            <p:extLst>
+              <p:ext uri="{D42A27DB-BD31-4B8C-83A1-F6EECF244321}">
+                <p14:modId xmlns:p14="http://schemas.microsoft.com/office/powerpoint/2010/main" val="2836161804"/>
+              </p:ext>
+            </p:extLst>
+          </p:nvPr>
+        </p:nvGraphicFramePr>
+        <p:xfrm>
+          <a:off x="446088" y="1903412"/>
+          <a:ext cx="11563350" cy="4478337"/>
+        </p:xfrm>
+        <a:graphic>
+          <a:graphicData uri="http://schemas.openxmlformats.org/drawingml/2006/diagram">
+            <dgm:relIds xmlns:dgm="http://schemas.openxmlformats.org/drawingml/2006/diagram" xmlns:r="http://schemas.openxmlformats.org/officeDocument/2006/relationships" r:dm="rId2" r:lo="rId3" r:qs="rId4" r:cs="rId5"/>
+          </a:graphicData>
+        </a:graphic>
+      </p:graphicFrame>
+    </p:spTree>
+    <p:extLst>
+      <p:ext uri="{BB962C8B-B14F-4D97-AF65-F5344CB8AC3E}">
+        <p14:creationId xmlns:p14="http://schemas.microsoft.com/office/powerpoint/2010/main" val="1692753119"/>
+      </p:ext>
+    </p:extLst>
+  </p:cSld>
+  <p:clrMapOvr>
+    <a:masterClrMapping/>
+  </p:clrMapOvr>
+</p:sld>
+</file>
+
+<file path=ppt/slides/slide8.xml><?xml version="1.0" encoding="utf-8"?>
+<p:sld xmlns:a="http://schemas.openxmlformats.org/drawingml/2006/main" xmlns:r="http://schemas.openxmlformats.org/officeDocument/2006/relationships" xmlns:p="http://schemas.openxmlformats.org/presentationml/2006/main">
+  <p:cSld>
+    <p:spTree>
+      <p:nvGrpSpPr>
+        <p:cNvPr id="1" name=""/>
+        <p:cNvGrpSpPr/>
+        <p:nvPr/>
+      </p:nvGrpSpPr>
+      <p:grpSpPr>
+        <a:xfrm>
+          <a:off x="0" y="0"/>
+          <a:ext cx="0" cy="0"/>
+          <a:chOff x="0" y="0"/>
+          <a:chExt cx="0" cy="0"/>
+        </a:xfrm>
+      </p:grpSpPr>
+      <p:sp>
+        <p:nvSpPr>
+          <p:cNvPr id="10" name="Text Placeholder 9">
+            <a:extLst>
+              <a:ext uri="{FF2B5EF4-FFF2-40B4-BE49-F238E27FC236}">
+                <a16:creationId xmlns:a16="http://schemas.microsoft.com/office/drawing/2014/main" id="{5D78EA31-9861-98BB-E6C7-4955832E674B}"/>
+              </a:ext>
+            </a:extLst>
+          </p:cNvPr>
+          <p:cNvSpPr>
+            <a:spLocks noGrp="1"/>
+          </p:cNvSpPr>
+          <p:nvPr>
+            <p:ph type="body" sz="quarter" idx="10"/>
+          </p:nvPr>
+        </p:nvSpPr>
+        <p:spPr>
+          <a:xfrm>
+            <a:off x="339724" y="1693258"/>
+            <a:ext cx="10620801" cy="4612291"/>
+          </a:xfrm>
+        </p:spPr>
+        <p:txBody>
+          <a:bodyPr/>
+          <a:lstStyle/>
+          <a:p>
+            <a:pPr marL="742950" lvl="1" indent="-285750">
+              <a:lnSpc>
+                <a:spcPct val="114000"/>
+              </a:lnSpc>
+              <a:spcBef>
+                <a:spcPts val="600"/>
+              </a:spcBef>
+              <a:buFont typeface="Arial" panose="020B0604020202020204" pitchFamily="34" charset="0"/>
+              <a:buChar char="•"/>
+            </a:pPr>
+            <a:r>
+              <a:rPr lang="en-AU" dirty="0">
+                <a:hlinkClick r:id="rId2"/>
+              </a:rPr>
+              <a:t>Installation of Terraform</a:t>
+            </a:r>
+            <a:endParaRPr lang="en-AU" dirty="0"/>
+          </a:p>
+          <a:p>
+            <a:pPr marL="971550" lvl="2" indent="-285750">
+              <a:lnSpc>
+                <a:spcPct val="114000"/>
+              </a:lnSpc>
+              <a:spcBef>
+                <a:spcPts val="600"/>
+              </a:spcBef>
+              <a:buFont typeface="Arial" panose="020B0604020202020204" pitchFamily="34" charset="0"/>
+              <a:buChar char="•"/>
+            </a:pPr>
+            <a:r>
+              <a:rPr lang="en-AU" dirty="0">
+                <a:hlinkClick r:id="rId3"/>
+              </a:rPr>
+              <a:t>Download Terraform</a:t>
+            </a:r>
+            <a:endParaRPr lang="en-AU" dirty="0"/>
+          </a:p>
+          <a:p>
+            <a:pPr marL="742950" lvl="1" indent="-285750">
+              <a:lnSpc>
+                <a:spcPct val="114000"/>
+              </a:lnSpc>
+              <a:spcBef>
+                <a:spcPts val="600"/>
+              </a:spcBef>
+              <a:buFont typeface="Arial" panose="020B0604020202020204" pitchFamily="34" charset="0"/>
+              <a:buChar char="•"/>
+            </a:pPr>
+            <a:r>
+              <a:rPr lang="en-AU" dirty="0">
+                <a:hlinkClick r:id="rId4"/>
+              </a:rPr>
+              <a:t>Install Azure CLI</a:t>
+            </a:r>
+            <a:endParaRPr lang="en-AU" dirty="0"/>
+          </a:p>
+          <a:p>
+            <a:pPr marL="742950" lvl="1" indent="-285750">
+              <a:lnSpc>
+                <a:spcPct val="114000"/>
+              </a:lnSpc>
+              <a:spcBef>
+                <a:spcPts val="600"/>
+              </a:spcBef>
+              <a:buFont typeface="Arial" panose="020B0604020202020204" pitchFamily="34" charset="0"/>
+              <a:buChar char="•"/>
+            </a:pPr>
+            <a:r>
+              <a:rPr lang="en-AU" dirty="0">
+                <a:hlinkClick r:id="rId5"/>
+              </a:rPr>
+              <a:t>Install </a:t>
+            </a:r>
+            <a:r>
+              <a:rPr lang="en-AU" dirty="0" err="1">
+                <a:hlinkClick r:id="rId5"/>
+              </a:rPr>
+              <a:t>VSCode</a:t>
+            </a:r>
+            <a:endParaRPr lang="en-AU" dirty="0"/>
+          </a:p>
+          <a:p>
+            <a:pPr marL="742950" lvl="1" indent="-285750">
+              <a:lnSpc>
+                <a:spcPct val="114000"/>
+              </a:lnSpc>
+              <a:spcBef>
+                <a:spcPts val="600"/>
+              </a:spcBef>
+              <a:buFont typeface="Arial" panose="020B0604020202020204" pitchFamily="34" charset="0"/>
+              <a:buChar char="•"/>
+            </a:pPr>
+            <a:r>
+              <a:rPr lang="en-AU" dirty="0" err="1"/>
+              <a:t>VSCode</a:t>
+            </a:r>
+            <a:r>
+              <a:rPr lang="en-AU" dirty="0"/>
+              <a:t> Extensions</a:t>
+            </a:r>
+          </a:p>
+          <a:p>
+            <a:pPr marL="1200150" lvl="2" indent="-285750">
+              <a:lnSpc>
+                <a:spcPct val="114000"/>
+              </a:lnSpc>
+              <a:spcBef>
+                <a:spcPts val="600"/>
+              </a:spcBef>
+              <a:buFont typeface="Arial" panose="020B0604020202020204" pitchFamily="34" charset="0"/>
+              <a:buChar char="•"/>
+            </a:pPr>
+            <a:r>
+              <a:rPr lang="en-AU" dirty="0">
+                <a:hlinkClick r:id="rId6"/>
+              </a:rPr>
+              <a:t>Azure CLI tools</a:t>
+            </a:r>
+            <a:endParaRPr lang="en-AU" dirty="0"/>
+          </a:p>
+          <a:p>
+            <a:pPr marL="1200150" lvl="2" indent="-285750">
+              <a:lnSpc>
+                <a:spcPct val="114000"/>
+              </a:lnSpc>
+              <a:spcBef>
+                <a:spcPts val="600"/>
+              </a:spcBef>
+              <a:buFont typeface="Arial" panose="020B0604020202020204" pitchFamily="34" charset="0"/>
+              <a:buChar char="•"/>
+            </a:pPr>
+            <a:r>
+              <a:rPr lang="en-AU" dirty="0">
+                <a:hlinkClick r:id="rId7"/>
+              </a:rPr>
+              <a:t>Terraform</a:t>
+            </a:r>
+            <a:r>
+              <a:rPr lang="en-AU" dirty="0"/>
+              <a:t>: </a:t>
+            </a:r>
+            <a:r>
+              <a:rPr lang="en-GB" dirty="0"/>
+              <a:t>syntax highlighting, IntelliSense, code navigation, code formatting, module explorer and much more</a:t>
+            </a:r>
+          </a:p>
+          <a:p>
+            <a:pPr marL="914400" lvl="2">
+              <a:lnSpc>
+                <a:spcPct val="114000"/>
+              </a:lnSpc>
+              <a:spcBef>
+                <a:spcPts val="600"/>
+              </a:spcBef>
+            </a:pPr>
+            <a:endParaRPr lang="en-GB" dirty="0"/>
+          </a:p>
+          <a:p>
+            <a:pPr marL="914400" lvl="2">
+              <a:lnSpc>
+                <a:spcPct val="114000"/>
+              </a:lnSpc>
+              <a:spcBef>
+                <a:spcPts val="600"/>
+              </a:spcBef>
+            </a:pPr>
+            <a:endParaRPr lang="en-GB" dirty="0"/>
+          </a:p>
+          <a:p>
+            <a:pPr marL="914400" lvl="2">
+              <a:lnSpc>
+                <a:spcPct val="114000"/>
+              </a:lnSpc>
+              <a:spcBef>
+                <a:spcPts val="600"/>
+              </a:spcBef>
+            </a:pPr>
+            <a:r>
+              <a:rPr lang="en-GB" dirty="0"/>
+              <a:t>For more guidance, please refer to this video on YouTube:</a:t>
+            </a:r>
+          </a:p>
+          <a:p>
+            <a:pPr marL="914400" lvl="2">
+              <a:lnSpc>
+                <a:spcPct val="114000"/>
+              </a:lnSpc>
+              <a:spcBef>
+                <a:spcPts val="600"/>
+              </a:spcBef>
+            </a:pPr>
+            <a:r>
+              <a:rPr lang="en-GB" dirty="0">
+                <a:hlinkClick r:id="rId8"/>
+              </a:rPr>
+              <a:t>Getting started with Terraform and Azure: Overview and Setup - YouTube</a:t>
+            </a:r>
+            <a:endParaRPr lang="en-AU" dirty="0"/>
+          </a:p>
+          <a:p>
+            <a:pPr marL="914400" lvl="2">
+              <a:lnSpc>
+                <a:spcPct val="114000"/>
+              </a:lnSpc>
+              <a:spcBef>
+                <a:spcPts val="600"/>
+              </a:spcBef>
+            </a:pPr>
+            <a:endParaRPr lang="en-AU" dirty="0"/>
+          </a:p>
+          <a:p>
+            <a:endParaRPr lang="en-GB" sz="1400" dirty="0"/>
+          </a:p>
+        </p:txBody>
+      </p:sp>
+      <p:sp>
+        <p:nvSpPr>
+          <p:cNvPr id="2" name="Title 1">
+            <a:extLst>
+              <a:ext uri="{FF2B5EF4-FFF2-40B4-BE49-F238E27FC236}">
+                <a16:creationId xmlns:a16="http://schemas.microsoft.com/office/drawing/2014/main" id="{1791109D-1FA1-4120-62F9-9400F4C3336E}"/>
+              </a:ext>
+            </a:extLst>
+          </p:cNvPr>
+          <p:cNvSpPr>
+            <a:spLocks noGrp="1"/>
+          </p:cNvSpPr>
+          <p:nvPr>
+            <p:ph type="title"/>
+          </p:nvPr>
+        </p:nvSpPr>
+        <p:spPr/>
+        <p:txBody>
+          <a:bodyPr/>
+          <a:lstStyle/>
+          <a:p>
+            <a:r>
+              <a:rPr lang="en-AU" dirty="0"/>
+              <a:t>Setting Up Environment</a:t>
+            </a:r>
+          </a:p>
+        </p:txBody>
+      </p:sp>
+    </p:spTree>
+    <p:extLst>
+      <p:ext uri="{BB962C8B-B14F-4D97-AF65-F5344CB8AC3E}">
+        <p14:creationId xmlns:p14="http://schemas.microsoft.com/office/powerpoint/2010/main" val="2897402324"/>
+      </p:ext>
+    </p:extLst>
+  </p:cSld>
+  <p:clrMapOvr>
+    <a:masterClrMapping/>
+  </p:clrMapOvr>
+  <p:transition>
+    <p:fade/>
+  </p:transition>
+</p:sld>
+</file>
+
+<file path=ppt/slides/slide9.xml><?xml version="1.0" encoding="utf-8"?>
+<p:sld xmlns:a="http://schemas.openxmlformats.org/drawingml/2006/main" xmlns:r="http://schemas.openxmlformats.org/officeDocument/2006/relationships" xmlns:p="http://schemas.openxmlformats.org/presentationml/2006/main">
+  <p:cSld>
+    <p:spTree>
+      <p:nvGrpSpPr>
+        <p:cNvPr id="1" name=""/>
+        <p:cNvGrpSpPr/>
+        <p:nvPr/>
+      </p:nvGrpSpPr>
+      <p:grpSpPr>
+        <a:xfrm>
+          <a:off x="0" y="0"/>
+          <a:ext cx="0" cy="0"/>
+          <a:chOff x="0" y="0"/>
+          <a:chExt cx="0" cy="0"/>
+        </a:xfrm>
+      </p:grpSpPr>
+      <p:sp>
+        <p:nvSpPr>
+          <p:cNvPr id="2" name="Title 1">
+            <a:extLst>
+              <a:ext uri="{FF2B5EF4-FFF2-40B4-BE49-F238E27FC236}">
+                <a16:creationId xmlns:a16="http://schemas.microsoft.com/office/drawing/2014/main" id="{0C035F95-B6D8-7A4A-3319-C3BE609925D8}"/>
+              </a:ext>
+            </a:extLst>
+          </p:cNvPr>
+          <p:cNvSpPr>
+            <a:spLocks noGrp="1"/>
+          </p:cNvSpPr>
+          <p:nvPr>
+            <p:ph type="title"/>
+          </p:nvPr>
+        </p:nvSpPr>
+        <p:spPr/>
+        <p:txBody>
+          <a:bodyPr/>
+          <a:lstStyle/>
+          <a:p>
+            <a:r>
+              <a:rPr lang="en-AU" dirty="0"/>
+              <a:t>Terraform Workflow</a:t>
+            </a:r>
+          </a:p>
+        </p:txBody>
+      </p:sp>
+      <p:pic>
+        <p:nvPicPr>
+          <p:cNvPr id="3" name="Picture 2" descr="Terraform deployment workflow">
+            <a:extLst>
+              <a:ext uri="{FF2B5EF4-FFF2-40B4-BE49-F238E27FC236}">
+                <a16:creationId xmlns:a16="http://schemas.microsoft.com/office/drawing/2014/main" id="{C6400506-AFEA-1E53-1512-E7796C951A7D}"/>
+              </a:ext>
+            </a:extLst>
+          </p:cNvPr>
+          <p:cNvPicPr>
+            <a:picLocks noChangeAspect="1" noChangeArrowheads="1"/>
+          </p:cNvPicPr>
+          <p:nvPr/>
+        </p:nvPicPr>
+        <p:blipFill>
+          <a:blip r:embed="rId2">
+            <a:extLst>
+              <a:ext uri="{28A0092B-C50C-407E-A947-70E740481C1C}">
+                <a14:useLocalDpi xmlns:a14="http://schemas.microsoft.com/office/drawing/2010/main" val="0"/>
+              </a:ext>
+            </a:extLst>
+          </a:blip>
+          <a:stretch>
+            <a:fillRect/>
+          </a:stretch>
+        </p:blipFill>
+        <p:spPr bwMode="auto">
+          <a:xfrm>
+            <a:off x="1342169" y="1095037"/>
+            <a:ext cx="9268681" cy="3359897"/>
+          </a:xfrm>
+          <a:prstGeom prst="rect">
+            <a:avLst/>
+          </a:prstGeom>
+          <a:noFill/>
+          <a:extLst>
+            <a:ext uri="{909E8E84-426E-40DD-AFC4-6F175D3DCCD1}">
+              <a14:hiddenFill xmlns:a14="http://schemas.microsoft.com/office/drawing/2010/main">
+                <a:solidFill>
+                  <a:srgbClr val="FFFFFF"/>
+                </a:solidFill>
+              </a14:hiddenFill>
+            </a:ext>
+          </a:extLst>
+        </p:spPr>
+      </p:pic>
+      <p:sp>
+        <p:nvSpPr>
+          <p:cNvPr id="7" name="TextBox 6">
+            <a:extLst>
+              <a:ext uri="{FF2B5EF4-FFF2-40B4-BE49-F238E27FC236}">
+                <a16:creationId xmlns:a16="http://schemas.microsoft.com/office/drawing/2014/main" id="{5B56E4B2-8540-7821-7E20-39A457C191DE}"/>
+              </a:ext>
+            </a:extLst>
+          </p:cNvPr>
+          <p:cNvSpPr txBox="1"/>
+          <p:nvPr/>
+        </p:nvSpPr>
+        <p:spPr>
+          <a:xfrm>
+            <a:off x="792956" y="4489514"/>
+            <a:ext cx="6900862" cy="1787412"/>
+          </a:xfrm>
+          <a:prstGeom prst="rect">
+            <a:avLst/>
+          </a:prstGeom>
+          <a:noFill/>
+        </p:spPr>
+        <p:txBody>
+          <a:bodyPr wrap="square">
+            <a:spAutoFit/>
+          </a:bodyPr>
+          <a:lstStyle/>
+          <a:p>
+            <a:pPr algn="l"/>
+            <a:r>
+              <a:rPr lang="en-GB" b="0" i="0" dirty="0">
+                <a:effectLst/>
+                <a:latin typeface="-apple-system"/>
+              </a:rPr>
+              <a:t>The core Terraform workflow has three steps:</a:t>
+            </a:r>
+          </a:p>
+          <a:p>
+            <a:pPr algn="l">
+              <a:buFont typeface="+mj-lt"/>
+              <a:buAutoNum type="arabicPeriod"/>
+            </a:pPr>
+            <a:r>
+              <a:rPr lang="en-GB" b="1" i="0" dirty="0">
+                <a:solidFill>
+                  <a:srgbClr val="000000"/>
+                </a:solidFill>
+                <a:effectLst/>
+                <a:latin typeface="-apple-system"/>
+              </a:rPr>
+              <a:t> Write</a:t>
+            </a:r>
+            <a:r>
+              <a:rPr lang="en-GB" b="0" i="0" dirty="0">
+                <a:solidFill>
+                  <a:srgbClr val="000000"/>
+                </a:solidFill>
+                <a:effectLst/>
+                <a:latin typeface="-apple-system"/>
+              </a:rPr>
+              <a:t> - Author Configuration Files</a:t>
+            </a:r>
+          </a:p>
+          <a:p>
+            <a:pPr marL="809244" lvl="1" indent="-342900">
+              <a:buFont typeface="Arial" panose="020B0604020202020204" pitchFamily="34" charset="0"/>
+              <a:buChar char="•"/>
+            </a:pPr>
+            <a:r>
+              <a:rPr lang="en-GB" b="0" i="0" dirty="0">
+                <a:solidFill>
+                  <a:srgbClr val="000000"/>
+                </a:solidFill>
+                <a:effectLst/>
+                <a:latin typeface="-apple-system"/>
+              </a:rPr>
+              <a:t>Run </a:t>
+            </a:r>
+            <a:r>
+              <a:rPr lang="en-GB" b="1" i="1" dirty="0">
+                <a:solidFill>
+                  <a:srgbClr val="000000"/>
+                </a:solidFill>
+                <a:effectLst/>
+                <a:latin typeface="-apple-system"/>
+              </a:rPr>
+              <a:t>terraform </a:t>
+            </a:r>
+            <a:r>
+              <a:rPr lang="en-GB" b="1" i="1" dirty="0" err="1">
+                <a:solidFill>
+                  <a:srgbClr val="000000"/>
+                </a:solidFill>
+                <a:effectLst/>
+                <a:latin typeface="-apple-system"/>
+              </a:rPr>
+              <a:t>init</a:t>
+            </a:r>
+            <a:r>
+              <a:rPr lang="en-GB" b="1" i="1" dirty="0">
+                <a:solidFill>
+                  <a:srgbClr val="000000"/>
+                </a:solidFill>
+                <a:effectLst/>
+                <a:latin typeface="-apple-system"/>
+              </a:rPr>
+              <a:t> </a:t>
+            </a:r>
+            <a:r>
+              <a:rPr lang="en-GB" b="0" i="0" dirty="0">
+                <a:solidFill>
+                  <a:srgbClr val="000000"/>
+                </a:solidFill>
+                <a:effectLst/>
+                <a:latin typeface="-apple-system"/>
+              </a:rPr>
+              <a:t>to initializes a working directory containing Terraform configuration files and download providers.</a:t>
+            </a:r>
+          </a:p>
+          <a:p>
+            <a:pPr algn="l">
+              <a:buFont typeface="+mj-lt"/>
+              <a:buAutoNum type="arabicPeriod"/>
+            </a:pPr>
+            <a:r>
+              <a:rPr lang="en-GB" b="1" i="0" dirty="0">
+                <a:solidFill>
+                  <a:srgbClr val="000000"/>
+                </a:solidFill>
+                <a:effectLst/>
+                <a:latin typeface="-apple-system"/>
+              </a:rPr>
+              <a:t> Plan</a:t>
+            </a:r>
+            <a:r>
+              <a:rPr lang="en-GB" b="0" i="0" dirty="0">
+                <a:solidFill>
+                  <a:srgbClr val="000000"/>
+                </a:solidFill>
+                <a:effectLst/>
+                <a:latin typeface="-apple-system"/>
+              </a:rPr>
+              <a:t> - Preview changes before applying.</a:t>
+            </a:r>
+          </a:p>
+          <a:p>
+            <a:pPr algn="l">
+              <a:buFont typeface="+mj-lt"/>
+              <a:buAutoNum type="arabicPeriod"/>
+            </a:pPr>
+            <a:r>
+              <a:rPr lang="en-GB" b="1" i="0" dirty="0">
+                <a:solidFill>
+                  <a:srgbClr val="000000"/>
+                </a:solidFill>
+                <a:effectLst/>
+                <a:latin typeface="-apple-system"/>
+              </a:rPr>
+              <a:t> Apply</a:t>
+            </a:r>
+            <a:r>
+              <a:rPr lang="en-GB" b="0" i="0" dirty="0">
+                <a:solidFill>
+                  <a:srgbClr val="000000"/>
+                </a:solidFill>
+                <a:effectLst/>
+                <a:latin typeface="-apple-system"/>
+              </a:rPr>
+              <a:t> - Provision reproducible infrastructure.</a:t>
+            </a:r>
+          </a:p>
+        </p:txBody>
+      </p:sp>
+    </p:spTree>
+    <p:extLst>
+      <p:ext uri="{BB962C8B-B14F-4D97-AF65-F5344CB8AC3E}">
+        <p14:creationId xmlns:p14="http://schemas.microsoft.com/office/powerpoint/2010/main" val="1864084007"/>
       </p:ext>
     </p:extLst>
   </p:cSld>
@@ -23754,12 +26294,21 @@
 </file>
 
 <file path=customXml/item1.xml><?xml version="1.0" encoding="utf-8"?>
+<?mso-contentType ?>
+<FormTemplates xmlns="http://schemas.microsoft.com/sharepoint/v3/contenttype/forms">
+  <Display>DocumentLibraryForm</Display>
+  <Edit>DocumentLibraryForm</Edit>
+  <New>DocumentLibraryForm</New>
+</FormTemplates>
+</file>
+
+<file path=customXml/item2.xml><?xml version="1.0" encoding="utf-8"?>
 <p:properties xmlns:p="http://schemas.microsoft.com/office/2006/metadata/properties" xmlns:xsi="http://www.w3.org/2001/XMLSchema-instance" xmlns:pc="http://schemas.microsoft.com/office/infopath/2007/PartnerControls">
   <documentManagement/>
 </p:properties>
 </file>
 
-<file path=customXml/item2.xml><?xml version="1.0" encoding="utf-8"?>
+<file path=customXml/item3.xml><?xml version="1.0" encoding="utf-8"?>
 <ct:contentTypeSchema xmlns:ct="http://schemas.microsoft.com/office/2006/metadata/contentType" xmlns:ma="http://schemas.microsoft.com/office/2006/metadata/properties/metaAttributes" ct:_="" ma:_="" ma:contentTypeName="Document" ma:contentTypeID="0x010100A045509ECBD6164FA18A476561BA3B80" ma:contentTypeVersion="4" ma:contentTypeDescription="Create a new document." ma:contentTypeScope="" ma:versionID="20cc224cf2ce133d945b58bf9aa1fd74">
   <xsd:schema xmlns:xsd="http://www.w3.org/2001/XMLSchema" xmlns:xs="http://www.w3.org/2001/XMLSchema" xmlns:p="http://schemas.microsoft.com/office/2006/metadata/properties" xmlns:ns2="ba9f7254-be62-4af3-81a0-f88449ef92de" xmlns:ns3="a3d7b686-0125-4b82-acc0-fe1e97a7b295" targetNamespace="http://schemas.microsoft.com/office/2006/metadata/properties" ma:root="true" ma:fieldsID="a6b37448b66adb591046b15d5c1a6eae" ns2:_="" ns3:_="">
     <xsd:import namespace="ba9f7254-be62-4af3-81a0-f88449ef92de"/>
@@ -23924,16 +26473,15 @@
 </ct:contentTypeSchema>
 </file>
 
-<file path=customXml/item3.xml><?xml version="1.0" encoding="utf-8"?>
-<?mso-contentType ?>
-<FormTemplates xmlns="http://schemas.microsoft.com/sharepoint/v3/contenttype/forms">
-  <Display>DocumentLibraryForm</Display>
-  <Edit>DocumentLibraryForm</Edit>
-  <New>DocumentLibraryForm</New>
-</FormTemplates>
+<file path=customXml/itemProps1.xml><?xml version="1.0" encoding="utf-8"?>
+<ds:datastoreItem xmlns:ds="http://schemas.openxmlformats.org/officeDocument/2006/customXml" ds:itemID="{7EA3318D-F11B-4EC8-A314-74F075D09277}">
+  <ds:schemaRefs>
+    <ds:schemaRef ds:uri="http://schemas.microsoft.com/sharepoint/v3/contenttype/forms"/>
+  </ds:schemaRefs>
+</ds:datastoreItem>
 </file>
 
-<file path=customXml/itemProps1.xml><?xml version="1.0" encoding="utf-8"?>
+<file path=customXml/itemProps2.xml><?xml version="1.0" encoding="utf-8"?>
 <ds:datastoreItem xmlns:ds="http://schemas.openxmlformats.org/officeDocument/2006/customXml" ds:itemID="{C9148211-82FA-4B5F-8E21-C66597C4D592}">
   <ds:schemaRefs>
     <ds:schemaRef ds:uri="http://schemas.microsoft.com/office/2006/metadata/properties"/>
@@ -23942,7 +26490,7 @@
 </ds:datastoreItem>
 </file>
 
-<file path=customXml/itemProps2.xml><?xml version="1.0" encoding="utf-8"?>
+<file path=customXml/itemProps3.xml><?xml version="1.0" encoding="utf-8"?>
 <ds:datastoreItem xmlns:ds="http://schemas.openxmlformats.org/officeDocument/2006/customXml" ds:itemID="{7E79562F-E462-46A6-9778-9EF3105C7A4F}">
   <ds:schemaRefs>
     <ds:schemaRef ds:uri="http://schemas.microsoft.com/office/2006/metadata/contentType"/>
@@ -23961,14 +26509,6 @@
 </ds:datastoreItem>
 </file>
 
-<file path=customXml/itemProps3.xml><?xml version="1.0" encoding="utf-8"?>
-<ds:datastoreItem xmlns:ds="http://schemas.openxmlformats.org/officeDocument/2006/customXml" ds:itemID="{7EA3318D-F11B-4EC8-A314-74F075D09277}">
-  <ds:schemaRefs>
-    <ds:schemaRef ds:uri="http://schemas.microsoft.com/sharepoint/v3/contenttype/forms"/>
-  </ds:schemaRefs>
-</ds:datastoreItem>
-</file>
-
 <file path=docMetadata/LabelInfo.xml><?xml version="1.0" encoding="utf-8"?>
 <clbl:labelList xmlns:clbl="http://schemas.microsoft.com/office/2020/mipLabelMetadata">
   <clbl:label id="{f42aa342-8706-4288-bd11-ebb85995028c}" enabled="1" method="Privileged" siteId="{72f988bf-86f1-41af-91ab-2d7cd011db47}" removed="0"/>
